--- a/documentacion/diapositiva del juego de naves.pptx
+++ b/documentacion/diapositiva del juego de naves.pptx
@@ -5,16 +5,26 @@
     <p:sldMasterId id="2147483648" r:id="rId1"/>
   </p:sldMasterIdLst>
   <p:sldIdLst>
-    <p:sldId id="257" r:id="rId2"/>
-    <p:sldId id="256" r:id="rId3"/>
-    <p:sldId id="258" r:id="rId4"/>
-    <p:sldId id="259" r:id="rId5"/>
+    <p:sldId id="256" r:id="rId2"/>
+    <p:sldId id="259" r:id="rId3"/>
+    <p:sldId id="257" r:id="rId4"/>
+    <p:sldId id="270" r:id="rId5"/>
+    <p:sldId id="258" r:id="rId6"/>
+    <p:sldId id="262" r:id="rId7"/>
+    <p:sldId id="260" r:id="rId8"/>
+    <p:sldId id="261" r:id="rId9"/>
+    <p:sldId id="263" r:id="rId10"/>
+    <p:sldId id="264" r:id="rId11"/>
+    <p:sldId id="265" r:id="rId12"/>
+    <p:sldId id="266" r:id="rId13"/>
+    <p:sldId id="267" r:id="rId14"/>
+    <p:sldId id="269" r:id="rId15"/>
   </p:sldIdLst>
   <p:sldSz cx="9144000" cy="6858000" type="screen4x3"/>
   <p:notesSz cx="6858000" cy="9144000"/>
   <p:defaultTextStyle>
     <a:defPPr>
-      <a:defRPr lang="es-PE"/>
+      <a:defRPr lang="en-US"/>
     </a:defPPr>
     <a:lvl1pPr marL="0" algn="l" defTabSz="914400" rtl="0" eaLnBrk="1" latinLnBrk="0" hangingPunct="1">
       <a:defRPr sz="1800" kern="1200">
@@ -112,7 +122,7 @@
 
 <file path=ppt/slideLayouts/slideLayout1.xml><?xml version="1.0" encoding="utf-8"?>
 <p:sldLayout xmlns:a="http://schemas.openxmlformats.org/drawingml/2006/main" xmlns:r="http://schemas.openxmlformats.org/officeDocument/2006/relationships" xmlns:p="http://schemas.openxmlformats.org/presentationml/2006/main" type="title" preserve="1">
-  <p:cSld name="Diapositiva de título">
+  <p:cSld name="Title Slide">
     <p:spTree>
       <p:nvGrpSpPr>
         <p:cNvPr id="1" name=""/>
@@ -129,35 +139,53 @@
       </p:grpSpPr>
       <p:sp>
         <p:nvSpPr>
-          <p:cNvPr id="2" name="1 Título"/>
+          <p:cNvPr id="2" name="Title 1"/>
           <p:cNvSpPr>
             <a:spLocks noGrp="1"/>
           </p:cNvSpPr>
           <p:nvPr>
-            <p:ph type="ctrTitle"/>
+            <p:ph type="ctrTitle" hasCustomPrompt="1"/>
           </p:nvPr>
         </p:nvSpPr>
         <p:spPr>
           <a:xfrm>
-            <a:off x="685800" y="2130425"/>
-            <a:ext cx="7772400" cy="1470025"/>
+            <a:off x="601670" y="3734410"/>
+            <a:ext cx="7329840" cy="1527050"/>
           </a:xfrm>
+          <a:effectLst/>
         </p:spPr>
         <p:txBody>
-          <a:bodyPr/>
-          <a:lstStyle/>
-          <a:p>
-            <a:r>
-              <a:rPr lang="es-ES" smtClean="0"/>
-              <a:t>Haga clic para modificar el estilo de título del patrón</a:t>
-            </a:r>
-            <a:endParaRPr lang="es-PE"/>
+          <a:bodyPr>
+            <a:normAutofit/>
+          </a:bodyPr>
+          <a:lstStyle>
+            <a:lvl1pPr algn="l">
+              <a:defRPr sz="3600">
+                <a:solidFill>
+                  <a:schemeClr val="bg1"/>
+                </a:solidFill>
+              </a:defRPr>
+            </a:lvl1pPr>
+          </a:lstStyle>
+          <a:p>
+            <a:r>
+              <a:rPr lang="en-US" dirty="0" smtClean="0"/>
+              <a:t>Click to edit </a:t>
+            </a:r>
+            <a:br>
+              <a:rPr lang="en-US" dirty="0" smtClean="0"/>
+            </a:br>
+            <a:r>
+              <a:rPr lang="en-US" dirty="0" smtClean="0"/>
+              <a:t>Master title style</a:t>
+            </a:r>
+            <a:endParaRPr lang="en-US" dirty="0"/>
           </a:p>
         </p:txBody>
       </p:sp>
       <p:sp>
         <p:nvSpPr>
-          <p:cNvPr id="3" name="2 Subtítulo"/>
+          <p:cNvPr id="3" name="Subtitle 2"/>
           <p:cNvSpPr>
             <a:spLocks noGrp="1"/>
           </p:cNvSpPr>
@@ -167,20 +195,20 @@
         </p:nvSpPr>
         <p:spPr>
           <a:xfrm>
-            <a:off x="1371600" y="3886200"/>
-            <a:ext cx="6400800" cy="1752600"/>
+            <a:off x="601670" y="5414165"/>
+            <a:ext cx="7329840" cy="458115"/>
           </a:xfrm>
         </p:spPr>
         <p:txBody>
-          <a:bodyPr/>
+          <a:bodyPr>
+            <a:normAutofit/>
+          </a:bodyPr>
           <a:lstStyle>
-            <a:lvl1pPr marL="0" indent="0" algn="ctr">
+            <a:lvl1pPr marL="0" indent="0" algn="l">
               <a:buNone/>
-              <a:defRPr>
+              <a:defRPr sz="2800">
                 <a:solidFill>
-                  <a:schemeClr val="tx1">
-                    <a:tint val="75000"/>
-                  </a:schemeClr>
+                  <a:srgbClr val="7ABC32"/>
                 </a:solidFill>
               </a:defRPr>
             </a:lvl1pPr>
@@ -267,16 +295,16 @@
           </a:lstStyle>
           <a:p>
             <a:r>
-              <a:rPr lang="es-ES" smtClean="0"/>
-              <a:t>Haga clic para modificar el estilo de subtítulo del patrón</a:t>
-            </a:r>
-            <a:endParaRPr lang="es-PE"/>
+              <a:rPr lang="en-US" dirty="0" smtClean="0"/>
+              <a:t>Click to edit Master subtitle style</a:t>
+            </a:r>
+            <a:endParaRPr lang="en-US" dirty="0"/>
           </a:p>
         </p:txBody>
       </p:sp>
       <p:sp>
         <p:nvSpPr>
-          <p:cNvPr id="4" name="3 Marcador de fecha"/>
+          <p:cNvPr id="4" name="Date Placeholder 3"/>
           <p:cNvSpPr>
             <a:spLocks noGrp="1"/>
           </p:cNvSpPr>
@@ -289,17 +317,18 @@
           <a:bodyPr/>
           <a:lstStyle/>
           <a:p>
-            <a:fld id="{7193C34C-F113-4994-9C66-B265FA1F4C31}" type="datetimeFigureOut">
-              <a:rPr lang="es-PE" smtClean="0"/>
-              <a:t>30/07/2015</a:t>
+            <a:fld id="{53074F12-AA26-4AC8-9962-C36BB8F32554}" type="datetimeFigureOut">
+              <a:rPr lang="en-US" smtClean="0"/>
+              <a:pPr/>
+              <a:t>7/30/2015</a:t>
             </a:fld>
-            <a:endParaRPr lang="es-PE"/>
+            <a:endParaRPr lang="en-US" dirty="0"/>
           </a:p>
         </p:txBody>
       </p:sp>
       <p:sp>
         <p:nvSpPr>
-          <p:cNvPr id="5" name="4 Marcador de pie de página"/>
+          <p:cNvPr id="5" name="Footer Placeholder 4"/>
           <p:cNvSpPr>
             <a:spLocks noGrp="1"/>
           </p:cNvSpPr>
@@ -312,13 +341,13 @@
           <a:bodyPr/>
           <a:lstStyle/>
           <a:p>
-            <a:endParaRPr lang="es-PE"/>
+            <a:endParaRPr lang="en-US" dirty="0"/>
           </a:p>
         </p:txBody>
       </p:sp>
       <p:sp>
         <p:nvSpPr>
-          <p:cNvPr id="6" name="5 Marcador de número de diapositiva"/>
+          <p:cNvPr id="6" name="Slide Number Placeholder 5"/>
           <p:cNvSpPr>
             <a:spLocks noGrp="1"/>
           </p:cNvSpPr>
@@ -331,18 +360,19 @@
           <a:bodyPr/>
           <a:lstStyle/>
           <a:p>
-            <a:fld id="{5970FB85-B543-47CD-9C25-C752211E4B4C}" type="slidenum">
-              <a:rPr lang="es-PE" smtClean="0"/>
+            <a:fld id="{B82CCC60-E8CD-4174-8B1A-7DF615B22EEF}" type="slidenum">
+              <a:rPr lang="en-US" smtClean="0"/>
+              <a:pPr/>
               <a:t>‹Nº›</a:t>
             </a:fld>
-            <a:endParaRPr lang="es-PE"/>
+            <a:endParaRPr lang="en-US" dirty="0"/>
           </a:p>
         </p:txBody>
       </p:sp>
     </p:spTree>
     <p:extLst>
       <p:ext uri="{BB962C8B-B14F-4D97-AF65-F5344CB8AC3E}">
-        <p14:creationId xmlns:p14="http://schemas.microsoft.com/office/powerpoint/2010/main" val="2463273281"/>
+        <p14:creationId xmlns:p14="http://schemas.microsoft.com/office/powerpoint/2010/main" val="3253875174"/>
       </p:ext>
     </p:extLst>
   </p:cSld>
@@ -353,8 +383,8 @@
 </file>
 
 <file path=ppt/slideLayouts/slideLayout10.xml><?xml version="1.0" encoding="utf-8"?>
-<p:sldLayout xmlns:a="http://schemas.openxmlformats.org/drawingml/2006/main" xmlns:r="http://schemas.openxmlformats.org/officeDocument/2006/relationships" xmlns:p="http://schemas.openxmlformats.org/presentationml/2006/main" type="vertTx" preserve="1">
-  <p:cSld name="Título y texto vertical">
+<p:sldLayout xmlns:a="http://schemas.openxmlformats.org/drawingml/2006/main" xmlns:r="http://schemas.openxmlformats.org/officeDocument/2006/relationships" xmlns:p="http://schemas.openxmlformats.org/presentationml/2006/main" type="picTx" preserve="1">
+  <p:cSld name="Picture with Caption">
     <p:spTree>
       <p:nvGrpSpPr>
         <p:cNvPr id="1" name=""/>
@@ -371,7 +401,7 @@
       </p:grpSpPr>
       <p:sp>
         <p:nvSpPr>
-          <p:cNvPr id="2" name="1 Título"/>
+          <p:cNvPr id="2" name="Title 1"/>
           <p:cNvSpPr>
             <a:spLocks noGrp="1"/>
           </p:cNvSpPr>
@@ -379,74 +409,157 @@
             <p:ph type="title"/>
           </p:nvPr>
         </p:nvSpPr>
-        <p:spPr/>
+        <p:spPr>
+          <a:xfrm>
+            <a:off x="1792288" y="4800600"/>
+            <a:ext cx="5486400" cy="566738"/>
+          </a:xfrm>
+        </p:spPr>
         <p:txBody>
-          <a:bodyPr/>
-          <a:lstStyle/>
-          <a:p>
-            <a:r>
-              <a:rPr lang="es-ES" smtClean="0"/>
-              <a:t>Haga clic para modificar el estilo de título del patrón</a:t>
-            </a:r>
-            <a:endParaRPr lang="es-PE"/>
+          <a:bodyPr anchor="b"/>
+          <a:lstStyle>
+            <a:lvl1pPr algn="l">
+              <a:defRPr sz="2000" b="1"/>
+            </a:lvl1pPr>
+          </a:lstStyle>
+          <a:p>
+            <a:r>
+              <a:rPr lang="en-US" smtClean="0"/>
+              <a:t>Click to edit Master title style</a:t>
+            </a:r>
+            <a:endParaRPr lang="en-US"/>
           </a:p>
         </p:txBody>
       </p:sp>
       <p:sp>
         <p:nvSpPr>
-          <p:cNvPr id="3" name="2 Marcador de texto vertical"/>
+          <p:cNvPr id="3" name="Picture Placeholder 2"/>
           <p:cNvSpPr>
             <a:spLocks noGrp="1"/>
           </p:cNvSpPr>
           <p:nvPr>
-            <p:ph type="body" orient="vert" idx="1"/>
+            <p:ph type="pic" idx="1"/>
           </p:nvPr>
         </p:nvSpPr>
-        <p:spPr/>
+        <p:spPr>
+          <a:xfrm>
+            <a:off x="1792288" y="612775"/>
+            <a:ext cx="5486400" cy="4114800"/>
+          </a:xfrm>
+        </p:spPr>
         <p:txBody>
-          <a:bodyPr vert="eaVert"/>
-          <a:lstStyle/>
-          <a:p>
-            <a:pPr lvl="0"/>
-            <a:r>
-              <a:rPr lang="es-ES" smtClean="0"/>
-              <a:t>Haga clic para modificar el estilo de texto del patrón</a:t>
-            </a:r>
-          </a:p>
-          <a:p>
-            <a:pPr lvl="1"/>
-            <a:r>
-              <a:rPr lang="es-ES" smtClean="0"/>
-              <a:t>Segundo nivel</a:t>
-            </a:r>
-          </a:p>
-          <a:p>
-            <a:pPr lvl="2"/>
-            <a:r>
-              <a:rPr lang="es-ES" smtClean="0"/>
-              <a:t>Tercer nivel</a:t>
-            </a:r>
-          </a:p>
-          <a:p>
-            <a:pPr lvl="3"/>
-            <a:r>
-              <a:rPr lang="es-ES" smtClean="0"/>
-              <a:t>Cuarto nivel</a:t>
-            </a:r>
-          </a:p>
-          <a:p>
-            <a:pPr lvl="4"/>
-            <a:r>
-              <a:rPr lang="es-ES" smtClean="0"/>
-              <a:t>Quinto nivel</a:t>
-            </a:r>
-            <a:endParaRPr lang="es-PE"/>
+          <a:bodyPr/>
+          <a:lstStyle>
+            <a:lvl1pPr marL="0" indent="0">
+              <a:buNone/>
+              <a:defRPr sz="3200"/>
+            </a:lvl1pPr>
+            <a:lvl2pPr marL="457200" indent="0">
+              <a:buNone/>
+              <a:defRPr sz="2800"/>
+            </a:lvl2pPr>
+            <a:lvl3pPr marL="914400" indent="0">
+              <a:buNone/>
+              <a:defRPr sz="2400"/>
+            </a:lvl3pPr>
+            <a:lvl4pPr marL="1371600" indent="0">
+              <a:buNone/>
+              <a:defRPr sz="2000"/>
+            </a:lvl4pPr>
+            <a:lvl5pPr marL="1828800" indent="0">
+              <a:buNone/>
+              <a:defRPr sz="2000"/>
+            </a:lvl5pPr>
+            <a:lvl6pPr marL="2286000" indent="0">
+              <a:buNone/>
+              <a:defRPr sz="2000"/>
+            </a:lvl6pPr>
+            <a:lvl7pPr marL="2743200" indent="0">
+              <a:buNone/>
+              <a:defRPr sz="2000"/>
+            </a:lvl7pPr>
+            <a:lvl8pPr marL="3200400" indent="0">
+              <a:buNone/>
+              <a:defRPr sz="2000"/>
+            </a:lvl8pPr>
+            <a:lvl9pPr marL="3657600" indent="0">
+              <a:buNone/>
+              <a:defRPr sz="2000"/>
+            </a:lvl9pPr>
+          </a:lstStyle>
+          <a:p>
+            <a:endParaRPr lang="en-US" dirty="0"/>
           </a:p>
         </p:txBody>
       </p:sp>
       <p:sp>
         <p:nvSpPr>
-          <p:cNvPr id="4" name="3 Marcador de fecha"/>
+          <p:cNvPr id="4" name="Text Placeholder 3"/>
+          <p:cNvSpPr>
+            <a:spLocks noGrp="1"/>
+          </p:cNvSpPr>
+          <p:nvPr>
+            <p:ph type="body" sz="half" idx="2"/>
+          </p:nvPr>
+        </p:nvSpPr>
+        <p:spPr>
+          <a:xfrm>
+            <a:off x="1792288" y="5367338"/>
+            <a:ext cx="5486400" cy="804862"/>
+          </a:xfrm>
+        </p:spPr>
+        <p:txBody>
+          <a:bodyPr/>
+          <a:lstStyle>
+            <a:lvl1pPr marL="0" indent="0">
+              <a:buNone/>
+              <a:defRPr sz="1400"/>
+            </a:lvl1pPr>
+            <a:lvl2pPr marL="457200" indent="0">
+              <a:buNone/>
+              <a:defRPr sz="1200"/>
+            </a:lvl2pPr>
+            <a:lvl3pPr marL="914400" indent="0">
+              <a:buNone/>
+              <a:defRPr sz="1000"/>
+            </a:lvl3pPr>
+            <a:lvl4pPr marL="1371600" indent="0">
+              <a:buNone/>
+              <a:defRPr sz="900"/>
+            </a:lvl4pPr>
+            <a:lvl5pPr marL="1828800" indent="0">
+              <a:buNone/>
+              <a:defRPr sz="900"/>
+            </a:lvl5pPr>
+            <a:lvl6pPr marL="2286000" indent="0">
+              <a:buNone/>
+              <a:defRPr sz="900"/>
+            </a:lvl6pPr>
+            <a:lvl7pPr marL="2743200" indent="0">
+              <a:buNone/>
+              <a:defRPr sz="900"/>
+            </a:lvl7pPr>
+            <a:lvl8pPr marL="3200400" indent="0">
+              <a:buNone/>
+              <a:defRPr sz="900"/>
+            </a:lvl8pPr>
+            <a:lvl9pPr marL="3657600" indent="0">
+              <a:buNone/>
+              <a:defRPr sz="900"/>
+            </a:lvl9pPr>
+          </a:lstStyle>
+          <a:p>
+            <a:pPr lvl="0"/>
+            <a:r>
+              <a:rPr lang="en-US" smtClean="0"/>
+              <a:t>Click to edit Master text styles</a:t>
+            </a:r>
+          </a:p>
+        </p:txBody>
+      </p:sp>
+      <p:sp>
+        <p:nvSpPr>
+          <p:cNvPr id="5" name="Date Placeholder 4"/>
           <p:cNvSpPr>
             <a:spLocks noGrp="1"/>
           </p:cNvSpPr>
@@ -459,17 +572,18 @@
           <a:bodyPr/>
           <a:lstStyle/>
           <a:p>
-            <a:fld id="{7193C34C-F113-4994-9C66-B265FA1F4C31}" type="datetimeFigureOut">
-              <a:rPr lang="es-PE" smtClean="0"/>
-              <a:t>30/07/2015</a:t>
+            <a:fld id="{53074F12-AA26-4AC8-9962-C36BB8F32554}" type="datetimeFigureOut">
+              <a:rPr lang="en-US" smtClean="0"/>
+              <a:pPr/>
+              <a:t>7/30/2015</a:t>
             </a:fld>
-            <a:endParaRPr lang="es-PE"/>
+            <a:endParaRPr lang="en-US" dirty="0"/>
           </a:p>
         </p:txBody>
       </p:sp>
       <p:sp>
         <p:nvSpPr>
-          <p:cNvPr id="5" name="4 Marcador de pie de página"/>
+          <p:cNvPr id="6" name="Footer Placeholder 5"/>
           <p:cNvSpPr>
             <a:spLocks noGrp="1"/>
           </p:cNvSpPr>
@@ -482,13 +596,13 @@
           <a:bodyPr/>
           <a:lstStyle/>
           <a:p>
-            <a:endParaRPr lang="es-PE"/>
+            <a:endParaRPr lang="en-US" dirty="0"/>
           </a:p>
         </p:txBody>
       </p:sp>
       <p:sp>
         <p:nvSpPr>
-          <p:cNvPr id="6" name="5 Marcador de número de diapositiva"/>
+          <p:cNvPr id="7" name="Slide Number Placeholder 6"/>
           <p:cNvSpPr>
             <a:spLocks noGrp="1"/>
           </p:cNvSpPr>
@@ -501,18 +615,19 @@
           <a:bodyPr/>
           <a:lstStyle/>
           <a:p>
-            <a:fld id="{5970FB85-B543-47CD-9C25-C752211E4B4C}" type="slidenum">
-              <a:rPr lang="es-PE" smtClean="0"/>
+            <a:fld id="{B82CCC60-E8CD-4174-8B1A-7DF615B22EEF}" type="slidenum">
+              <a:rPr lang="en-US" smtClean="0"/>
+              <a:pPr/>
               <a:t>‹Nº›</a:t>
             </a:fld>
-            <a:endParaRPr lang="es-PE"/>
+            <a:endParaRPr lang="en-US" dirty="0"/>
           </a:p>
         </p:txBody>
       </p:sp>
     </p:spTree>
     <p:extLst>
       <p:ext uri="{BB962C8B-B14F-4D97-AF65-F5344CB8AC3E}">
-        <p14:creationId xmlns:p14="http://schemas.microsoft.com/office/powerpoint/2010/main" val="1562653462"/>
+        <p14:creationId xmlns:p14="http://schemas.microsoft.com/office/powerpoint/2010/main" val="477607843"/>
       </p:ext>
     </p:extLst>
   </p:cSld>
@@ -523,8 +638,8 @@
 </file>
 
 <file path=ppt/slideLayouts/slideLayout11.xml><?xml version="1.0" encoding="utf-8"?>
-<p:sldLayout xmlns:a="http://schemas.openxmlformats.org/drawingml/2006/main" xmlns:r="http://schemas.openxmlformats.org/officeDocument/2006/relationships" xmlns:p="http://schemas.openxmlformats.org/presentationml/2006/main" type="vertTitleAndTx" preserve="1">
-  <p:cSld name="Título vertical y texto">
+<p:sldLayout xmlns:a="http://schemas.openxmlformats.org/drawingml/2006/main" xmlns:r="http://schemas.openxmlformats.org/officeDocument/2006/relationships" xmlns:p="http://schemas.openxmlformats.org/presentationml/2006/main" type="vertTx" preserve="1">
+  <p:cSld name="Title and Vertical Text">
     <p:spTree>
       <p:nvGrpSpPr>
         <p:cNvPr id="1" name=""/>
@@ -541,7 +656,179 @@
       </p:grpSpPr>
       <p:sp>
         <p:nvSpPr>
-          <p:cNvPr id="2" name="1 Título vertical"/>
+          <p:cNvPr id="2" name="Title 1"/>
+          <p:cNvSpPr>
+            <a:spLocks noGrp="1"/>
+          </p:cNvSpPr>
+          <p:nvPr>
+            <p:ph type="title"/>
+          </p:nvPr>
+        </p:nvSpPr>
+        <p:spPr/>
+        <p:txBody>
+          <a:bodyPr/>
+          <a:lstStyle/>
+          <a:p>
+            <a:r>
+              <a:rPr lang="en-US" smtClean="0"/>
+              <a:t>Click to edit Master title style</a:t>
+            </a:r>
+            <a:endParaRPr lang="en-US"/>
+          </a:p>
+        </p:txBody>
+      </p:sp>
+      <p:sp>
+        <p:nvSpPr>
+          <p:cNvPr id="3" name="Vertical Text Placeholder 2"/>
+          <p:cNvSpPr>
+            <a:spLocks noGrp="1"/>
+          </p:cNvSpPr>
+          <p:nvPr>
+            <p:ph type="body" orient="vert" idx="1"/>
+          </p:nvPr>
+        </p:nvSpPr>
+        <p:spPr/>
+        <p:txBody>
+          <a:bodyPr vert="eaVert"/>
+          <a:lstStyle/>
+          <a:p>
+            <a:pPr lvl="0"/>
+            <a:r>
+              <a:rPr lang="en-US" smtClean="0"/>
+              <a:t>Click to edit Master text styles</a:t>
+            </a:r>
+          </a:p>
+          <a:p>
+            <a:pPr lvl="1"/>
+            <a:r>
+              <a:rPr lang="en-US" smtClean="0"/>
+              <a:t>Second level</a:t>
+            </a:r>
+          </a:p>
+          <a:p>
+            <a:pPr lvl="2"/>
+            <a:r>
+              <a:rPr lang="en-US" smtClean="0"/>
+              <a:t>Third level</a:t>
+            </a:r>
+          </a:p>
+          <a:p>
+            <a:pPr lvl="3"/>
+            <a:r>
+              <a:rPr lang="en-US" smtClean="0"/>
+              <a:t>Fourth level</a:t>
+            </a:r>
+          </a:p>
+          <a:p>
+            <a:pPr lvl="4"/>
+            <a:r>
+              <a:rPr lang="en-US" smtClean="0"/>
+              <a:t>Fifth level</a:t>
+            </a:r>
+            <a:endParaRPr lang="en-US"/>
+          </a:p>
+        </p:txBody>
+      </p:sp>
+      <p:sp>
+        <p:nvSpPr>
+          <p:cNvPr id="4" name="Date Placeholder 3"/>
+          <p:cNvSpPr>
+            <a:spLocks noGrp="1"/>
+          </p:cNvSpPr>
+          <p:nvPr>
+            <p:ph type="dt" sz="half" idx="10"/>
+          </p:nvPr>
+        </p:nvSpPr>
+        <p:spPr/>
+        <p:txBody>
+          <a:bodyPr/>
+          <a:lstStyle/>
+          <a:p>
+            <a:fld id="{53074F12-AA26-4AC8-9962-C36BB8F32554}" type="datetimeFigureOut">
+              <a:rPr lang="en-US" smtClean="0"/>
+              <a:pPr/>
+              <a:t>7/30/2015</a:t>
+            </a:fld>
+            <a:endParaRPr lang="en-US" dirty="0"/>
+          </a:p>
+        </p:txBody>
+      </p:sp>
+      <p:sp>
+        <p:nvSpPr>
+          <p:cNvPr id="5" name="Footer Placeholder 4"/>
+          <p:cNvSpPr>
+            <a:spLocks noGrp="1"/>
+          </p:cNvSpPr>
+          <p:nvPr>
+            <p:ph type="ftr" sz="quarter" idx="11"/>
+          </p:nvPr>
+        </p:nvSpPr>
+        <p:spPr/>
+        <p:txBody>
+          <a:bodyPr/>
+          <a:lstStyle/>
+          <a:p>
+            <a:endParaRPr lang="en-US" dirty="0"/>
+          </a:p>
+        </p:txBody>
+      </p:sp>
+      <p:sp>
+        <p:nvSpPr>
+          <p:cNvPr id="6" name="Slide Number Placeholder 5"/>
+          <p:cNvSpPr>
+            <a:spLocks noGrp="1"/>
+          </p:cNvSpPr>
+          <p:nvPr>
+            <p:ph type="sldNum" sz="quarter" idx="12"/>
+          </p:nvPr>
+        </p:nvSpPr>
+        <p:spPr/>
+        <p:txBody>
+          <a:bodyPr/>
+          <a:lstStyle/>
+          <a:p>
+            <a:fld id="{B82CCC60-E8CD-4174-8B1A-7DF615B22EEF}" type="slidenum">
+              <a:rPr lang="en-US" smtClean="0"/>
+              <a:pPr/>
+              <a:t>‹Nº›</a:t>
+            </a:fld>
+            <a:endParaRPr lang="en-US" dirty="0"/>
+          </a:p>
+        </p:txBody>
+      </p:sp>
+    </p:spTree>
+    <p:extLst>
+      <p:ext uri="{BB962C8B-B14F-4D97-AF65-F5344CB8AC3E}">
+        <p14:creationId xmlns:p14="http://schemas.microsoft.com/office/powerpoint/2010/main" val="3428665726"/>
+      </p:ext>
+    </p:extLst>
+  </p:cSld>
+  <p:clrMapOvr>
+    <a:masterClrMapping/>
+  </p:clrMapOvr>
+</p:sldLayout>
+</file>
+
+<file path=ppt/slideLayouts/slideLayout12.xml><?xml version="1.0" encoding="utf-8"?>
+<p:sldLayout xmlns:a="http://schemas.openxmlformats.org/drawingml/2006/main" xmlns:r="http://schemas.openxmlformats.org/officeDocument/2006/relationships" xmlns:p="http://schemas.openxmlformats.org/presentationml/2006/main" type="vertTitleAndTx" preserve="1">
+  <p:cSld name="Vertical Title and Text">
+    <p:spTree>
+      <p:nvGrpSpPr>
+        <p:cNvPr id="1" name=""/>
+        <p:cNvGrpSpPr/>
+        <p:nvPr/>
+      </p:nvGrpSpPr>
+      <p:grpSpPr>
+        <a:xfrm>
+          <a:off x="0" y="0"/>
+          <a:ext cx="0" cy="0"/>
+          <a:chOff x="0" y="0"/>
+          <a:chExt cx="0" cy="0"/>
+        </a:xfrm>
+      </p:grpSpPr>
+      <p:sp>
+        <p:nvSpPr>
+          <p:cNvPr id="2" name="Vertical Title 1"/>
           <p:cNvSpPr>
             <a:spLocks noGrp="1"/>
           </p:cNvSpPr>
@@ -560,16 +847,16 @@
           <a:lstStyle/>
           <a:p>
             <a:r>
-              <a:rPr lang="es-ES" smtClean="0"/>
-              <a:t>Haga clic para modificar el estilo de título del patrón</a:t>
-            </a:r>
-            <a:endParaRPr lang="es-PE"/>
+              <a:rPr lang="en-US" smtClean="0"/>
+              <a:t>Click to edit Master title style</a:t>
+            </a:r>
+            <a:endParaRPr lang="en-US"/>
           </a:p>
         </p:txBody>
       </p:sp>
       <p:sp>
         <p:nvSpPr>
-          <p:cNvPr id="3" name="2 Marcador de texto vertical"/>
+          <p:cNvPr id="3" name="Vertical Text Placeholder 2"/>
           <p:cNvSpPr>
             <a:spLocks noGrp="1"/>
           </p:cNvSpPr>
@@ -589,44 +876,44 @@
           <a:p>
             <a:pPr lvl="0"/>
             <a:r>
-              <a:rPr lang="es-ES" smtClean="0"/>
-              <a:t>Haga clic para modificar el estilo de texto del patrón</a:t>
+              <a:rPr lang="en-US" smtClean="0"/>
+              <a:t>Click to edit Master text styles</a:t>
             </a:r>
           </a:p>
           <a:p>
             <a:pPr lvl="1"/>
             <a:r>
-              <a:rPr lang="es-ES" smtClean="0"/>
-              <a:t>Segundo nivel</a:t>
+              <a:rPr lang="en-US" smtClean="0"/>
+              <a:t>Second level</a:t>
             </a:r>
           </a:p>
           <a:p>
             <a:pPr lvl="2"/>
             <a:r>
-              <a:rPr lang="es-ES" smtClean="0"/>
-              <a:t>Tercer nivel</a:t>
+              <a:rPr lang="en-US" smtClean="0"/>
+              <a:t>Third level</a:t>
             </a:r>
           </a:p>
           <a:p>
             <a:pPr lvl="3"/>
             <a:r>
-              <a:rPr lang="es-ES" smtClean="0"/>
-              <a:t>Cuarto nivel</a:t>
+              <a:rPr lang="en-US" smtClean="0"/>
+              <a:t>Fourth level</a:t>
             </a:r>
           </a:p>
           <a:p>
             <a:pPr lvl="4"/>
             <a:r>
-              <a:rPr lang="es-ES" smtClean="0"/>
-              <a:t>Quinto nivel</a:t>
-            </a:r>
-            <a:endParaRPr lang="es-PE"/>
+              <a:rPr lang="en-US" smtClean="0"/>
+              <a:t>Fifth level</a:t>
+            </a:r>
+            <a:endParaRPr lang="en-US"/>
           </a:p>
         </p:txBody>
       </p:sp>
       <p:sp>
         <p:nvSpPr>
-          <p:cNvPr id="4" name="3 Marcador de fecha"/>
+          <p:cNvPr id="4" name="Date Placeholder 3"/>
           <p:cNvSpPr>
             <a:spLocks noGrp="1"/>
           </p:cNvSpPr>
@@ -639,17 +926,18 @@
           <a:bodyPr/>
           <a:lstStyle/>
           <a:p>
-            <a:fld id="{7193C34C-F113-4994-9C66-B265FA1F4C31}" type="datetimeFigureOut">
-              <a:rPr lang="es-PE" smtClean="0"/>
-              <a:t>30/07/2015</a:t>
+            <a:fld id="{53074F12-AA26-4AC8-9962-C36BB8F32554}" type="datetimeFigureOut">
+              <a:rPr lang="en-US" smtClean="0"/>
+              <a:pPr/>
+              <a:t>7/30/2015</a:t>
             </a:fld>
-            <a:endParaRPr lang="es-PE"/>
+            <a:endParaRPr lang="en-US" dirty="0"/>
           </a:p>
         </p:txBody>
       </p:sp>
       <p:sp>
         <p:nvSpPr>
-          <p:cNvPr id="5" name="4 Marcador de pie de página"/>
+          <p:cNvPr id="5" name="Footer Placeholder 4"/>
           <p:cNvSpPr>
             <a:spLocks noGrp="1"/>
           </p:cNvSpPr>
@@ -662,13 +950,13 @@
           <a:bodyPr/>
           <a:lstStyle/>
           <a:p>
-            <a:endParaRPr lang="es-PE"/>
+            <a:endParaRPr lang="en-US" dirty="0"/>
           </a:p>
         </p:txBody>
       </p:sp>
       <p:sp>
         <p:nvSpPr>
-          <p:cNvPr id="6" name="5 Marcador de número de diapositiva"/>
+          <p:cNvPr id="6" name="Slide Number Placeholder 5"/>
           <p:cNvSpPr>
             <a:spLocks noGrp="1"/>
           </p:cNvSpPr>
@@ -681,18 +969,19 @@
           <a:bodyPr/>
           <a:lstStyle/>
           <a:p>
-            <a:fld id="{5970FB85-B543-47CD-9C25-C752211E4B4C}" type="slidenum">
-              <a:rPr lang="es-PE" smtClean="0"/>
+            <a:fld id="{B82CCC60-E8CD-4174-8B1A-7DF615B22EEF}" type="slidenum">
+              <a:rPr lang="en-US" smtClean="0"/>
+              <a:pPr/>
               <a:t>‹Nº›</a:t>
             </a:fld>
-            <a:endParaRPr lang="es-PE"/>
+            <a:endParaRPr lang="en-US" dirty="0"/>
           </a:p>
         </p:txBody>
       </p:sp>
     </p:spTree>
     <p:extLst>
       <p:ext uri="{BB962C8B-B14F-4D97-AF65-F5344CB8AC3E}">
-        <p14:creationId xmlns:p14="http://schemas.microsoft.com/office/powerpoint/2010/main" val="3489646501"/>
+        <p14:creationId xmlns:p14="http://schemas.microsoft.com/office/powerpoint/2010/main" val="893609949"/>
       </p:ext>
     </p:extLst>
   </p:cSld>
@@ -704,7 +993,7 @@
 
 <file path=ppt/slideLayouts/slideLayout2.xml><?xml version="1.0" encoding="utf-8"?>
 <p:sldLayout xmlns:a="http://schemas.openxmlformats.org/drawingml/2006/main" xmlns:r="http://schemas.openxmlformats.org/officeDocument/2006/relationships" xmlns:p="http://schemas.openxmlformats.org/presentationml/2006/main" type="obj" preserve="1">
-  <p:cSld name="Título y objetos">
+  <p:cSld name="Title and Content">
     <p:spTree>
       <p:nvGrpSpPr>
         <p:cNvPr id="1" name=""/>
@@ -721,7 +1010,7 @@
       </p:grpSpPr>
       <p:sp>
         <p:nvSpPr>
-          <p:cNvPr id="2" name="1 Título"/>
+          <p:cNvPr id="2" name="Title 1"/>
           <p:cNvSpPr>
             <a:spLocks noGrp="1"/>
           </p:cNvSpPr>
@@ -729,22 +1018,40 @@
             <p:ph type="title"/>
           </p:nvPr>
         </p:nvSpPr>
-        <p:spPr/>
+        <p:spPr>
+          <a:xfrm>
+            <a:off x="448965" y="1443835"/>
+            <a:ext cx="8229600" cy="610820"/>
+          </a:xfrm>
+          <a:solidFill>
+            <a:srgbClr val="7ABC32"/>
+          </a:solidFill>
+        </p:spPr>
         <p:txBody>
-          <a:bodyPr/>
-          <a:lstStyle/>
-          <a:p>
-            <a:r>
-              <a:rPr lang="es-ES" smtClean="0"/>
-              <a:t>Haga clic para modificar el estilo de título del patrón</a:t>
-            </a:r>
-            <a:endParaRPr lang="es-PE"/>
+          <a:bodyPr>
+            <a:normAutofit/>
+          </a:bodyPr>
+          <a:lstStyle>
+            <a:lvl1pPr algn="l">
+              <a:defRPr sz="3600">
+                <a:solidFill>
+                  <a:schemeClr val="bg1"/>
+                </a:solidFill>
+              </a:defRPr>
+            </a:lvl1pPr>
+          </a:lstStyle>
+          <a:p>
+            <a:r>
+              <a:rPr lang="en-US" dirty="0" smtClean="0"/>
+              <a:t>Click to edit Master title style</a:t>
+            </a:r>
+            <a:endParaRPr lang="en-US" dirty="0"/>
           </a:p>
         </p:txBody>
       </p:sp>
       <p:sp>
         <p:nvSpPr>
-          <p:cNvPr id="3" name="2 Marcador de contenido"/>
+          <p:cNvPr id="3" name="Content Placeholder 2"/>
           <p:cNvSpPr>
             <a:spLocks noGrp="1"/>
           </p:cNvSpPr>
@@ -752,51 +1059,92 @@
             <p:ph idx="1"/>
           </p:nvPr>
         </p:nvSpPr>
-        <p:spPr/>
+        <p:spPr>
+          <a:xfrm>
+            <a:off x="448965" y="2054655"/>
+            <a:ext cx="8229600" cy="3918803"/>
+          </a:xfrm>
+        </p:spPr>
         <p:txBody>
           <a:bodyPr/>
-          <a:lstStyle/>
+          <a:lstStyle>
+            <a:lvl1pPr>
+              <a:defRPr sz="2800">
+                <a:solidFill>
+                  <a:srgbClr val="002060"/>
+                </a:solidFill>
+              </a:defRPr>
+            </a:lvl1pPr>
+            <a:lvl2pPr>
+              <a:defRPr>
+                <a:solidFill>
+                  <a:srgbClr val="002060"/>
+                </a:solidFill>
+              </a:defRPr>
+            </a:lvl2pPr>
+            <a:lvl3pPr>
+              <a:defRPr>
+                <a:solidFill>
+                  <a:srgbClr val="002060"/>
+                </a:solidFill>
+              </a:defRPr>
+            </a:lvl3pPr>
+            <a:lvl4pPr>
+              <a:defRPr>
+                <a:solidFill>
+                  <a:srgbClr val="002060"/>
+                </a:solidFill>
+              </a:defRPr>
+            </a:lvl4pPr>
+            <a:lvl5pPr>
+              <a:defRPr>
+                <a:solidFill>
+                  <a:srgbClr val="002060"/>
+                </a:solidFill>
+              </a:defRPr>
+            </a:lvl5pPr>
+          </a:lstStyle>
           <a:p>
             <a:pPr lvl="0"/>
             <a:r>
-              <a:rPr lang="es-ES" smtClean="0"/>
-              <a:t>Haga clic para modificar el estilo de texto del patrón</a:t>
+              <a:rPr lang="en-US" dirty="0" smtClean="0"/>
+              <a:t>Click to edit Master text styles</a:t>
             </a:r>
           </a:p>
           <a:p>
             <a:pPr lvl="1"/>
             <a:r>
-              <a:rPr lang="es-ES" smtClean="0"/>
-              <a:t>Segundo nivel</a:t>
+              <a:rPr lang="en-US" dirty="0" smtClean="0"/>
+              <a:t>Second level</a:t>
             </a:r>
           </a:p>
           <a:p>
             <a:pPr lvl="2"/>
             <a:r>
-              <a:rPr lang="es-ES" smtClean="0"/>
-              <a:t>Tercer nivel</a:t>
+              <a:rPr lang="en-US" dirty="0" smtClean="0"/>
+              <a:t>Third level</a:t>
             </a:r>
           </a:p>
           <a:p>
             <a:pPr lvl="3"/>
             <a:r>
-              <a:rPr lang="es-ES" smtClean="0"/>
-              <a:t>Cuarto nivel</a:t>
+              <a:rPr lang="en-US" dirty="0" smtClean="0"/>
+              <a:t>Fourth level</a:t>
             </a:r>
           </a:p>
           <a:p>
             <a:pPr lvl="4"/>
             <a:r>
-              <a:rPr lang="es-ES" smtClean="0"/>
-              <a:t>Quinto nivel</a:t>
-            </a:r>
-            <a:endParaRPr lang="es-PE"/>
+              <a:rPr lang="en-US" dirty="0" smtClean="0"/>
+              <a:t>Fifth level</a:t>
+            </a:r>
+            <a:endParaRPr lang="en-US" dirty="0"/>
           </a:p>
         </p:txBody>
       </p:sp>
       <p:sp>
         <p:nvSpPr>
-          <p:cNvPr id="4" name="3 Marcador de fecha"/>
+          <p:cNvPr id="4" name="Date Placeholder 3"/>
           <p:cNvSpPr>
             <a:spLocks noGrp="1"/>
           </p:cNvSpPr>
@@ -809,17 +1157,18 @@
           <a:bodyPr/>
           <a:lstStyle/>
           <a:p>
-            <a:fld id="{7193C34C-F113-4994-9C66-B265FA1F4C31}" type="datetimeFigureOut">
-              <a:rPr lang="es-PE" smtClean="0"/>
-              <a:t>30/07/2015</a:t>
+            <a:fld id="{53074F12-AA26-4AC8-9962-C36BB8F32554}" type="datetimeFigureOut">
+              <a:rPr lang="en-US" smtClean="0"/>
+              <a:pPr/>
+              <a:t>7/30/2015</a:t>
             </a:fld>
-            <a:endParaRPr lang="es-PE"/>
+            <a:endParaRPr lang="en-US" dirty="0"/>
           </a:p>
         </p:txBody>
       </p:sp>
       <p:sp>
         <p:nvSpPr>
-          <p:cNvPr id="5" name="4 Marcador de pie de página"/>
+          <p:cNvPr id="5" name="Footer Placeholder 4"/>
           <p:cNvSpPr>
             <a:spLocks noGrp="1"/>
           </p:cNvSpPr>
@@ -832,13 +1181,13 @@
           <a:bodyPr/>
           <a:lstStyle/>
           <a:p>
-            <a:endParaRPr lang="es-PE"/>
+            <a:endParaRPr lang="en-US" dirty="0"/>
           </a:p>
         </p:txBody>
       </p:sp>
       <p:sp>
         <p:nvSpPr>
-          <p:cNvPr id="6" name="5 Marcador de número de diapositiva"/>
+          <p:cNvPr id="6" name="Slide Number Placeholder 5"/>
           <p:cNvSpPr>
             <a:spLocks noGrp="1"/>
           </p:cNvSpPr>
@@ -851,18 +1200,19 @@
           <a:bodyPr/>
           <a:lstStyle/>
           <a:p>
-            <a:fld id="{5970FB85-B543-47CD-9C25-C752211E4B4C}" type="slidenum">
-              <a:rPr lang="es-PE" smtClean="0"/>
+            <a:fld id="{B82CCC60-E8CD-4174-8B1A-7DF615B22EEF}" type="slidenum">
+              <a:rPr lang="en-US" smtClean="0"/>
+              <a:pPr/>
               <a:t>‹Nº›</a:t>
             </a:fld>
-            <a:endParaRPr lang="es-PE"/>
+            <a:endParaRPr lang="en-US" dirty="0"/>
           </a:p>
         </p:txBody>
       </p:sp>
     </p:spTree>
     <p:extLst>
       <p:ext uri="{BB962C8B-B14F-4D97-AF65-F5344CB8AC3E}">
-        <p14:creationId xmlns:p14="http://schemas.microsoft.com/office/powerpoint/2010/main" val="959247608"/>
+        <p14:creationId xmlns:p14="http://schemas.microsoft.com/office/powerpoint/2010/main" val="1664471362"/>
       </p:ext>
     </p:extLst>
   </p:cSld>
@@ -873,8 +1223,8 @@
 </file>
 
 <file path=ppt/slideLayouts/slideLayout3.xml><?xml version="1.0" encoding="utf-8"?>
-<p:sldLayout xmlns:a="http://schemas.openxmlformats.org/drawingml/2006/main" xmlns:r="http://schemas.openxmlformats.org/officeDocument/2006/relationships" xmlns:p="http://schemas.openxmlformats.org/presentationml/2006/main" type="secHead" preserve="1">
-  <p:cSld name="Encabezado de sección">
+<p:sldLayout xmlns:a="http://schemas.openxmlformats.org/drawingml/2006/main" xmlns:r="http://schemas.openxmlformats.org/officeDocument/2006/relationships" xmlns:p="http://schemas.openxmlformats.org/presentationml/2006/main" type="obj" preserve="1">
+  <p:cSld name="1_Title and Content">
     <p:spTree>
       <p:nvGrpSpPr>
         <p:cNvPr id="1" name=""/>
@@ -891,7 +1241,238 @@
       </p:grpSpPr>
       <p:sp>
         <p:nvSpPr>
-          <p:cNvPr id="2" name="1 Título"/>
+          <p:cNvPr id="2" name="Title 1"/>
+          <p:cNvSpPr>
+            <a:spLocks noGrp="1"/>
+          </p:cNvSpPr>
+          <p:nvPr>
+            <p:ph type="title"/>
+          </p:nvPr>
+        </p:nvSpPr>
+        <p:spPr>
+          <a:xfrm>
+            <a:off x="1976014" y="374901"/>
+            <a:ext cx="6558080" cy="610820"/>
+          </a:xfrm>
+          <a:solidFill>
+            <a:srgbClr val="7ABC32"/>
+          </a:solidFill>
+        </p:spPr>
+        <p:txBody>
+          <a:bodyPr>
+            <a:normAutofit/>
+          </a:bodyPr>
+          <a:lstStyle>
+            <a:lvl1pPr algn="l">
+              <a:defRPr sz="3600">
+                <a:solidFill>
+                  <a:schemeClr val="bg1"/>
+                </a:solidFill>
+              </a:defRPr>
+            </a:lvl1pPr>
+          </a:lstStyle>
+          <a:p>
+            <a:r>
+              <a:rPr lang="en-US" dirty="0" smtClean="0"/>
+              <a:t>Click to edit Master title style</a:t>
+            </a:r>
+            <a:endParaRPr lang="en-US" dirty="0"/>
+          </a:p>
+        </p:txBody>
+      </p:sp>
+      <p:sp>
+        <p:nvSpPr>
+          <p:cNvPr id="3" name="Content Placeholder 2"/>
+          <p:cNvSpPr>
+            <a:spLocks noGrp="1"/>
+          </p:cNvSpPr>
+          <p:nvPr>
+            <p:ph idx="1"/>
+          </p:nvPr>
+        </p:nvSpPr>
+        <p:spPr>
+          <a:xfrm>
+            <a:off x="1976015" y="1138425"/>
+            <a:ext cx="6558080" cy="4275740"/>
+          </a:xfrm>
+        </p:spPr>
+        <p:txBody>
+          <a:bodyPr/>
+          <a:lstStyle>
+            <a:lvl1pPr>
+              <a:defRPr sz="2800">
+                <a:solidFill>
+                  <a:srgbClr val="002060"/>
+                </a:solidFill>
+              </a:defRPr>
+            </a:lvl1pPr>
+            <a:lvl2pPr>
+              <a:defRPr>
+                <a:solidFill>
+                  <a:srgbClr val="002060"/>
+                </a:solidFill>
+              </a:defRPr>
+            </a:lvl2pPr>
+            <a:lvl3pPr>
+              <a:defRPr>
+                <a:solidFill>
+                  <a:srgbClr val="002060"/>
+                </a:solidFill>
+              </a:defRPr>
+            </a:lvl3pPr>
+            <a:lvl4pPr>
+              <a:defRPr>
+                <a:solidFill>
+                  <a:srgbClr val="002060"/>
+                </a:solidFill>
+              </a:defRPr>
+            </a:lvl4pPr>
+            <a:lvl5pPr>
+              <a:defRPr>
+                <a:solidFill>
+                  <a:srgbClr val="002060"/>
+                </a:solidFill>
+              </a:defRPr>
+            </a:lvl5pPr>
+          </a:lstStyle>
+          <a:p>
+            <a:pPr lvl="0"/>
+            <a:r>
+              <a:rPr lang="en-US" dirty="0" smtClean="0"/>
+              <a:t>Click to edit Master text styles</a:t>
+            </a:r>
+          </a:p>
+          <a:p>
+            <a:pPr lvl="1"/>
+            <a:r>
+              <a:rPr lang="en-US" dirty="0" smtClean="0"/>
+              <a:t>Second level</a:t>
+            </a:r>
+          </a:p>
+          <a:p>
+            <a:pPr lvl="2"/>
+            <a:r>
+              <a:rPr lang="en-US" dirty="0" smtClean="0"/>
+              <a:t>Third level</a:t>
+            </a:r>
+          </a:p>
+          <a:p>
+            <a:pPr lvl="3"/>
+            <a:r>
+              <a:rPr lang="en-US" dirty="0" smtClean="0"/>
+              <a:t>Fourth level</a:t>
+            </a:r>
+          </a:p>
+          <a:p>
+            <a:pPr lvl="4"/>
+            <a:r>
+              <a:rPr lang="en-US" dirty="0" smtClean="0"/>
+              <a:t>Fifth level</a:t>
+            </a:r>
+            <a:endParaRPr lang="en-US" dirty="0"/>
+          </a:p>
+        </p:txBody>
+      </p:sp>
+      <p:sp>
+        <p:nvSpPr>
+          <p:cNvPr id="4" name="Date Placeholder 3"/>
+          <p:cNvSpPr>
+            <a:spLocks noGrp="1"/>
+          </p:cNvSpPr>
+          <p:nvPr>
+            <p:ph type="dt" sz="half" idx="10"/>
+          </p:nvPr>
+        </p:nvSpPr>
+        <p:spPr/>
+        <p:txBody>
+          <a:bodyPr/>
+          <a:lstStyle/>
+          <a:p>
+            <a:fld id="{53074F12-AA26-4AC8-9962-C36BB8F32554}" type="datetimeFigureOut">
+              <a:rPr lang="en-US" smtClean="0"/>
+              <a:pPr/>
+              <a:t>7/30/2015</a:t>
+            </a:fld>
+            <a:endParaRPr lang="en-US" dirty="0"/>
+          </a:p>
+        </p:txBody>
+      </p:sp>
+      <p:sp>
+        <p:nvSpPr>
+          <p:cNvPr id="5" name="Footer Placeholder 4"/>
+          <p:cNvSpPr>
+            <a:spLocks noGrp="1"/>
+          </p:cNvSpPr>
+          <p:nvPr>
+            <p:ph type="ftr" sz="quarter" idx="11"/>
+          </p:nvPr>
+        </p:nvSpPr>
+        <p:spPr/>
+        <p:txBody>
+          <a:bodyPr/>
+          <a:lstStyle/>
+          <a:p>
+            <a:endParaRPr lang="en-US" dirty="0"/>
+          </a:p>
+        </p:txBody>
+      </p:sp>
+      <p:sp>
+        <p:nvSpPr>
+          <p:cNvPr id="6" name="Slide Number Placeholder 5"/>
+          <p:cNvSpPr>
+            <a:spLocks noGrp="1"/>
+          </p:cNvSpPr>
+          <p:nvPr>
+            <p:ph type="sldNum" sz="quarter" idx="12"/>
+          </p:nvPr>
+        </p:nvSpPr>
+        <p:spPr/>
+        <p:txBody>
+          <a:bodyPr/>
+          <a:lstStyle/>
+          <a:p>
+            <a:fld id="{B82CCC60-E8CD-4174-8B1A-7DF615B22EEF}" type="slidenum">
+              <a:rPr lang="en-US" smtClean="0"/>
+              <a:pPr/>
+              <a:t>‹Nº›</a:t>
+            </a:fld>
+            <a:endParaRPr lang="en-US" dirty="0"/>
+          </a:p>
+        </p:txBody>
+      </p:sp>
+    </p:spTree>
+    <p:extLst>
+      <p:ext uri="{BB962C8B-B14F-4D97-AF65-F5344CB8AC3E}">
+        <p14:creationId xmlns:p14="http://schemas.microsoft.com/office/powerpoint/2010/main" val="1629391393"/>
+      </p:ext>
+    </p:extLst>
+  </p:cSld>
+  <p:clrMapOvr>
+    <a:masterClrMapping/>
+  </p:clrMapOvr>
+</p:sldLayout>
+</file>
+
+<file path=ppt/slideLayouts/slideLayout4.xml><?xml version="1.0" encoding="utf-8"?>
+<p:sldLayout xmlns:a="http://schemas.openxmlformats.org/drawingml/2006/main" xmlns:r="http://schemas.openxmlformats.org/officeDocument/2006/relationships" xmlns:p="http://schemas.openxmlformats.org/presentationml/2006/main" type="secHead" preserve="1">
+  <p:cSld name="Section Header">
+    <p:spTree>
+      <p:nvGrpSpPr>
+        <p:cNvPr id="1" name=""/>
+        <p:cNvGrpSpPr/>
+        <p:nvPr/>
+      </p:nvGrpSpPr>
+      <p:grpSpPr>
+        <a:xfrm>
+          <a:off x="0" y="0"/>
+          <a:ext cx="0" cy="0"/>
+          <a:chOff x="0" y="0"/>
+          <a:chExt cx="0" cy="0"/>
+        </a:xfrm>
+      </p:grpSpPr>
+      <p:sp>
+        <p:nvSpPr>
+          <p:cNvPr id="2" name="Title 1"/>
           <p:cNvSpPr>
             <a:spLocks noGrp="1"/>
           </p:cNvSpPr>
@@ -914,16 +1495,16 @@
           </a:lstStyle>
           <a:p>
             <a:r>
-              <a:rPr lang="es-ES" smtClean="0"/>
-              <a:t>Haga clic para modificar el estilo de título del patrón</a:t>
-            </a:r>
-            <a:endParaRPr lang="es-PE"/>
+              <a:rPr lang="en-US" smtClean="0"/>
+              <a:t>Click to edit Master title style</a:t>
+            </a:r>
+            <a:endParaRPr lang="en-US"/>
           </a:p>
         </p:txBody>
       </p:sp>
       <p:sp>
         <p:nvSpPr>
-          <p:cNvPr id="3" name="2 Marcador de texto"/>
+          <p:cNvPr id="3" name="Text Placeholder 2"/>
           <p:cNvSpPr>
             <a:spLocks noGrp="1"/>
           </p:cNvSpPr>
@@ -1034,15 +1615,15 @@
           <a:p>
             <a:pPr lvl="0"/>
             <a:r>
-              <a:rPr lang="es-ES" smtClean="0"/>
-              <a:t>Haga clic para modificar el estilo de texto del patrón</a:t>
+              <a:rPr lang="en-US" smtClean="0"/>
+              <a:t>Click to edit Master text styles</a:t>
             </a:r>
           </a:p>
         </p:txBody>
       </p:sp>
       <p:sp>
         <p:nvSpPr>
-          <p:cNvPr id="4" name="3 Marcador de fecha"/>
+          <p:cNvPr id="4" name="Date Placeholder 3"/>
           <p:cNvSpPr>
             <a:spLocks noGrp="1"/>
           </p:cNvSpPr>
@@ -1055,17 +1636,18 @@
           <a:bodyPr/>
           <a:lstStyle/>
           <a:p>
-            <a:fld id="{7193C34C-F113-4994-9C66-B265FA1F4C31}" type="datetimeFigureOut">
-              <a:rPr lang="es-PE" smtClean="0"/>
-              <a:t>30/07/2015</a:t>
+            <a:fld id="{53074F12-AA26-4AC8-9962-C36BB8F32554}" type="datetimeFigureOut">
+              <a:rPr lang="en-US" smtClean="0"/>
+              <a:pPr/>
+              <a:t>7/30/2015</a:t>
             </a:fld>
-            <a:endParaRPr lang="es-PE"/>
+            <a:endParaRPr lang="en-US" dirty="0"/>
           </a:p>
         </p:txBody>
       </p:sp>
       <p:sp>
         <p:nvSpPr>
-          <p:cNvPr id="5" name="4 Marcador de pie de página"/>
+          <p:cNvPr id="5" name="Footer Placeholder 4"/>
           <p:cNvSpPr>
             <a:spLocks noGrp="1"/>
           </p:cNvSpPr>
@@ -1078,13 +1660,13 @@
           <a:bodyPr/>
           <a:lstStyle/>
           <a:p>
-            <a:endParaRPr lang="es-PE"/>
+            <a:endParaRPr lang="en-US" dirty="0"/>
           </a:p>
         </p:txBody>
       </p:sp>
       <p:sp>
         <p:nvSpPr>
-          <p:cNvPr id="6" name="5 Marcador de número de diapositiva"/>
+          <p:cNvPr id="6" name="Slide Number Placeholder 5"/>
           <p:cNvSpPr>
             <a:spLocks noGrp="1"/>
           </p:cNvSpPr>
@@ -1097,18 +1679,19 @@
           <a:bodyPr/>
           <a:lstStyle/>
           <a:p>
-            <a:fld id="{5970FB85-B543-47CD-9C25-C752211E4B4C}" type="slidenum">
-              <a:rPr lang="es-PE" smtClean="0"/>
+            <a:fld id="{B82CCC60-E8CD-4174-8B1A-7DF615B22EEF}" type="slidenum">
+              <a:rPr lang="en-US" smtClean="0"/>
+              <a:pPr/>
               <a:t>‹Nº›</a:t>
             </a:fld>
-            <a:endParaRPr lang="es-PE"/>
+            <a:endParaRPr lang="en-US" dirty="0"/>
           </a:p>
         </p:txBody>
       </p:sp>
     </p:spTree>
     <p:extLst>
       <p:ext uri="{BB962C8B-B14F-4D97-AF65-F5344CB8AC3E}">
-        <p14:creationId xmlns:p14="http://schemas.microsoft.com/office/powerpoint/2010/main" val="3354055023"/>
+        <p14:creationId xmlns:p14="http://schemas.microsoft.com/office/powerpoint/2010/main" val="3863441575"/>
       </p:ext>
     </p:extLst>
   </p:cSld>
@@ -1118,9 +1701,9 @@
 </p:sldLayout>
 </file>
 
-<file path=ppt/slideLayouts/slideLayout4.xml><?xml version="1.0" encoding="utf-8"?>
+<file path=ppt/slideLayouts/slideLayout5.xml><?xml version="1.0" encoding="utf-8"?>
 <p:sldLayout xmlns:a="http://schemas.openxmlformats.org/drawingml/2006/main" xmlns:r="http://schemas.openxmlformats.org/officeDocument/2006/relationships" xmlns:p="http://schemas.openxmlformats.org/presentationml/2006/main" type="twoObj" preserve="1">
-  <p:cSld name="Dos objetos">
+  <p:cSld name="Two Content">
     <p:spTree>
       <p:nvGrpSpPr>
         <p:cNvPr id="1" name=""/>
@@ -1137,7 +1720,7 @@
       </p:grpSpPr>
       <p:sp>
         <p:nvSpPr>
-          <p:cNvPr id="2" name="1 Título"/>
+          <p:cNvPr id="2" name="Title 1"/>
           <p:cNvSpPr>
             <a:spLocks noGrp="1"/>
           </p:cNvSpPr>
@@ -1145,22 +1728,27 @@
             <p:ph type="title"/>
           </p:nvPr>
         </p:nvSpPr>
-        <p:spPr/>
+        <p:spPr>
+          <a:xfrm>
+            <a:off x="457200" y="833014"/>
+            <a:ext cx="8229600" cy="584623"/>
+          </a:xfrm>
+        </p:spPr>
         <p:txBody>
           <a:bodyPr/>
           <a:lstStyle/>
           <a:p>
             <a:r>
-              <a:rPr lang="es-ES" smtClean="0"/>
-              <a:t>Haga clic para modificar el estilo de título del patrón</a:t>
-            </a:r>
-            <a:endParaRPr lang="es-PE"/>
+              <a:rPr lang="en-US" smtClean="0"/>
+              <a:t>Click to edit Master title style</a:t>
+            </a:r>
+            <a:endParaRPr lang="en-US"/>
           </a:p>
         </p:txBody>
       </p:sp>
       <p:sp>
         <p:nvSpPr>
-          <p:cNvPr id="3" name="2 Marcador de contenido"/>
+          <p:cNvPr id="3" name="Content Placeholder 2"/>
           <p:cNvSpPr>
             <a:spLocks noGrp="1"/>
           </p:cNvSpPr>
@@ -1208,44 +1796,44 @@
           <a:p>
             <a:pPr lvl="0"/>
             <a:r>
-              <a:rPr lang="es-ES" smtClean="0"/>
-              <a:t>Haga clic para modificar el estilo de texto del patrón</a:t>
+              <a:rPr lang="en-US" smtClean="0"/>
+              <a:t>Click to edit Master text styles</a:t>
             </a:r>
           </a:p>
           <a:p>
             <a:pPr lvl="1"/>
             <a:r>
-              <a:rPr lang="es-ES" smtClean="0"/>
-              <a:t>Segundo nivel</a:t>
+              <a:rPr lang="en-US" smtClean="0"/>
+              <a:t>Second level</a:t>
             </a:r>
           </a:p>
           <a:p>
             <a:pPr lvl="2"/>
             <a:r>
-              <a:rPr lang="es-ES" smtClean="0"/>
-              <a:t>Tercer nivel</a:t>
+              <a:rPr lang="en-US" smtClean="0"/>
+              <a:t>Third level</a:t>
             </a:r>
           </a:p>
           <a:p>
             <a:pPr lvl="3"/>
             <a:r>
-              <a:rPr lang="es-ES" smtClean="0"/>
-              <a:t>Cuarto nivel</a:t>
+              <a:rPr lang="en-US" smtClean="0"/>
+              <a:t>Fourth level</a:t>
             </a:r>
           </a:p>
           <a:p>
             <a:pPr lvl="4"/>
             <a:r>
-              <a:rPr lang="es-ES" smtClean="0"/>
-              <a:t>Quinto nivel</a:t>
-            </a:r>
-            <a:endParaRPr lang="es-PE"/>
+              <a:rPr lang="en-US" smtClean="0"/>
+              <a:t>Fifth level</a:t>
+            </a:r>
+            <a:endParaRPr lang="en-US"/>
           </a:p>
         </p:txBody>
       </p:sp>
       <p:sp>
         <p:nvSpPr>
-          <p:cNvPr id="4" name="3 Marcador de contenido"/>
+          <p:cNvPr id="4" name="Content Placeholder 3"/>
           <p:cNvSpPr>
             <a:spLocks noGrp="1"/>
           </p:cNvSpPr>
@@ -1293,44 +1881,44 @@
           <a:p>
             <a:pPr lvl="0"/>
             <a:r>
-              <a:rPr lang="es-ES" smtClean="0"/>
-              <a:t>Haga clic para modificar el estilo de texto del patrón</a:t>
+              <a:rPr lang="en-US" smtClean="0"/>
+              <a:t>Click to edit Master text styles</a:t>
             </a:r>
           </a:p>
           <a:p>
             <a:pPr lvl="1"/>
             <a:r>
-              <a:rPr lang="es-ES" smtClean="0"/>
-              <a:t>Segundo nivel</a:t>
+              <a:rPr lang="en-US" smtClean="0"/>
+              <a:t>Second level</a:t>
             </a:r>
           </a:p>
           <a:p>
             <a:pPr lvl="2"/>
             <a:r>
-              <a:rPr lang="es-ES" smtClean="0"/>
-              <a:t>Tercer nivel</a:t>
+              <a:rPr lang="en-US" smtClean="0"/>
+              <a:t>Third level</a:t>
             </a:r>
           </a:p>
           <a:p>
             <a:pPr lvl="3"/>
             <a:r>
-              <a:rPr lang="es-ES" smtClean="0"/>
-              <a:t>Cuarto nivel</a:t>
+              <a:rPr lang="en-US" smtClean="0"/>
+              <a:t>Fourth level</a:t>
             </a:r>
           </a:p>
           <a:p>
             <a:pPr lvl="4"/>
             <a:r>
-              <a:rPr lang="es-ES" smtClean="0"/>
-              <a:t>Quinto nivel</a:t>
-            </a:r>
-            <a:endParaRPr lang="es-PE"/>
+              <a:rPr lang="en-US" smtClean="0"/>
+              <a:t>Fifth level</a:t>
+            </a:r>
+            <a:endParaRPr lang="en-US"/>
           </a:p>
         </p:txBody>
       </p:sp>
       <p:sp>
         <p:nvSpPr>
-          <p:cNvPr id="5" name="4 Marcador de fecha"/>
+          <p:cNvPr id="5" name="Date Placeholder 4"/>
           <p:cNvSpPr>
             <a:spLocks noGrp="1"/>
           </p:cNvSpPr>
@@ -1343,17 +1931,18 @@
           <a:bodyPr/>
           <a:lstStyle/>
           <a:p>
-            <a:fld id="{7193C34C-F113-4994-9C66-B265FA1F4C31}" type="datetimeFigureOut">
-              <a:rPr lang="es-PE" smtClean="0"/>
-              <a:t>30/07/2015</a:t>
+            <a:fld id="{53074F12-AA26-4AC8-9962-C36BB8F32554}" type="datetimeFigureOut">
+              <a:rPr lang="en-US" smtClean="0"/>
+              <a:pPr/>
+              <a:t>7/30/2015</a:t>
             </a:fld>
-            <a:endParaRPr lang="es-PE"/>
+            <a:endParaRPr lang="en-US" dirty="0"/>
           </a:p>
         </p:txBody>
       </p:sp>
       <p:sp>
         <p:nvSpPr>
-          <p:cNvPr id="6" name="5 Marcador de pie de página"/>
+          <p:cNvPr id="6" name="Footer Placeholder 5"/>
           <p:cNvSpPr>
             <a:spLocks noGrp="1"/>
           </p:cNvSpPr>
@@ -1366,13 +1955,13 @@
           <a:bodyPr/>
           <a:lstStyle/>
           <a:p>
-            <a:endParaRPr lang="es-PE"/>
+            <a:endParaRPr lang="en-US" dirty="0"/>
           </a:p>
         </p:txBody>
       </p:sp>
       <p:sp>
         <p:nvSpPr>
-          <p:cNvPr id="7" name="6 Marcador de número de diapositiva"/>
+          <p:cNvPr id="7" name="Slide Number Placeholder 6"/>
           <p:cNvSpPr>
             <a:spLocks noGrp="1"/>
           </p:cNvSpPr>
@@ -1385,18 +1974,19 @@
           <a:bodyPr/>
           <a:lstStyle/>
           <a:p>
-            <a:fld id="{5970FB85-B543-47CD-9C25-C752211E4B4C}" type="slidenum">
-              <a:rPr lang="es-PE" smtClean="0"/>
+            <a:fld id="{B82CCC60-E8CD-4174-8B1A-7DF615B22EEF}" type="slidenum">
+              <a:rPr lang="en-US" smtClean="0"/>
+              <a:pPr/>
               <a:t>‹Nº›</a:t>
             </a:fld>
-            <a:endParaRPr lang="es-PE"/>
+            <a:endParaRPr lang="en-US" dirty="0"/>
           </a:p>
         </p:txBody>
       </p:sp>
     </p:spTree>
     <p:extLst>
       <p:ext uri="{BB962C8B-B14F-4D97-AF65-F5344CB8AC3E}">
-        <p14:creationId xmlns:p14="http://schemas.microsoft.com/office/powerpoint/2010/main" val="3117720588"/>
+        <p14:creationId xmlns:p14="http://schemas.microsoft.com/office/powerpoint/2010/main" val="3556791830"/>
       </p:ext>
     </p:extLst>
   </p:cSld>
@@ -1406,9 +1996,9 @@
 </p:sldLayout>
 </file>
 
-<file path=ppt/slideLayouts/slideLayout5.xml><?xml version="1.0" encoding="utf-8"?>
+<file path=ppt/slideLayouts/slideLayout6.xml><?xml version="1.0" encoding="utf-8"?>
 <p:sldLayout xmlns:a="http://schemas.openxmlformats.org/drawingml/2006/main" xmlns:r="http://schemas.openxmlformats.org/officeDocument/2006/relationships" xmlns:p="http://schemas.openxmlformats.org/presentationml/2006/main" type="twoTxTwoObj" preserve="1">
-  <p:cSld name="Comparación">
+  <p:cSld name="Comparison">
     <p:spTree>
       <p:nvGrpSpPr>
         <p:cNvPr id="1" name=""/>
@@ -1425,7 +2015,7 @@
       </p:grpSpPr>
       <p:sp>
         <p:nvSpPr>
-          <p:cNvPr id="2" name="1 Título"/>
+          <p:cNvPr id="2" name="Title 1"/>
           <p:cNvSpPr>
             <a:spLocks noGrp="1"/>
           </p:cNvSpPr>
@@ -1433,26 +2023,40 @@
             <p:ph type="title"/>
           </p:nvPr>
         </p:nvSpPr>
-        <p:spPr/>
+        <p:spPr>
+          <a:xfrm>
+            <a:off x="448965" y="1522475"/>
+            <a:ext cx="8229600" cy="532180"/>
+          </a:xfrm>
+          <a:solidFill>
+            <a:srgbClr val="7ABC32"/>
+          </a:solidFill>
+        </p:spPr>
         <p:txBody>
-          <a:bodyPr/>
+          <a:bodyPr>
+            <a:normAutofit/>
+          </a:bodyPr>
           <a:lstStyle>
-            <a:lvl1pPr>
-              <a:defRPr/>
+            <a:lvl1pPr algn="l">
+              <a:defRPr sz="3600">
+                <a:solidFill>
+                  <a:schemeClr val="bg1"/>
+                </a:solidFill>
+              </a:defRPr>
             </a:lvl1pPr>
           </a:lstStyle>
           <a:p>
             <a:r>
-              <a:rPr lang="es-ES" smtClean="0"/>
-              <a:t>Haga clic para modificar el estilo de título del patrón</a:t>
-            </a:r>
-            <a:endParaRPr lang="es-PE"/>
+              <a:rPr lang="en-US" dirty="0" smtClean="0"/>
+              <a:t>Click to edit Master title style</a:t>
+            </a:r>
+            <a:endParaRPr lang="en-US" dirty="0"/>
           </a:p>
         </p:txBody>
       </p:sp>
       <p:sp>
         <p:nvSpPr>
-          <p:cNvPr id="3" name="2 Marcador de texto"/>
+          <p:cNvPr id="3" name="Text Placeholder 2"/>
           <p:cNvSpPr>
             <a:spLocks noGrp="1"/>
           </p:cNvSpPr>
@@ -1462,7 +2066,7 @@
         </p:nvSpPr>
         <p:spPr>
           <a:xfrm>
-            <a:off x="457200" y="1535113"/>
+            <a:off x="448965" y="2054654"/>
             <a:ext cx="4040188" cy="639762"/>
           </a:xfrm>
         </p:spPr>
@@ -1471,7 +2075,11 @@
           <a:lstStyle>
             <a:lvl1pPr marL="0" indent="0">
               <a:buNone/>
-              <a:defRPr sz="2400" b="1"/>
+              <a:defRPr sz="2400" b="1">
+                <a:solidFill>
+                  <a:srgbClr val="002060"/>
+                </a:solidFill>
+              </a:defRPr>
             </a:lvl1pPr>
             <a:lvl2pPr marL="457200" indent="0">
               <a:buNone/>
@@ -1509,15 +2117,15 @@
           <a:p>
             <a:pPr lvl="0"/>
             <a:r>
-              <a:rPr lang="es-ES" smtClean="0"/>
-              <a:t>Haga clic para modificar el estilo de texto del patrón</a:t>
+              <a:rPr lang="en-US" dirty="0" smtClean="0"/>
+              <a:t>Click to edit Master text styles</a:t>
             </a:r>
           </a:p>
         </p:txBody>
       </p:sp>
       <p:sp>
         <p:nvSpPr>
-          <p:cNvPr id="4" name="3 Marcador de contenido"/>
+          <p:cNvPr id="4" name="Content Placeholder 3"/>
           <p:cNvSpPr>
             <a:spLocks noGrp="1"/>
           </p:cNvSpPr>
@@ -1527,27 +2135,47 @@
         </p:nvSpPr>
         <p:spPr>
           <a:xfrm>
-            <a:off x="457200" y="2174875"/>
-            <a:ext cx="4040188" cy="3951288"/>
+            <a:off x="448965" y="2684517"/>
+            <a:ext cx="4040188" cy="3035058"/>
           </a:xfrm>
         </p:spPr>
         <p:txBody>
           <a:bodyPr/>
           <a:lstStyle>
             <a:lvl1pPr>
-              <a:defRPr sz="2400"/>
+              <a:defRPr sz="2400">
+                <a:solidFill>
+                  <a:srgbClr val="002060"/>
+                </a:solidFill>
+              </a:defRPr>
             </a:lvl1pPr>
             <a:lvl2pPr>
-              <a:defRPr sz="2000"/>
+              <a:defRPr sz="2000">
+                <a:solidFill>
+                  <a:srgbClr val="002060"/>
+                </a:solidFill>
+              </a:defRPr>
             </a:lvl2pPr>
             <a:lvl3pPr>
-              <a:defRPr sz="1800"/>
+              <a:defRPr sz="1800">
+                <a:solidFill>
+                  <a:srgbClr val="002060"/>
+                </a:solidFill>
+              </a:defRPr>
             </a:lvl3pPr>
             <a:lvl4pPr>
-              <a:defRPr sz="1600"/>
+              <a:defRPr sz="1600">
+                <a:solidFill>
+                  <a:srgbClr val="002060"/>
+                </a:solidFill>
+              </a:defRPr>
             </a:lvl4pPr>
             <a:lvl5pPr>
-              <a:defRPr sz="1600"/>
+              <a:defRPr sz="1600">
+                <a:solidFill>
+                  <a:srgbClr val="002060"/>
+                </a:solidFill>
+              </a:defRPr>
             </a:lvl5pPr>
             <a:lvl6pPr>
               <a:defRPr sz="1600"/>
@@ -1565,44 +2193,44 @@
           <a:p>
             <a:pPr lvl="0"/>
             <a:r>
-              <a:rPr lang="es-ES" smtClean="0"/>
-              <a:t>Haga clic para modificar el estilo de texto del patrón</a:t>
+              <a:rPr lang="en-US" dirty="0" smtClean="0"/>
+              <a:t>Click to edit Master text styles</a:t>
             </a:r>
           </a:p>
           <a:p>
             <a:pPr lvl="1"/>
             <a:r>
-              <a:rPr lang="es-ES" smtClean="0"/>
-              <a:t>Segundo nivel</a:t>
+              <a:rPr lang="en-US" dirty="0" smtClean="0"/>
+              <a:t>Second level</a:t>
             </a:r>
           </a:p>
           <a:p>
             <a:pPr lvl="2"/>
             <a:r>
-              <a:rPr lang="es-ES" smtClean="0"/>
-              <a:t>Tercer nivel</a:t>
+              <a:rPr lang="en-US" dirty="0" smtClean="0"/>
+              <a:t>Third level</a:t>
             </a:r>
           </a:p>
           <a:p>
             <a:pPr lvl="3"/>
             <a:r>
-              <a:rPr lang="es-ES" smtClean="0"/>
-              <a:t>Cuarto nivel</a:t>
+              <a:rPr lang="en-US" dirty="0" smtClean="0"/>
+              <a:t>Fourth level</a:t>
             </a:r>
           </a:p>
           <a:p>
             <a:pPr lvl="4"/>
             <a:r>
-              <a:rPr lang="es-ES" smtClean="0"/>
-              <a:t>Quinto nivel</a:t>
-            </a:r>
-            <a:endParaRPr lang="es-PE"/>
+              <a:rPr lang="en-US" dirty="0" smtClean="0"/>
+              <a:t>Fifth level</a:t>
+            </a:r>
+            <a:endParaRPr lang="en-US" dirty="0"/>
           </a:p>
         </p:txBody>
       </p:sp>
       <p:sp>
         <p:nvSpPr>
-          <p:cNvPr id="5" name="4 Marcador de texto"/>
+          <p:cNvPr id="5" name="Text Placeholder 4"/>
           <p:cNvSpPr>
             <a:spLocks noGrp="1"/>
           </p:cNvSpPr>
@@ -1612,7 +2240,7 @@
         </p:nvSpPr>
         <p:spPr>
           <a:xfrm>
-            <a:off x="4645025" y="1535113"/>
+            <a:off x="4636790" y="2054654"/>
             <a:ext cx="4041775" cy="639762"/>
           </a:xfrm>
         </p:spPr>
@@ -1621,7 +2249,11 @@
           <a:lstStyle>
             <a:lvl1pPr marL="0" indent="0">
               <a:buNone/>
-              <a:defRPr sz="2400" b="1"/>
+              <a:defRPr sz="2400" b="1">
+                <a:solidFill>
+                  <a:srgbClr val="002060"/>
+                </a:solidFill>
+              </a:defRPr>
             </a:lvl1pPr>
             <a:lvl2pPr marL="457200" indent="0">
               <a:buNone/>
@@ -1659,15 +2291,15 @@
           <a:p>
             <a:pPr lvl="0"/>
             <a:r>
-              <a:rPr lang="es-ES" smtClean="0"/>
-              <a:t>Haga clic para modificar el estilo de texto del patrón</a:t>
+              <a:rPr lang="en-US" dirty="0" smtClean="0"/>
+              <a:t>Click to edit Master text styles</a:t>
             </a:r>
           </a:p>
         </p:txBody>
       </p:sp>
       <p:sp>
         <p:nvSpPr>
-          <p:cNvPr id="6" name="5 Marcador de contenido"/>
+          <p:cNvPr id="6" name="Content Placeholder 5"/>
           <p:cNvSpPr>
             <a:spLocks noGrp="1"/>
           </p:cNvSpPr>
@@ -1677,27 +2309,47 @@
         </p:nvSpPr>
         <p:spPr>
           <a:xfrm>
-            <a:off x="4645025" y="2174875"/>
-            <a:ext cx="4041775" cy="3951288"/>
+            <a:off x="4636790" y="2684517"/>
+            <a:ext cx="4041775" cy="3035058"/>
           </a:xfrm>
         </p:spPr>
         <p:txBody>
           <a:bodyPr/>
           <a:lstStyle>
             <a:lvl1pPr>
-              <a:defRPr sz="2400"/>
+              <a:defRPr sz="2400">
+                <a:solidFill>
+                  <a:srgbClr val="002060"/>
+                </a:solidFill>
+              </a:defRPr>
             </a:lvl1pPr>
             <a:lvl2pPr>
-              <a:defRPr sz="2000"/>
+              <a:defRPr sz="2000">
+                <a:solidFill>
+                  <a:srgbClr val="002060"/>
+                </a:solidFill>
+              </a:defRPr>
             </a:lvl2pPr>
             <a:lvl3pPr>
-              <a:defRPr sz="1800"/>
+              <a:defRPr sz="1800">
+                <a:solidFill>
+                  <a:srgbClr val="002060"/>
+                </a:solidFill>
+              </a:defRPr>
             </a:lvl3pPr>
             <a:lvl4pPr>
-              <a:defRPr sz="1600"/>
+              <a:defRPr sz="1600">
+                <a:solidFill>
+                  <a:srgbClr val="002060"/>
+                </a:solidFill>
+              </a:defRPr>
             </a:lvl4pPr>
             <a:lvl5pPr>
-              <a:defRPr sz="1600"/>
+              <a:defRPr sz="1600">
+                <a:solidFill>
+                  <a:srgbClr val="002060"/>
+                </a:solidFill>
+              </a:defRPr>
             </a:lvl5pPr>
             <a:lvl6pPr>
               <a:defRPr sz="1600"/>
@@ -1715,44 +2367,44 @@
           <a:p>
             <a:pPr lvl="0"/>
             <a:r>
-              <a:rPr lang="es-ES" smtClean="0"/>
-              <a:t>Haga clic para modificar el estilo de texto del patrón</a:t>
+              <a:rPr lang="en-US" dirty="0" smtClean="0"/>
+              <a:t>Click to edit Master text styles</a:t>
             </a:r>
           </a:p>
           <a:p>
             <a:pPr lvl="1"/>
             <a:r>
-              <a:rPr lang="es-ES" smtClean="0"/>
-              <a:t>Segundo nivel</a:t>
+              <a:rPr lang="en-US" dirty="0" smtClean="0"/>
+              <a:t>Second level</a:t>
             </a:r>
           </a:p>
           <a:p>
             <a:pPr lvl="2"/>
             <a:r>
-              <a:rPr lang="es-ES" smtClean="0"/>
-              <a:t>Tercer nivel</a:t>
+              <a:rPr lang="en-US" dirty="0" smtClean="0"/>
+              <a:t>Third level</a:t>
             </a:r>
           </a:p>
           <a:p>
             <a:pPr lvl="3"/>
             <a:r>
-              <a:rPr lang="es-ES" smtClean="0"/>
-              <a:t>Cuarto nivel</a:t>
+              <a:rPr lang="en-US" dirty="0" smtClean="0"/>
+              <a:t>Fourth level</a:t>
             </a:r>
           </a:p>
           <a:p>
             <a:pPr lvl="4"/>
             <a:r>
-              <a:rPr lang="es-ES" smtClean="0"/>
-              <a:t>Quinto nivel</a:t>
-            </a:r>
-            <a:endParaRPr lang="es-PE"/>
+              <a:rPr lang="en-US" dirty="0" smtClean="0"/>
+              <a:t>Fifth level</a:t>
+            </a:r>
+            <a:endParaRPr lang="en-US" dirty="0"/>
           </a:p>
         </p:txBody>
       </p:sp>
       <p:sp>
         <p:nvSpPr>
-          <p:cNvPr id="7" name="6 Marcador de fecha"/>
+          <p:cNvPr id="7" name="Date Placeholder 6"/>
           <p:cNvSpPr>
             <a:spLocks noGrp="1"/>
           </p:cNvSpPr>
@@ -1765,17 +2417,18 @@
           <a:bodyPr/>
           <a:lstStyle/>
           <a:p>
-            <a:fld id="{7193C34C-F113-4994-9C66-B265FA1F4C31}" type="datetimeFigureOut">
-              <a:rPr lang="es-PE" smtClean="0"/>
-              <a:t>30/07/2015</a:t>
+            <a:fld id="{53074F12-AA26-4AC8-9962-C36BB8F32554}" type="datetimeFigureOut">
+              <a:rPr lang="en-US" smtClean="0"/>
+              <a:pPr/>
+              <a:t>7/30/2015</a:t>
             </a:fld>
-            <a:endParaRPr lang="es-PE"/>
+            <a:endParaRPr lang="en-US" dirty="0"/>
           </a:p>
         </p:txBody>
       </p:sp>
       <p:sp>
         <p:nvSpPr>
-          <p:cNvPr id="8" name="7 Marcador de pie de página"/>
+          <p:cNvPr id="8" name="Footer Placeholder 7"/>
           <p:cNvSpPr>
             <a:spLocks noGrp="1"/>
           </p:cNvSpPr>
@@ -1788,13 +2441,13 @@
           <a:bodyPr/>
           <a:lstStyle/>
           <a:p>
-            <a:endParaRPr lang="es-PE"/>
+            <a:endParaRPr lang="en-US" dirty="0"/>
           </a:p>
         </p:txBody>
       </p:sp>
       <p:sp>
         <p:nvSpPr>
-          <p:cNvPr id="9" name="8 Marcador de número de diapositiva"/>
+          <p:cNvPr id="9" name="Slide Number Placeholder 8"/>
           <p:cNvSpPr>
             <a:spLocks noGrp="1"/>
           </p:cNvSpPr>
@@ -1807,18 +2460,19 @@
           <a:bodyPr/>
           <a:lstStyle/>
           <a:p>
-            <a:fld id="{5970FB85-B543-47CD-9C25-C752211E4B4C}" type="slidenum">
-              <a:rPr lang="es-PE" smtClean="0"/>
+            <a:fld id="{B82CCC60-E8CD-4174-8B1A-7DF615B22EEF}" type="slidenum">
+              <a:rPr lang="en-US" smtClean="0"/>
+              <a:pPr/>
               <a:t>‹Nº›</a:t>
             </a:fld>
-            <a:endParaRPr lang="es-PE"/>
+            <a:endParaRPr lang="en-US" dirty="0"/>
           </a:p>
         </p:txBody>
       </p:sp>
     </p:spTree>
     <p:extLst>
       <p:ext uri="{BB962C8B-B14F-4D97-AF65-F5344CB8AC3E}">
-        <p14:creationId xmlns:p14="http://schemas.microsoft.com/office/powerpoint/2010/main" val="584232123"/>
+        <p14:creationId xmlns:p14="http://schemas.microsoft.com/office/powerpoint/2010/main" val="4122911988"/>
       </p:ext>
     </p:extLst>
   </p:cSld>
@@ -1828,9 +2482,9 @@
 </p:sldLayout>
 </file>
 
-<file path=ppt/slideLayouts/slideLayout6.xml><?xml version="1.0" encoding="utf-8"?>
+<file path=ppt/slideLayouts/slideLayout7.xml><?xml version="1.0" encoding="utf-8"?>
 <p:sldLayout xmlns:a="http://schemas.openxmlformats.org/drawingml/2006/main" xmlns:r="http://schemas.openxmlformats.org/officeDocument/2006/relationships" xmlns:p="http://schemas.openxmlformats.org/presentationml/2006/main" type="titleOnly" preserve="1">
-  <p:cSld name="Sólo el título">
+  <p:cSld name="Title Only">
     <p:spTree>
       <p:nvGrpSpPr>
         <p:cNvPr id="1" name=""/>
@@ -1847,7 +2501,7 @@
       </p:grpSpPr>
       <p:sp>
         <p:nvSpPr>
-          <p:cNvPr id="2" name="1 Título"/>
+          <p:cNvPr id="2" name="Title 1"/>
           <p:cNvSpPr>
             <a:spLocks noGrp="1"/>
           </p:cNvSpPr>
@@ -1861,16 +2515,16 @@
           <a:lstStyle/>
           <a:p>
             <a:r>
-              <a:rPr lang="es-ES" smtClean="0"/>
-              <a:t>Haga clic para modificar el estilo de título del patrón</a:t>
-            </a:r>
-            <a:endParaRPr lang="es-PE"/>
+              <a:rPr lang="en-US" smtClean="0"/>
+              <a:t>Click to edit Master title style</a:t>
+            </a:r>
+            <a:endParaRPr lang="en-US"/>
           </a:p>
         </p:txBody>
       </p:sp>
       <p:sp>
         <p:nvSpPr>
-          <p:cNvPr id="3" name="2 Marcador de fecha"/>
+          <p:cNvPr id="3" name="Date Placeholder 2"/>
           <p:cNvSpPr>
             <a:spLocks noGrp="1"/>
           </p:cNvSpPr>
@@ -1883,17 +2537,18 @@
           <a:bodyPr/>
           <a:lstStyle/>
           <a:p>
-            <a:fld id="{7193C34C-F113-4994-9C66-B265FA1F4C31}" type="datetimeFigureOut">
-              <a:rPr lang="es-PE" smtClean="0"/>
-              <a:t>30/07/2015</a:t>
+            <a:fld id="{53074F12-AA26-4AC8-9962-C36BB8F32554}" type="datetimeFigureOut">
+              <a:rPr lang="en-US" smtClean="0"/>
+              <a:pPr/>
+              <a:t>7/30/2015</a:t>
             </a:fld>
-            <a:endParaRPr lang="es-PE"/>
+            <a:endParaRPr lang="en-US" dirty="0"/>
           </a:p>
         </p:txBody>
       </p:sp>
       <p:sp>
         <p:nvSpPr>
-          <p:cNvPr id="4" name="3 Marcador de pie de página"/>
+          <p:cNvPr id="4" name="Footer Placeholder 3"/>
           <p:cNvSpPr>
             <a:spLocks noGrp="1"/>
           </p:cNvSpPr>
@@ -1906,13 +2561,13 @@
           <a:bodyPr/>
           <a:lstStyle/>
           <a:p>
-            <a:endParaRPr lang="es-PE"/>
+            <a:endParaRPr lang="en-US" dirty="0"/>
           </a:p>
         </p:txBody>
       </p:sp>
       <p:sp>
         <p:nvSpPr>
-          <p:cNvPr id="5" name="4 Marcador de número de diapositiva"/>
+          <p:cNvPr id="5" name="Slide Number Placeholder 4"/>
           <p:cNvSpPr>
             <a:spLocks noGrp="1"/>
           </p:cNvSpPr>
@@ -1925,18 +2580,19 @@
           <a:bodyPr/>
           <a:lstStyle/>
           <a:p>
-            <a:fld id="{5970FB85-B543-47CD-9C25-C752211E4B4C}" type="slidenum">
-              <a:rPr lang="es-PE" smtClean="0"/>
+            <a:fld id="{B82CCC60-E8CD-4174-8B1A-7DF615B22EEF}" type="slidenum">
+              <a:rPr lang="en-US" smtClean="0"/>
+              <a:pPr/>
               <a:t>‹Nº›</a:t>
             </a:fld>
-            <a:endParaRPr lang="es-PE"/>
+            <a:endParaRPr lang="en-US" dirty="0"/>
           </a:p>
         </p:txBody>
       </p:sp>
     </p:spTree>
     <p:extLst>
       <p:ext uri="{BB962C8B-B14F-4D97-AF65-F5344CB8AC3E}">
-        <p14:creationId xmlns:p14="http://schemas.microsoft.com/office/powerpoint/2010/main" val="1734401741"/>
+        <p14:creationId xmlns:p14="http://schemas.microsoft.com/office/powerpoint/2010/main" val="3029773110"/>
       </p:ext>
     </p:extLst>
   </p:cSld>
@@ -1946,9 +2602,9 @@
 </p:sldLayout>
 </file>
 
-<file path=ppt/slideLayouts/slideLayout7.xml><?xml version="1.0" encoding="utf-8"?>
+<file path=ppt/slideLayouts/slideLayout8.xml><?xml version="1.0" encoding="utf-8"?>
 <p:sldLayout xmlns:a="http://schemas.openxmlformats.org/drawingml/2006/main" xmlns:r="http://schemas.openxmlformats.org/officeDocument/2006/relationships" xmlns:p="http://schemas.openxmlformats.org/presentationml/2006/main" type="blank" preserve="1">
-  <p:cSld name="En blanco">
+  <p:cSld name="Blank">
     <p:spTree>
       <p:nvGrpSpPr>
         <p:cNvPr id="1" name=""/>
@@ -1965,7 +2621,7 @@
       </p:grpSpPr>
       <p:sp>
         <p:nvSpPr>
-          <p:cNvPr id="2" name="1 Marcador de fecha"/>
+          <p:cNvPr id="2" name="Date Placeholder 1"/>
           <p:cNvSpPr>
             <a:spLocks noGrp="1"/>
           </p:cNvSpPr>
@@ -1978,17 +2634,18 @@
           <a:bodyPr/>
           <a:lstStyle/>
           <a:p>
-            <a:fld id="{7193C34C-F113-4994-9C66-B265FA1F4C31}" type="datetimeFigureOut">
-              <a:rPr lang="es-PE" smtClean="0"/>
-              <a:t>30/07/2015</a:t>
+            <a:fld id="{53074F12-AA26-4AC8-9962-C36BB8F32554}" type="datetimeFigureOut">
+              <a:rPr lang="en-US" smtClean="0"/>
+              <a:pPr/>
+              <a:t>7/30/2015</a:t>
             </a:fld>
-            <a:endParaRPr lang="es-PE"/>
+            <a:endParaRPr lang="en-US" dirty="0"/>
           </a:p>
         </p:txBody>
       </p:sp>
       <p:sp>
         <p:nvSpPr>
-          <p:cNvPr id="3" name="2 Marcador de pie de página"/>
+          <p:cNvPr id="3" name="Footer Placeholder 2"/>
           <p:cNvSpPr>
             <a:spLocks noGrp="1"/>
           </p:cNvSpPr>
@@ -2001,13 +2658,13 @@
           <a:bodyPr/>
           <a:lstStyle/>
           <a:p>
-            <a:endParaRPr lang="es-PE"/>
+            <a:endParaRPr lang="en-US" dirty="0"/>
           </a:p>
         </p:txBody>
       </p:sp>
       <p:sp>
         <p:nvSpPr>
-          <p:cNvPr id="4" name="3 Marcador de número de diapositiva"/>
+          <p:cNvPr id="4" name="Slide Number Placeholder 3"/>
           <p:cNvSpPr>
             <a:spLocks noGrp="1"/>
           </p:cNvSpPr>
@@ -2020,18 +2677,19 @@
           <a:bodyPr/>
           <a:lstStyle/>
           <a:p>
-            <a:fld id="{5970FB85-B543-47CD-9C25-C752211E4B4C}" type="slidenum">
-              <a:rPr lang="es-PE" smtClean="0"/>
+            <a:fld id="{B82CCC60-E8CD-4174-8B1A-7DF615B22EEF}" type="slidenum">
+              <a:rPr lang="en-US" smtClean="0"/>
+              <a:pPr/>
               <a:t>‹Nº›</a:t>
             </a:fld>
-            <a:endParaRPr lang="es-PE"/>
+            <a:endParaRPr lang="en-US" dirty="0"/>
           </a:p>
         </p:txBody>
       </p:sp>
     </p:spTree>
     <p:extLst>
       <p:ext uri="{BB962C8B-B14F-4D97-AF65-F5344CB8AC3E}">
-        <p14:creationId xmlns:p14="http://schemas.microsoft.com/office/powerpoint/2010/main" val="1283932875"/>
+        <p14:creationId xmlns:p14="http://schemas.microsoft.com/office/powerpoint/2010/main" val="4251864075"/>
       </p:ext>
     </p:extLst>
   </p:cSld>
@@ -2041,9 +2699,9 @@
 </p:sldLayout>
 </file>
 
-<file path=ppt/slideLayouts/slideLayout8.xml><?xml version="1.0" encoding="utf-8"?>
+<file path=ppt/slideLayouts/slideLayout9.xml><?xml version="1.0" encoding="utf-8"?>
 <p:sldLayout xmlns:a="http://schemas.openxmlformats.org/drawingml/2006/main" xmlns:r="http://schemas.openxmlformats.org/officeDocument/2006/relationships" xmlns:p="http://schemas.openxmlformats.org/presentationml/2006/main" type="objTx" preserve="1">
-  <p:cSld name="Contenido con título">
+  <p:cSld name="Content with Caption">
     <p:spTree>
       <p:nvGrpSpPr>
         <p:cNvPr id="1" name=""/>
@@ -2060,7 +2718,7 @@
       </p:grpSpPr>
       <p:sp>
         <p:nvSpPr>
-          <p:cNvPr id="2" name="1 Título"/>
+          <p:cNvPr id="2" name="Title 1"/>
           <p:cNvSpPr>
             <a:spLocks noGrp="1"/>
           </p:cNvSpPr>
@@ -2083,16 +2741,16 @@
           </a:lstStyle>
           <a:p>
             <a:r>
-              <a:rPr lang="es-ES" smtClean="0"/>
-              <a:t>Haga clic para modificar el estilo de título del patrón</a:t>
-            </a:r>
-            <a:endParaRPr lang="es-PE"/>
+              <a:rPr lang="en-US" smtClean="0"/>
+              <a:t>Click to edit Master title style</a:t>
+            </a:r>
+            <a:endParaRPr lang="en-US"/>
           </a:p>
         </p:txBody>
       </p:sp>
       <p:sp>
         <p:nvSpPr>
-          <p:cNvPr id="3" name="2 Marcador de contenido"/>
+          <p:cNvPr id="3" name="Content Placeholder 2"/>
           <p:cNvSpPr>
             <a:spLocks noGrp="1"/>
           </p:cNvSpPr>
@@ -2140,44 +2798,44 @@
           <a:p>
             <a:pPr lvl="0"/>
             <a:r>
-              <a:rPr lang="es-ES" smtClean="0"/>
-              <a:t>Haga clic para modificar el estilo de texto del patrón</a:t>
+              <a:rPr lang="en-US" smtClean="0"/>
+              <a:t>Click to edit Master text styles</a:t>
             </a:r>
           </a:p>
           <a:p>
             <a:pPr lvl="1"/>
             <a:r>
-              <a:rPr lang="es-ES" smtClean="0"/>
-              <a:t>Segundo nivel</a:t>
+              <a:rPr lang="en-US" smtClean="0"/>
+              <a:t>Second level</a:t>
             </a:r>
           </a:p>
           <a:p>
             <a:pPr lvl="2"/>
             <a:r>
-              <a:rPr lang="es-ES" smtClean="0"/>
-              <a:t>Tercer nivel</a:t>
+              <a:rPr lang="en-US" smtClean="0"/>
+              <a:t>Third level</a:t>
             </a:r>
           </a:p>
           <a:p>
             <a:pPr lvl="3"/>
             <a:r>
-              <a:rPr lang="es-ES" smtClean="0"/>
-              <a:t>Cuarto nivel</a:t>
+              <a:rPr lang="en-US" smtClean="0"/>
+              <a:t>Fourth level</a:t>
             </a:r>
           </a:p>
           <a:p>
             <a:pPr lvl="4"/>
             <a:r>
-              <a:rPr lang="es-ES" smtClean="0"/>
-              <a:t>Quinto nivel</a:t>
-            </a:r>
-            <a:endParaRPr lang="es-PE"/>
+              <a:rPr lang="en-US" smtClean="0"/>
+              <a:t>Fifth level</a:t>
+            </a:r>
+            <a:endParaRPr lang="en-US"/>
           </a:p>
         </p:txBody>
       </p:sp>
       <p:sp>
         <p:nvSpPr>
-          <p:cNvPr id="4" name="3 Marcador de texto"/>
+          <p:cNvPr id="4" name="Text Placeholder 3"/>
           <p:cNvSpPr>
             <a:spLocks noGrp="1"/>
           </p:cNvSpPr>
@@ -2234,15 +2892,15 @@
           <a:p>
             <a:pPr lvl="0"/>
             <a:r>
-              <a:rPr lang="es-ES" smtClean="0"/>
-              <a:t>Haga clic para modificar el estilo de texto del patrón</a:t>
+              <a:rPr lang="en-US" smtClean="0"/>
+              <a:t>Click to edit Master text styles</a:t>
             </a:r>
           </a:p>
         </p:txBody>
       </p:sp>
       <p:sp>
         <p:nvSpPr>
-          <p:cNvPr id="5" name="4 Marcador de fecha"/>
+          <p:cNvPr id="5" name="Date Placeholder 4"/>
           <p:cNvSpPr>
             <a:spLocks noGrp="1"/>
           </p:cNvSpPr>
@@ -2255,17 +2913,18 @@
           <a:bodyPr/>
           <a:lstStyle/>
           <a:p>
-            <a:fld id="{7193C34C-F113-4994-9C66-B265FA1F4C31}" type="datetimeFigureOut">
-              <a:rPr lang="es-PE" smtClean="0"/>
-              <a:t>30/07/2015</a:t>
+            <a:fld id="{53074F12-AA26-4AC8-9962-C36BB8F32554}" type="datetimeFigureOut">
+              <a:rPr lang="en-US" smtClean="0"/>
+              <a:pPr/>
+              <a:t>7/30/2015</a:t>
             </a:fld>
-            <a:endParaRPr lang="es-PE"/>
+            <a:endParaRPr lang="en-US" dirty="0"/>
           </a:p>
         </p:txBody>
       </p:sp>
       <p:sp>
         <p:nvSpPr>
-          <p:cNvPr id="6" name="5 Marcador de pie de página"/>
+          <p:cNvPr id="6" name="Footer Placeholder 5"/>
           <p:cNvSpPr>
             <a:spLocks noGrp="1"/>
           </p:cNvSpPr>
@@ -2278,13 +2937,13 @@
           <a:bodyPr/>
           <a:lstStyle/>
           <a:p>
-            <a:endParaRPr lang="es-PE"/>
+            <a:endParaRPr lang="en-US" dirty="0"/>
           </a:p>
         </p:txBody>
       </p:sp>
       <p:sp>
         <p:nvSpPr>
-          <p:cNvPr id="7" name="6 Marcador de número de diapositiva"/>
+          <p:cNvPr id="7" name="Slide Number Placeholder 6"/>
           <p:cNvSpPr>
             <a:spLocks noGrp="1"/>
           </p:cNvSpPr>
@@ -2297,271 +2956,19 @@
           <a:bodyPr/>
           <a:lstStyle/>
           <a:p>
-            <a:fld id="{5970FB85-B543-47CD-9C25-C752211E4B4C}" type="slidenum">
-              <a:rPr lang="es-PE" smtClean="0"/>
+            <a:fld id="{B82CCC60-E8CD-4174-8B1A-7DF615B22EEF}" type="slidenum">
+              <a:rPr lang="en-US" smtClean="0"/>
+              <a:pPr/>
               <a:t>‹Nº›</a:t>
             </a:fld>
-            <a:endParaRPr lang="es-PE"/>
+            <a:endParaRPr lang="en-US" dirty="0"/>
           </a:p>
         </p:txBody>
       </p:sp>
     </p:spTree>
     <p:extLst>
       <p:ext uri="{BB962C8B-B14F-4D97-AF65-F5344CB8AC3E}">
-        <p14:creationId xmlns:p14="http://schemas.microsoft.com/office/powerpoint/2010/main" val="1170181"/>
-      </p:ext>
-    </p:extLst>
-  </p:cSld>
-  <p:clrMapOvr>
-    <a:masterClrMapping/>
-  </p:clrMapOvr>
-</p:sldLayout>
-</file>
-
-<file path=ppt/slideLayouts/slideLayout9.xml><?xml version="1.0" encoding="utf-8"?>
-<p:sldLayout xmlns:a="http://schemas.openxmlformats.org/drawingml/2006/main" xmlns:r="http://schemas.openxmlformats.org/officeDocument/2006/relationships" xmlns:p="http://schemas.openxmlformats.org/presentationml/2006/main" type="picTx" preserve="1">
-  <p:cSld name="Imagen con título">
-    <p:spTree>
-      <p:nvGrpSpPr>
-        <p:cNvPr id="1" name=""/>
-        <p:cNvGrpSpPr/>
-        <p:nvPr/>
-      </p:nvGrpSpPr>
-      <p:grpSpPr>
-        <a:xfrm>
-          <a:off x="0" y="0"/>
-          <a:ext cx="0" cy="0"/>
-          <a:chOff x="0" y="0"/>
-          <a:chExt cx="0" cy="0"/>
-        </a:xfrm>
-      </p:grpSpPr>
-      <p:sp>
-        <p:nvSpPr>
-          <p:cNvPr id="2" name="1 Título"/>
-          <p:cNvSpPr>
-            <a:spLocks noGrp="1"/>
-          </p:cNvSpPr>
-          <p:nvPr>
-            <p:ph type="title"/>
-          </p:nvPr>
-        </p:nvSpPr>
-        <p:spPr>
-          <a:xfrm>
-            <a:off x="1792288" y="4800600"/>
-            <a:ext cx="5486400" cy="566738"/>
-          </a:xfrm>
-        </p:spPr>
-        <p:txBody>
-          <a:bodyPr anchor="b"/>
-          <a:lstStyle>
-            <a:lvl1pPr algn="l">
-              <a:defRPr sz="2000" b="1"/>
-            </a:lvl1pPr>
-          </a:lstStyle>
-          <a:p>
-            <a:r>
-              <a:rPr lang="es-ES" smtClean="0"/>
-              <a:t>Haga clic para modificar el estilo de título del patrón</a:t>
-            </a:r>
-            <a:endParaRPr lang="es-PE"/>
-          </a:p>
-        </p:txBody>
-      </p:sp>
-      <p:sp>
-        <p:nvSpPr>
-          <p:cNvPr id="3" name="2 Marcador de posición de imagen"/>
-          <p:cNvSpPr>
-            <a:spLocks noGrp="1"/>
-          </p:cNvSpPr>
-          <p:nvPr>
-            <p:ph type="pic" idx="1"/>
-          </p:nvPr>
-        </p:nvSpPr>
-        <p:spPr>
-          <a:xfrm>
-            <a:off x="1792288" y="612775"/>
-            <a:ext cx="5486400" cy="4114800"/>
-          </a:xfrm>
-        </p:spPr>
-        <p:txBody>
-          <a:bodyPr/>
-          <a:lstStyle>
-            <a:lvl1pPr marL="0" indent="0">
-              <a:buNone/>
-              <a:defRPr sz="3200"/>
-            </a:lvl1pPr>
-            <a:lvl2pPr marL="457200" indent="0">
-              <a:buNone/>
-              <a:defRPr sz="2800"/>
-            </a:lvl2pPr>
-            <a:lvl3pPr marL="914400" indent="0">
-              <a:buNone/>
-              <a:defRPr sz="2400"/>
-            </a:lvl3pPr>
-            <a:lvl4pPr marL="1371600" indent="0">
-              <a:buNone/>
-              <a:defRPr sz="2000"/>
-            </a:lvl4pPr>
-            <a:lvl5pPr marL="1828800" indent="0">
-              <a:buNone/>
-              <a:defRPr sz="2000"/>
-            </a:lvl5pPr>
-            <a:lvl6pPr marL="2286000" indent="0">
-              <a:buNone/>
-              <a:defRPr sz="2000"/>
-            </a:lvl6pPr>
-            <a:lvl7pPr marL="2743200" indent="0">
-              <a:buNone/>
-              <a:defRPr sz="2000"/>
-            </a:lvl7pPr>
-            <a:lvl8pPr marL="3200400" indent="0">
-              <a:buNone/>
-              <a:defRPr sz="2000"/>
-            </a:lvl8pPr>
-            <a:lvl9pPr marL="3657600" indent="0">
-              <a:buNone/>
-              <a:defRPr sz="2000"/>
-            </a:lvl9pPr>
-          </a:lstStyle>
-          <a:p>
-            <a:endParaRPr lang="es-PE"/>
-          </a:p>
-        </p:txBody>
-      </p:sp>
-      <p:sp>
-        <p:nvSpPr>
-          <p:cNvPr id="4" name="3 Marcador de texto"/>
-          <p:cNvSpPr>
-            <a:spLocks noGrp="1"/>
-          </p:cNvSpPr>
-          <p:nvPr>
-            <p:ph type="body" sz="half" idx="2"/>
-          </p:nvPr>
-        </p:nvSpPr>
-        <p:spPr>
-          <a:xfrm>
-            <a:off x="1792288" y="5367338"/>
-            <a:ext cx="5486400" cy="804862"/>
-          </a:xfrm>
-        </p:spPr>
-        <p:txBody>
-          <a:bodyPr/>
-          <a:lstStyle>
-            <a:lvl1pPr marL="0" indent="0">
-              <a:buNone/>
-              <a:defRPr sz="1400"/>
-            </a:lvl1pPr>
-            <a:lvl2pPr marL="457200" indent="0">
-              <a:buNone/>
-              <a:defRPr sz="1200"/>
-            </a:lvl2pPr>
-            <a:lvl3pPr marL="914400" indent="0">
-              <a:buNone/>
-              <a:defRPr sz="1000"/>
-            </a:lvl3pPr>
-            <a:lvl4pPr marL="1371600" indent="0">
-              <a:buNone/>
-              <a:defRPr sz="900"/>
-            </a:lvl4pPr>
-            <a:lvl5pPr marL="1828800" indent="0">
-              <a:buNone/>
-              <a:defRPr sz="900"/>
-            </a:lvl5pPr>
-            <a:lvl6pPr marL="2286000" indent="0">
-              <a:buNone/>
-              <a:defRPr sz="900"/>
-            </a:lvl6pPr>
-            <a:lvl7pPr marL="2743200" indent="0">
-              <a:buNone/>
-              <a:defRPr sz="900"/>
-            </a:lvl7pPr>
-            <a:lvl8pPr marL="3200400" indent="0">
-              <a:buNone/>
-              <a:defRPr sz="900"/>
-            </a:lvl8pPr>
-            <a:lvl9pPr marL="3657600" indent="0">
-              <a:buNone/>
-              <a:defRPr sz="900"/>
-            </a:lvl9pPr>
-          </a:lstStyle>
-          <a:p>
-            <a:pPr lvl="0"/>
-            <a:r>
-              <a:rPr lang="es-ES" smtClean="0"/>
-              <a:t>Haga clic para modificar el estilo de texto del patrón</a:t>
-            </a:r>
-          </a:p>
-        </p:txBody>
-      </p:sp>
-      <p:sp>
-        <p:nvSpPr>
-          <p:cNvPr id="5" name="4 Marcador de fecha"/>
-          <p:cNvSpPr>
-            <a:spLocks noGrp="1"/>
-          </p:cNvSpPr>
-          <p:nvPr>
-            <p:ph type="dt" sz="half" idx="10"/>
-          </p:nvPr>
-        </p:nvSpPr>
-        <p:spPr/>
-        <p:txBody>
-          <a:bodyPr/>
-          <a:lstStyle/>
-          <a:p>
-            <a:fld id="{7193C34C-F113-4994-9C66-B265FA1F4C31}" type="datetimeFigureOut">
-              <a:rPr lang="es-PE" smtClean="0"/>
-              <a:t>30/07/2015</a:t>
-            </a:fld>
-            <a:endParaRPr lang="es-PE"/>
-          </a:p>
-        </p:txBody>
-      </p:sp>
-      <p:sp>
-        <p:nvSpPr>
-          <p:cNvPr id="6" name="5 Marcador de pie de página"/>
-          <p:cNvSpPr>
-            <a:spLocks noGrp="1"/>
-          </p:cNvSpPr>
-          <p:nvPr>
-            <p:ph type="ftr" sz="quarter" idx="11"/>
-          </p:nvPr>
-        </p:nvSpPr>
-        <p:spPr/>
-        <p:txBody>
-          <a:bodyPr/>
-          <a:lstStyle/>
-          <a:p>
-            <a:endParaRPr lang="es-PE"/>
-          </a:p>
-        </p:txBody>
-      </p:sp>
-      <p:sp>
-        <p:nvSpPr>
-          <p:cNvPr id="7" name="6 Marcador de número de diapositiva"/>
-          <p:cNvSpPr>
-            <a:spLocks noGrp="1"/>
-          </p:cNvSpPr>
-          <p:nvPr>
-            <p:ph type="sldNum" sz="quarter" idx="12"/>
-          </p:nvPr>
-        </p:nvSpPr>
-        <p:spPr/>
-        <p:txBody>
-          <a:bodyPr/>
-          <a:lstStyle/>
-          <a:p>
-            <a:fld id="{5970FB85-B543-47CD-9C25-C752211E4B4C}" type="slidenum">
-              <a:rPr lang="es-PE" smtClean="0"/>
-              <a:t>‹Nº›</a:t>
-            </a:fld>
-            <a:endParaRPr lang="es-PE"/>
-          </a:p>
-        </p:txBody>
-      </p:sp>
-    </p:spTree>
-    <p:extLst>
-      <p:ext uri="{BB962C8B-B14F-4D97-AF65-F5344CB8AC3E}">
-        <p14:creationId xmlns:p14="http://schemas.microsoft.com/office/powerpoint/2010/main" val="1988360152"/>
+        <p14:creationId xmlns:p14="http://schemas.microsoft.com/office/powerpoint/2010/main" val="3174452648"/>
       </p:ext>
     </p:extLst>
   </p:cSld>
@@ -2575,9 +2982,18 @@
 <p:sldMaster xmlns:a="http://schemas.openxmlformats.org/drawingml/2006/main" xmlns:r="http://schemas.openxmlformats.org/officeDocument/2006/relationships" xmlns:p="http://schemas.openxmlformats.org/presentationml/2006/main">
   <p:cSld>
     <p:bg>
-      <p:bgRef idx="1001">
-        <a:schemeClr val="bg1"/>
-      </p:bgRef>
+      <p:bgPr>
+        <a:blipFill dpi="0" rotWithShape="1">
+          <a:blip r:embed="rId14">
+            <a:lum/>
+          </a:blip>
+          <a:srcRect/>
+          <a:stretch>
+            <a:fillRect/>
+          </a:stretch>
+        </a:blipFill>
+        <a:effectLst/>
+      </p:bgPr>
     </p:bg>
     <p:spTree>
       <p:nvGrpSpPr>
@@ -2595,7 +3011,7 @@
       </p:grpSpPr>
       <p:sp>
         <p:nvSpPr>
-          <p:cNvPr id="2" name="1 Marcador de título"/>
+          <p:cNvPr id="2" name="Title Placeholder 1"/>
           <p:cNvSpPr>
             <a:spLocks noGrp="1"/>
           </p:cNvSpPr>
@@ -2619,16 +3035,16 @@
           <a:lstStyle/>
           <a:p>
             <a:r>
-              <a:rPr lang="es-ES" smtClean="0"/>
-              <a:t>Haga clic para modificar el estilo de título del patrón</a:t>
-            </a:r>
-            <a:endParaRPr lang="es-PE"/>
+              <a:rPr lang="en-US" smtClean="0"/>
+              <a:t>Click to edit Master title style</a:t>
+            </a:r>
+            <a:endParaRPr lang="en-US"/>
           </a:p>
         </p:txBody>
       </p:sp>
       <p:sp>
         <p:nvSpPr>
-          <p:cNvPr id="3" name="2 Marcador de texto"/>
+          <p:cNvPr id="3" name="Text Placeholder 2"/>
           <p:cNvSpPr>
             <a:spLocks noGrp="1"/>
           </p:cNvSpPr>
@@ -2653,44 +3069,44 @@
           <a:p>
             <a:pPr lvl="0"/>
             <a:r>
-              <a:rPr lang="es-ES" smtClean="0"/>
-              <a:t>Haga clic para modificar el estilo de texto del patrón</a:t>
+              <a:rPr lang="en-US" smtClean="0"/>
+              <a:t>Click to edit Master text styles</a:t>
             </a:r>
           </a:p>
           <a:p>
             <a:pPr lvl="1"/>
             <a:r>
-              <a:rPr lang="es-ES" smtClean="0"/>
-              <a:t>Segundo nivel</a:t>
+              <a:rPr lang="en-US" smtClean="0"/>
+              <a:t>Second level</a:t>
             </a:r>
           </a:p>
           <a:p>
             <a:pPr lvl="2"/>
             <a:r>
-              <a:rPr lang="es-ES" smtClean="0"/>
-              <a:t>Tercer nivel</a:t>
+              <a:rPr lang="en-US" smtClean="0"/>
+              <a:t>Third level</a:t>
             </a:r>
           </a:p>
           <a:p>
             <a:pPr lvl="3"/>
             <a:r>
-              <a:rPr lang="es-ES" smtClean="0"/>
-              <a:t>Cuarto nivel</a:t>
+              <a:rPr lang="en-US" smtClean="0"/>
+              <a:t>Fourth level</a:t>
             </a:r>
           </a:p>
           <a:p>
             <a:pPr lvl="4"/>
             <a:r>
-              <a:rPr lang="es-ES" smtClean="0"/>
-              <a:t>Quinto nivel</a:t>
-            </a:r>
-            <a:endParaRPr lang="es-PE"/>
+              <a:rPr lang="en-US" smtClean="0"/>
+              <a:t>Fifth level</a:t>
+            </a:r>
+            <a:endParaRPr lang="en-US"/>
           </a:p>
         </p:txBody>
       </p:sp>
       <p:sp>
         <p:nvSpPr>
-          <p:cNvPr id="4" name="3 Marcador de fecha"/>
+          <p:cNvPr id="4" name="Date Placeholder 3"/>
           <p:cNvSpPr>
             <a:spLocks noGrp="1"/>
           </p:cNvSpPr>
@@ -2721,17 +3137,18 @@
             </a:lvl1pPr>
           </a:lstStyle>
           <a:p>
-            <a:fld id="{7193C34C-F113-4994-9C66-B265FA1F4C31}" type="datetimeFigureOut">
-              <a:rPr lang="es-PE" smtClean="0"/>
-              <a:t>30/07/2015</a:t>
+            <a:fld id="{53074F12-AA26-4AC8-9962-C36BB8F32554}" type="datetimeFigureOut">
+              <a:rPr lang="en-US" smtClean="0"/>
+              <a:pPr/>
+              <a:t>7/30/2015</a:t>
             </a:fld>
-            <a:endParaRPr lang="es-PE"/>
+            <a:endParaRPr lang="en-US" dirty="0"/>
           </a:p>
         </p:txBody>
       </p:sp>
       <p:sp>
         <p:nvSpPr>
-          <p:cNvPr id="5" name="4 Marcador de pie de página"/>
+          <p:cNvPr id="5" name="Footer Placeholder 4"/>
           <p:cNvSpPr>
             <a:spLocks noGrp="1"/>
           </p:cNvSpPr>
@@ -2762,13 +3179,13 @@
             </a:lvl1pPr>
           </a:lstStyle>
           <a:p>
-            <a:endParaRPr lang="es-PE"/>
+            <a:endParaRPr lang="en-US" dirty="0"/>
           </a:p>
         </p:txBody>
       </p:sp>
       <p:sp>
         <p:nvSpPr>
-          <p:cNvPr id="6" name="5 Marcador de número de diapositiva"/>
+          <p:cNvPr id="6" name="Slide Number Placeholder 5"/>
           <p:cNvSpPr>
             <a:spLocks noGrp="1"/>
           </p:cNvSpPr>
@@ -2799,18 +3216,19 @@
             </a:lvl1pPr>
           </a:lstStyle>
           <a:p>
-            <a:fld id="{5970FB85-B543-47CD-9C25-C752211E4B4C}" type="slidenum">
-              <a:rPr lang="es-PE" smtClean="0"/>
+            <a:fld id="{B82CCC60-E8CD-4174-8B1A-7DF615B22EEF}" type="slidenum">
+              <a:rPr lang="en-US" smtClean="0"/>
+              <a:pPr/>
               <a:t>‹Nº›</a:t>
             </a:fld>
-            <a:endParaRPr lang="es-PE"/>
+            <a:endParaRPr lang="en-US" dirty="0"/>
           </a:p>
         </p:txBody>
       </p:sp>
     </p:spTree>
     <p:extLst>
       <p:ext uri="{BB962C8B-B14F-4D97-AF65-F5344CB8AC3E}">
-        <p14:creationId xmlns:p14="http://schemas.microsoft.com/office/powerpoint/2010/main" val="2431623487"/>
+        <p14:creationId xmlns:p14="http://schemas.microsoft.com/office/powerpoint/2010/main" val="1944039382"/>
       </p:ext>
     </p:extLst>
   </p:cSld>
@@ -2818,15 +3236,16 @@
   <p:sldLayoutIdLst>
     <p:sldLayoutId id="2147483649" r:id="rId1"/>
     <p:sldLayoutId id="2147483650" r:id="rId2"/>
-    <p:sldLayoutId id="2147483651" r:id="rId3"/>
-    <p:sldLayoutId id="2147483652" r:id="rId4"/>
-    <p:sldLayoutId id="2147483653" r:id="rId5"/>
-    <p:sldLayoutId id="2147483654" r:id="rId6"/>
-    <p:sldLayoutId id="2147483655" r:id="rId7"/>
-    <p:sldLayoutId id="2147483656" r:id="rId8"/>
-    <p:sldLayoutId id="2147483657" r:id="rId9"/>
-    <p:sldLayoutId id="2147483658" r:id="rId10"/>
-    <p:sldLayoutId id="2147483659" r:id="rId11"/>
+    <p:sldLayoutId id="2147483660" r:id="rId3"/>
+    <p:sldLayoutId id="2147483651" r:id="rId4"/>
+    <p:sldLayoutId id="2147483652" r:id="rId5"/>
+    <p:sldLayoutId id="2147483653" r:id="rId6"/>
+    <p:sldLayoutId id="2147483654" r:id="rId7"/>
+    <p:sldLayoutId id="2147483655" r:id="rId8"/>
+    <p:sldLayoutId id="2147483656" r:id="rId9"/>
+    <p:sldLayoutId id="2147483657" r:id="rId10"/>
+    <p:sldLayoutId id="2147483658" r:id="rId11"/>
+    <p:sldLayoutId id="2147483659" r:id="rId12"/>
   </p:sldLayoutIdLst>
   <p:txStyles>
     <p:titleStyle>
@@ -2984,7 +3403,7 @@
     </p:bodyStyle>
     <p:otherStyle>
       <a:defPPr>
-        <a:defRPr lang="es-PE"/>
+        <a:defRPr lang="en-US"/>
       </a:defPPr>
       <a:lvl1pPr marL="0" algn="l" defTabSz="914400" rtl="0" eaLnBrk="1" latinLnBrk="0" hangingPunct="1">
         <a:defRPr sz="1800" kern="1200">
@@ -3084,6 +3503,427 @@
 <file path=ppt/slides/slide1.xml><?xml version="1.0" encoding="utf-8"?>
 <p:sld xmlns:a="http://schemas.openxmlformats.org/drawingml/2006/main" xmlns:r="http://schemas.openxmlformats.org/officeDocument/2006/relationships" xmlns:p="http://schemas.openxmlformats.org/presentationml/2006/main">
   <p:cSld>
+    <p:bg>
+      <p:bgPr>
+        <a:blipFill dpi="0" rotWithShape="1">
+          <a:blip r:embed="rId2">
+            <a:lum/>
+          </a:blip>
+          <a:srcRect/>
+          <a:stretch>
+            <a:fillRect/>
+          </a:stretch>
+        </a:blipFill>
+        <a:effectLst/>
+      </p:bgPr>
+    </p:bg>
+    <p:spTree>
+      <p:nvGrpSpPr>
+        <p:cNvPr id="1" name=""/>
+        <p:cNvGrpSpPr/>
+        <p:nvPr/>
+      </p:nvGrpSpPr>
+      <p:grpSpPr>
+        <a:xfrm>
+          <a:off x="0" y="0"/>
+          <a:ext cx="0" cy="0"/>
+          <a:chOff x="0" y="0"/>
+          <a:chExt cx="0" cy="0"/>
+        </a:xfrm>
+      </p:grpSpPr>
+      <p:pic>
+        <p:nvPicPr>
+          <p:cNvPr id="9" name="8 Imagen"/>
+          <p:cNvPicPr>
+            <a:picLocks noChangeAspect="1"/>
+          </p:cNvPicPr>
+          <p:nvPr/>
+        </p:nvPicPr>
+        <p:blipFill>
+          <a:blip r:embed="rId3">
+            <a:extLst>
+              <a:ext uri="{28A0092B-C50C-407E-A947-70E740481C1C}">
+                <a14:useLocalDpi xmlns:a14="http://schemas.microsoft.com/office/drawing/2010/main" val="0"/>
+              </a:ext>
+            </a:extLst>
+          </a:blip>
+          <a:stretch>
+            <a:fillRect/>
+          </a:stretch>
+        </p:blipFill>
+        <p:spPr>
+          <a:xfrm>
+            <a:off x="106183" y="-56671"/>
+            <a:ext cx="1815373" cy="1832460"/>
+          </a:xfrm>
+          <a:prstGeom prst="rect">
+            <a:avLst/>
+          </a:prstGeom>
+        </p:spPr>
+      </p:pic>
+      <p:sp>
+        <p:nvSpPr>
+          <p:cNvPr id="2" name="Title 1"/>
+          <p:cNvSpPr>
+            <a:spLocks noGrp="1"/>
+          </p:cNvSpPr>
+          <p:nvPr>
+            <p:ph type="ctrTitle"/>
+          </p:nvPr>
+        </p:nvSpPr>
+        <p:spPr>
+          <a:xfrm>
+            <a:off x="1965489" y="57798"/>
+            <a:ext cx="7178512" cy="849131"/>
+          </a:xfrm>
+        </p:spPr>
+        <p:style>
+          <a:lnRef idx="1">
+            <a:schemeClr val="accent5"/>
+          </a:lnRef>
+          <a:fillRef idx="2">
+            <a:schemeClr val="accent5"/>
+          </a:fillRef>
+          <a:effectRef idx="1">
+            <a:schemeClr val="accent5"/>
+          </a:effectRef>
+          <a:fontRef idx="minor">
+            <a:schemeClr val="dk1"/>
+          </a:fontRef>
+        </p:style>
+        <p:txBody>
+          <a:bodyPr>
+            <a:normAutofit/>
+          </a:bodyPr>
+          <a:lstStyle/>
+          <a:p>
+            <a:r>
+              <a:rPr lang="en-US" sz="2600" b="1" dirty="0" smtClean="0">
+                <a:solidFill>
+                  <a:schemeClr val="tx1"/>
+                </a:solidFill>
+                <a:latin typeface="DFKai-SB" pitchFamily="65" charset="-120"/>
+                <a:ea typeface="DFKai-SB" pitchFamily="65" charset="-120"/>
+              </a:rPr>
+              <a:t>UNIVERSIDAD NACIONAL JOSÉ MARIA ARGUEDAS</a:t>
+            </a:r>
+            <a:endParaRPr lang="en-US" sz="2600" b="1" dirty="0">
+              <a:solidFill>
+                <a:schemeClr val="tx1"/>
+              </a:solidFill>
+              <a:latin typeface="DFKai-SB" pitchFamily="65" charset="-120"/>
+              <a:ea typeface="DFKai-SB" pitchFamily="65" charset="-120"/>
+            </a:endParaRPr>
+          </a:p>
+        </p:txBody>
+      </p:sp>
+      <p:sp>
+        <p:nvSpPr>
+          <p:cNvPr id="3" name="Subtitle 2"/>
+          <p:cNvSpPr>
+            <a:spLocks noGrp="1"/>
+          </p:cNvSpPr>
+          <p:nvPr>
+            <p:ph type="subTitle" idx="1"/>
+          </p:nvPr>
+        </p:nvSpPr>
+        <p:spPr>
+          <a:xfrm>
+            <a:off x="2586835" y="5566870"/>
+            <a:ext cx="3982838" cy="458115"/>
+          </a:xfrm>
+        </p:spPr>
+        <p:txBody>
+          <a:bodyPr>
+            <a:normAutofit fontScale="92500" lnSpcReduction="10000"/>
+          </a:bodyPr>
+          <a:lstStyle/>
+          <a:p>
+            <a:r>
+              <a:rPr lang="en-US" dirty="0" smtClean="0"/>
+              <a:t>ANDAHUAYLAS - PERU</a:t>
+            </a:r>
+            <a:endParaRPr lang="en-US" dirty="0"/>
+          </a:p>
+        </p:txBody>
+      </p:sp>
+      <p:sp>
+        <p:nvSpPr>
+          <p:cNvPr id="4" name="3 Rectángulo"/>
+          <p:cNvSpPr/>
+          <p:nvPr/>
+        </p:nvSpPr>
+        <p:spPr>
+          <a:xfrm>
+            <a:off x="3358" y="1617251"/>
+            <a:ext cx="6566315" cy="1077218"/>
+          </a:xfrm>
+          <a:prstGeom prst="rect">
+            <a:avLst/>
+          </a:prstGeom>
+        </p:spPr>
+        <p:txBody>
+          <a:bodyPr wrap="square">
+            <a:spAutoFit/>
+          </a:bodyPr>
+          <a:lstStyle/>
+          <a:p>
+            <a:r>
+              <a:rPr lang="en-US" sz="3200" b="1" dirty="0">
+                <a:solidFill>
+                  <a:schemeClr val="bg1"/>
+                </a:solidFill>
+              </a:rPr>
+              <a:t>Alumno: </a:t>
+            </a:r>
+            <a:endParaRPr lang="en-US" sz="3200" b="1" dirty="0" smtClean="0">
+              <a:solidFill>
+                <a:schemeClr val="bg1"/>
+              </a:solidFill>
+            </a:endParaRPr>
+          </a:p>
+          <a:p>
+            <a:r>
+              <a:rPr lang="en-US" sz="3200" b="1" dirty="0" smtClean="0">
+                <a:solidFill>
+                  <a:srgbClr val="00FF00"/>
+                </a:solidFill>
+              </a:rPr>
+              <a:t>O</a:t>
+            </a:r>
+            <a:r>
+              <a:rPr lang="en-US" sz="2400" b="1" dirty="0" smtClean="0">
+                <a:solidFill>
+                  <a:srgbClr val="00FF00"/>
+                </a:solidFill>
+              </a:rPr>
+              <a:t>SCCO </a:t>
+            </a:r>
+            <a:r>
+              <a:rPr lang="en-US" sz="3200" b="1" dirty="0">
+                <a:solidFill>
+                  <a:srgbClr val="00FF00"/>
+                </a:solidFill>
+              </a:rPr>
+              <a:t>Q</a:t>
+            </a:r>
+            <a:r>
+              <a:rPr lang="en-US" sz="2400" b="1" dirty="0">
+                <a:solidFill>
+                  <a:srgbClr val="00FF00"/>
+                </a:solidFill>
+              </a:rPr>
+              <a:t>UISPE </a:t>
+            </a:r>
+            <a:r>
+              <a:rPr lang="en-US" sz="2800" b="1" dirty="0">
+                <a:solidFill>
+                  <a:srgbClr val="00FF00"/>
+                </a:solidFill>
+              </a:rPr>
+              <a:t>W</a:t>
+            </a:r>
+            <a:r>
+              <a:rPr lang="en-US" sz="2400" b="1" dirty="0">
+                <a:solidFill>
+                  <a:srgbClr val="00FF00"/>
+                </a:solidFill>
+              </a:rPr>
+              <a:t>ilber</a:t>
+            </a:r>
+          </a:p>
+        </p:txBody>
+      </p:sp>
+      <p:sp>
+        <p:nvSpPr>
+          <p:cNvPr id="10" name="9 Rectángulo"/>
+          <p:cNvSpPr/>
+          <p:nvPr/>
+        </p:nvSpPr>
+        <p:spPr>
+          <a:xfrm>
+            <a:off x="1976016" y="833015"/>
+            <a:ext cx="7024430" cy="769441"/>
+          </a:xfrm>
+          <a:prstGeom prst="rect">
+            <a:avLst/>
+          </a:prstGeom>
+        </p:spPr>
+        <p:txBody>
+          <a:bodyPr wrap="square">
+            <a:spAutoFit/>
+          </a:bodyPr>
+          <a:lstStyle/>
+          <a:p>
+            <a:r>
+              <a:rPr lang="en-US" sz="4400" b="1" i="1" dirty="0">
+                <a:solidFill>
+                  <a:srgbClr val="FF0000"/>
+                </a:solidFill>
+                <a:latin typeface="Angsana New" pitchFamily="18" charset="-34"/>
+                <a:cs typeface="Angsana New" pitchFamily="18" charset="-34"/>
+              </a:rPr>
+              <a:t>Escuela profesional Ingenieria de Sistemas </a:t>
+            </a:r>
+          </a:p>
+        </p:txBody>
+      </p:sp>
+      <p:sp>
+        <p:nvSpPr>
+          <p:cNvPr id="11" name="10 Rectángulo"/>
+          <p:cNvSpPr/>
+          <p:nvPr/>
+        </p:nvSpPr>
+        <p:spPr>
+          <a:xfrm>
+            <a:off x="18158" y="2679018"/>
+            <a:ext cx="3826689" cy="892552"/>
+          </a:xfrm>
+          <a:prstGeom prst="rect">
+            <a:avLst/>
+          </a:prstGeom>
+        </p:spPr>
+        <p:txBody>
+          <a:bodyPr wrap="none">
+            <a:spAutoFit/>
+          </a:bodyPr>
+          <a:lstStyle/>
+          <a:p>
+            <a:r>
+              <a:rPr lang="en-US" sz="2800" b="1" dirty="0">
+                <a:solidFill>
+                  <a:schemeClr val="bg1"/>
+                </a:solidFill>
+              </a:rPr>
+              <a:t>CURSO</a:t>
+            </a:r>
+            <a:r>
+              <a:rPr lang="en-US" sz="2800" b="1" dirty="0" smtClean="0">
+                <a:solidFill>
+                  <a:schemeClr val="bg1"/>
+                </a:solidFill>
+              </a:rPr>
+              <a:t>: </a:t>
+            </a:r>
+          </a:p>
+          <a:p>
+            <a:r>
+              <a:rPr lang="en-US" sz="2400" b="1" dirty="0" smtClean="0">
+                <a:solidFill>
+                  <a:srgbClr val="00FF00"/>
+                </a:solidFill>
+              </a:rPr>
+              <a:t>INGENIERIA DE SOFTWARE II</a:t>
+            </a:r>
+            <a:endParaRPr lang="es-PE" b="1" dirty="0">
+              <a:solidFill>
+                <a:srgbClr val="00FF00"/>
+              </a:solidFill>
+            </a:endParaRPr>
+          </a:p>
+        </p:txBody>
+      </p:sp>
+      <p:sp>
+        <p:nvSpPr>
+          <p:cNvPr id="12" name="11 Rectángulo"/>
+          <p:cNvSpPr/>
+          <p:nvPr/>
+        </p:nvSpPr>
+        <p:spPr>
+          <a:xfrm>
+            <a:off x="34024" y="3571570"/>
+            <a:ext cx="4537976" cy="584775"/>
+          </a:xfrm>
+          <a:prstGeom prst="rect">
+            <a:avLst/>
+          </a:prstGeom>
+        </p:spPr>
+        <p:txBody>
+          <a:bodyPr wrap="square">
+            <a:spAutoFit/>
+          </a:bodyPr>
+          <a:lstStyle/>
+          <a:p>
+            <a:r>
+              <a:rPr lang="es-PE" sz="3200" dirty="0" smtClean="0">
+                <a:solidFill>
+                  <a:schemeClr val="bg1"/>
+                </a:solidFill>
+              </a:rPr>
+              <a:t>DOCENTE: </a:t>
+            </a:r>
+            <a:r>
+              <a:rPr lang="es-PE" sz="3200" dirty="0" smtClean="0">
+                <a:solidFill>
+                  <a:srgbClr val="00FF00"/>
+                </a:solidFill>
+              </a:rPr>
+              <a:t>Iván </a:t>
+            </a:r>
+            <a:r>
+              <a:rPr lang="es-PE" sz="3200" dirty="0">
+                <a:solidFill>
+                  <a:srgbClr val="00FF00"/>
+                </a:solidFill>
+              </a:rPr>
+              <a:t>Soria Solís</a:t>
+            </a:r>
+          </a:p>
+        </p:txBody>
+      </p:sp>
+      <p:pic>
+        <p:nvPicPr>
+          <p:cNvPr id="14" name="13 Imagen"/>
+          <p:cNvPicPr>
+            <a:picLocks noChangeAspect="1"/>
+          </p:cNvPicPr>
+          <p:nvPr/>
+        </p:nvPicPr>
+        <p:blipFill>
+          <a:blip r:embed="rId4">
+            <a:extLst>
+              <a:ext uri="{28A0092B-C50C-407E-A947-70E740481C1C}">
+                <a14:useLocalDpi xmlns:a14="http://schemas.microsoft.com/office/drawing/2010/main" val="0"/>
+              </a:ext>
+            </a:extLst>
+          </a:blip>
+          <a:stretch>
+            <a:fillRect/>
+          </a:stretch>
+        </p:blipFill>
+        <p:spPr>
+          <a:xfrm>
+            <a:off x="6099050" y="1717945"/>
+            <a:ext cx="2438400" cy="3696220"/>
+          </a:xfrm>
+          <a:prstGeom prst="rect">
+            <a:avLst/>
+          </a:prstGeom>
+        </p:spPr>
+      </p:pic>
+    </p:spTree>
+    <p:extLst>
+      <p:ext uri="{BB962C8B-B14F-4D97-AF65-F5344CB8AC3E}">
+        <p14:creationId xmlns:p14="http://schemas.microsoft.com/office/powerpoint/2010/main" val="363920370"/>
+      </p:ext>
+    </p:extLst>
+  </p:cSld>
+  <p:clrMapOvr>
+    <a:masterClrMapping/>
+  </p:clrMapOvr>
+  <p:timing>
+    <p:tnLst>
+      <p:par>
+        <p:cTn id="1" dur="indefinite" restart="never" nodeType="tmRoot"/>
+      </p:par>
+    </p:tnLst>
+  </p:timing>
+</p:sld>
+</file>
+
+<file path=ppt/slides/slide10.xml><?xml version="1.0" encoding="utf-8"?>
+<p:sld xmlns:a="http://schemas.openxmlformats.org/drawingml/2006/main" xmlns:r="http://schemas.openxmlformats.org/officeDocument/2006/relationships" xmlns:p="http://schemas.openxmlformats.org/presentationml/2006/main">
+  <p:cSld>
     <p:spTree>
       <p:nvGrpSpPr>
         <p:cNvPr id="1" name=""/>
@@ -3108,12 +3948,1434 @@
             <p:ph type="title"/>
           </p:nvPr>
         </p:nvSpPr>
-        <p:spPr/>
+        <p:spPr>
+          <a:xfrm>
+            <a:off x="0" y="1596540"/>
+            <a:ext cx="9144000" cy="610820"/>
+          </a:xfrm>
+        </p:spPr>
         <p:txBody>
-          <a:bodyPr/>
+          <a:bodyPr>
+            <a:normAutofit fontScale="90000"/>
+          </a:bodyPr>
           <a:lstStyle/>
           <a:p>
-            <a:endParaRPr lang="es-PE"/>
+            <a:r>
+              <a:rPr lang="es-PE" dirty="0" smtClean="0"/>
+              <a:t>Puntuaciones </a:t>
+            </a:r>
+            <a:endParaRPr lang="es-PE" dirty="0"/>
+          </a:p>
+        </p:txBody>
+      </p:sp>
+      <p:pic>
+        <p:nvPicPr>
+          <p:cNvPr id="5122" name="Picture 2"/>
+          <p:cNvPicPr>
+            <a:picLocks noChangeAspect="1" noChangeArrowheads="1"/>
+          </p:cNvPicPr>
+          <p:nvPr/>
+        </p:nvPicPr>
+        <p:blipFill>
+          <a:blip r:embed="rId2">
+            <a:extLst>
+              <a:ext uri="{28A0092B-C50C-407E-A947-70E740481C1C}">
+                <a14:useLocalDpi xmlns:a14="http://schemas.microsoft.com/office/drawing/2010/main" val="0"/>
+              </a:ext>
+            </a:extLst>
+          </a:blip>
+          <a:srcRect/>
+          <a:stretch>
+            <a:fillRect/>
+          </a:stretch>
+        </p:blipFill>
+        <p:spPr bwMode="auto">
+          <a:xfrm>
+            <a:off x="271463" y="2360064"/>
+            <a:ext cx="3842422" cy="4428445"/>
+          </a:xfrm>
+          <a:prstGeom prst="rect">
+            <a:avLst/>
+          </a:prstGeom>
+          <a:noFill/>
+          <a:ln>
+            <a:noFill/>
+          </a:ln>
+          <a:effectLst/>
+          <a:extLst>
+            <a:ext uri="{909E8E84-426E-40DD-AFC4-6F175D3DCCD1}">
+              <a14:hiddenFill xmlns:a14="http://schemas.microsoft.com/office/drawing/2010/main">
+                <a:solidFill>
+                  <a:schemeClr val="accent1"/>
+                </a:solidFill>
+              </a14:hiddenFill>
+            </a:ext>
+            <a:ext uri="{91240B29-F687-4F45-9708-019B960494DF}">
+              <a14:hiddenLine xmlns:a14="http://schemas.microsoft.com/office/drawing/2010/main" w="9525">
+                <a:solidFill>
+                  <a:schemeClr val="tx1"/>
+                </a:solidFill>
+                <a:miter lim="800000"/>
+                <a:headEnd/>
+                <a:tailEnd/>
+              </a14:hiddenLine>
+            </a:ext>
+            <a:ext uri="{AF507438-7753-43E0-B8FC-AC1667EBCBE1}">
+              <a14:hiddenEffects xmlns:a14="http://schemas.microsoft.com/office/drawing/2010/main">
+                <a:effectLst>
+                  <a:outerShdw dist="35921" dir="2700000" algn="ctr" rotWithShape="0">
+                    <a:schemeClr val="bg2"/>
+                  </a:outerShdw>
+                </a:effectLst>
+              </a14:hiddenEffects>
+            </a:ext>
+          </a:extLst>
+        </p:spPr>
+      </p:pic>
+      <p:sp>
+        <p:nvSpPr>
+          <p:cNvPr id="5" name="4 Explosión 1"/>
+          <p:cNvSpPr/>
+          <p:nvPr/>
+        </p:nvSpPr>
+        <p:spPr>
+          <a:xfrm>
+            <a:off x="4419295" y="1749245"/>
+            <a:ext cx="4581150" cy="4581150"/>
+          </a:xfrm>
+          <a:prstGeom prst="irregularSeal1">
+            <a:avLst/>
+          </a:prstGeom>
+        </p:spPr>
+        <p:style>
+          <a:lnRef idx="1">
+            <a:schemeClr val="accent4"/>
+          </a:lnRef>
+          <a:fillRef idx="2">
+            <a:schemeClr val="accent4"/>
+          </a:fillRef>
+          <a:effectRef idx="1">
+            <a:schemeClr val="accent4"/>
+          </a:effectRef>
+          <a:fontRef idx="minor">
+            <a:schemeClr val="dk1"/>
+          </a:fontRef>
+        </p:style>
+        <p:txBody>
+          <a:bodyPr rtlCol="0" anchor="ctr"/>
+          <a:lstStyle/>
+          <a:p>
+            <a:r>
+              <a:rPr lang="es-PE" dirty="0"/>
+              <a:t>Este nos permite ver las cinco ultimas puntuaciones del juego que jugamos y los ordena de acuerdo al ultimo al mayo puntuación que obtuviste.</a:t>
+            </a:r>
+            <a:endParaRPr lang="es-PE" dirty="0"/>
+          </a:p>
+        </p:txBody>
+      </p:sp>
+    </p:spTree>
+    <p:extLst>
+      <p:ext uri="{BB962C8B-B14F-4D97-AF65-F5344CB8AC3E}">
+        <p14:creationId xmlns:p14="http://schemas.microsoft.com/office/powerpoint/2010/main" val="2137124040"/>
+      </p:ext>
+    </p:extLst>
+  </p:cSld>
+  <p:clrMapOvr>
+    <a:masterClrMapping/>
+  </p:clrMapOvr>
+  <p:timing>
+    <p:tnLst>
+      <p:par>
+        <p:cTn id="1" dur="indefinite" restart="never" nodeType="tmRoot">
+          <p:childTnLst>
+            <p:seq concurrent="1" nextAc="seek">
+              <p:cTn id="2" dur="indefinite" nodeType="mainSeq">
+                <p:childTnLst>
+                  <p:par>
+                    <p:cTn id="3" fill="hold">
+                      <p:stCondLst>
+                        <p:cond delay="indefinite"/>
+                      </p:stCondLst>
+                      <p:childTnLst>
+                        <p:par>
+                          <p:cTn id="4" fill="hold">
+                            <p:stCondLst>
+                              <p:cond delay="0"/>
+                            </p:stCondLst>
+                            <p:childTnLst>
+                              <p:par>
+                                <p:cTn id="5" presetID="6" presetClass="entr" presetSubtype="16" fill="hold" grpId="0" nodeType="clickEffect">
+                                  <p:stCondLst>
+                                    <p:cond delay="0"/>
+                                  </p:stCondLst>
+                                  <p:childTnLst>
+                                    <p:set>
+                                      <p:cBhvr>
+                                        <p:cTn id="6" dur="1" fill="hold">
+                                          <p:stCondLst>
+                                            <p:cond delay="0"/>
+                                          </p:stCondLst>
+                                        </p:cTn>
+                                        <p:tgtEl>
+                                          <p:spTgt spid="2"/>
+                                        </p:tgtEl>
+                                        <p:attrNameLst>
+                                          <p:attrName>style.visibility</p:attrName>
+                                        </p:attrNameLst>
+                                      </p:cBhvr>
+                                      <p:to>
+                                        <p:strVal val="visible"/>
+                                      </p:to>
+                                    </p:set>
+                                    <p:animEffect transition="in" filter="circle(in)">
+                                      <p:cBhvr>
+                                        <p:cTn id="7" dur="2000"/>
+                                        <p:tgtEl>
+                                          <p:spTgt spid="2"/>
+                                        </p:tgtEl>
+                                      </p:cBhvr>
+                                    </p:animEffect>
+                                  </p:childTnLst>
+                                </p:cTn>
+                              </p:par>
+                            </p:childTnLst>
+                          </p:cTn>
+                        </p:par>
+                      </p:childTnLst>
+                    </p:cTn>
+                  </p:par>
+                  <p:par>
+                    <p:cTn id="8" fill="hold">
+                      <p:stCondLst>
+                        <p:cond delay="indefinite"/>
+                      </p:stCondLst>
+                      <p:childTnLst>
+                        <p:par>
+                          <p:cTn id="9" fill="hold">
+                            <p:stCondLst>
+                              <p:cond delay="0"/>
+                            </p:stCondLst>
+                            <p:childTnLst>
+                              <p:par>
+                                <p:cTn id="10" presetID="22" presetClass="entr" presetSubtype="4" fill="hold" nodeType="clickEffect">
+                                  <p:stCondLst>
+                                    <p:cond delay="0"/>
+                                  </p:stCondLst>
+                                  <p:childTnLst>
+                                    <p:set>
+                                      <p:cBhvr>
+                                        <p:cTn id="11" dur="1" fill="hold">
+                                          <p:stCondLst>
+                                            <p:cond delay="0"/>
+                                          </p:stCondLst>
+                                        </p:cTn>
+                                        <p:tgtEl>
+                                          <p:spTgt spid="5122"/>
+                                        </p:tgtEl>
+                                        <p:attrNameLst>
+                                          <p:attrName>style.visibility</p:attrName>
+                                        </p:attrNameLst>
+                                      </p:cBhvr>
+                                      <p:to>
+                                        <p:strVal val="visible"/>
+                                      </p:to>
+                                    </p:set>
+                                    <p:animEffect transition="in" filter="wipe(down)">
+                                      <p:cBhvr>
+                                        <p:cTn id="12" dur="500"/>
+                                        <p:tgtEl>
+                                          <p:spTgt spid="5122"/>
+                                        </p:tgtEl>
+                                      </p:cBhvr>
+                                    </p:animEffect>
+                                  </p:childTnLst>
+                                </p:cTn>
+                              </p:par>
+                            </p:childTnLst>
+                          </p:cTn>
+                        </p:par>
+                      </p:childTnLst>
+                    </p:cTn>
+                  </p:par>
+                  <p:par>
+                    <p:cTn id="13" fill="hold">
+                      <p:stCondLst>
+                        <p:cond delay="indefinite"/>
+                      </p:stCondLst>
+                      <p:childTnLst>
+                        <p:par>
+                          <p:cTn id="14" fill="hold">
+                            <p:stCondLst>
+                              <p:cond delay="0"/>
+                            </p:stCondLst>
+                            <p:childTnLst>
+                              <p:par>
+                                <p:cTn id="15" presetID="10" presetClass="entr" presetSubtype="0" fill="hold" grpId="0" nodeType="clickEffect">
+                                  <p:stCondLst>
+                                    <p:cond delay="0"/>
+                                  </p:stCondLst>
+                                  <p:childTnLst>
+                                    <p:set>
+                                      <p:cBhvr>
+                                        <p:cTn id="16" dur="1" fill="hold">
+                                          <p:stCondLst>
+                                            <p:cond delay="0"/>
+                                          </p:stCondLst>
+                                        </p:cTn>
+                                        <p:tgtEl>
+                                          <p:spTgt spid="5"/>
+                                        </p:tgtEl>
+                                        <p:attrNameLst>
+                                          <p:attrName>style.visibility</p:attrName>
+                                        </p:attrNameLst>
+                                      </p:cBhvr>
+                                      <p:to>
+                                        <p:strVal val="visible"/>
+                                      </p:to>
+                                    </p:set>
+                                    <p:animEffect transition="in" filter="fade">
+                                      <p:cBhvr>
+                                        <p:cTn id="17" dur="500"/>
+                                        <p:tgtEl>
+                                          <p:spTgt spid="5"/>
+                                        </p:tgtEl>
+                                      </p:cBhvr>
+                                    </p:animEffect>
+                                  </p:childTnLst>
+                                </p:cTn>
+                              </p:par>
+                            </p:childTnLst>
+                          </p:cTn>
+                        </p:par>
+                      </p:childTnLst>
+                    </p:cTn>
+                  </p:par>
+                </p:childTnLst>
+              </p:cTn>
+              <p:prevCondLst>
+                <p:cond evt="onPrev" delay="0">
+                  <p:tgtEl>
+                    <p:sldTgt/>
+                  </p:tgtEl>
+                </p:cond>
+              </p:prevCondLst>
+              <p:nextCondLst>
+                <p:cond evt="onNext" delay="0">
+                  <p:tgtEl>
+                    <p:sldTgt/>
+                  </p:tgtEl>
+                </p:cond>
+              </p:nextCondLst>
+            </p:seq>
+          </p:childTnLst>
+        </p:cTn>
+      </p:par>
+    </p:tnLst>
+    <p:bldLst>
+      <p:bldP spid="2" grpId="0" animBg="1"/>
+      <p:bldP spid="5" grpId="0" animBg="1"/>
+    </p:bldLst>
+  </p:timing>
+</p:sld>
+</file>
+
+<file path=ppt/slides/slide11.xml><?xml version="1.0" encoding="utf-8"?>
+<p:sld xmlns:a="http://schemas.openxmlformats.org/drawingml/2006/main" xmlns:r="http://schemas.openxmlformats.org/officeDocument/2006/relationships" xmlns:p="http://schemas.openxmlformats.org/presentationml/2006/main">
+  <p:cSld>
+    <p:spTree>
+      <p:nvGrpSpPr>
+        <p:cNvPr id="1" name=""/>
+        <p:cNvGrpSpPr/>
+        <p:nvPr/>
+      </p:nvGrpSpPr>
+      <p:grpSpPr>
+        <a:xfrm>
+          <a:off x="0" y="0"/>
+          <a:ext cx="0" cy="0"/>
+          <a:chOff x="0" y="0"/>
+          <a:chExt cx="0" cy="0"/>
+        </a:xfrm>
+      </p:grpSpPr>
+      <p:sp>
+        <p:nvSpPr>
+          <p:cNvPr id="2" name="1 Título"/>
+          <p:cNvSpPr>
+            <a:spLocks noGrp="1"/>
+          </p:cNvSpPr>
+          <p:nvPr>
+            <p:ph type="title"/>
+          </p:nvPr>
+        </p:nvSpPr>
+        <p:spPr>
+          <a:xfrm>
+            <a:off x="0" y="1749246"/>
+            <a:ext cx="9144000" cy="610820"/>
+          </a:xfrm>
+        </p:spPr>
+        <p:txBody>
+          <a:bodyPr>
+            <a:normAutofit fontScale="90000"/>
+          </a:bodyPr>
+          <a:lstStyle/>
+          <a:p>
+            <a:r>
+              <a:rPr lang="es-PE" dirty="0" smtClean="0"/>
+              <a:t>Músicas para el juego</a:t>
+            </a:r>
+            <a:endParaRPr lang="es-PE" dirty="0"/>
+          </a:p>
+        </p:txBody>
+      </p:sp>
+      <p:sp>
+        <p:nvSpPr>
+          <p:cNvPr id="4" name="3 Nube"/>
+          <p:cNvSpPr/>
+          <p:nvPr/>
+        </p:nvSpPr>
+        <p:spPr>
+          <a:xfrm>
+            <a:off x="5335524" y="2818179"/>
+            <a:ext cx="2901395" cy="2595985"/>
+          </a:xfrm>
+          <a:prstGeom prst="cloud">
+            <a:avLst/>
+          </a:prstGeom>
+        </p:spPr>
+        <p:style>
+          <a:lnRef idx="2">
+            <a:schemeClr val="accent6"/>
+          </a:lnRef>
+          <a:fillRef idx="1">
+            <a:schemeClr val="lt1"/>
+          </a:fillRef>
+          <a:effectRef idx="0">
+            <a:schemeClr val="accent6"/>
+          </a:effectRef>
+          <a:fontRef idx="minor">
+            <a:schemeClr val="dk1"/>
+          </a:fontRef>
+        </p:style>
+        <p:txBody>
+          <a:bodyPr rtlCol="0" anchor="ctr"/>
+          <a:lstStyle/>
+          <a:p>
+            <a:pPr algn="ctr"/>
+            <a:r>
+              <a:rPr lang="es-PE" dirty="0" smtClean="0"/>
+              <a:t>Estas son las música que puede escoger el jugador</a:t>
+            </a:r>
+            <a:endParaRPr lang="es-PE" dirty="0"/>
+          </a:p>
+        </p:txBody>
+      </p:sp>
+      <p:pic>
+        <p:nvPicPr>
+          <p:cNvPr id="6147" name="Picture 3"/>
+          <p:cNvPicPr>
+            <a:picLocks noChangeAspect="1" noChangeArrowheads="1"/>
+          </p:cNvPicPr>
+          <p:nvPr/>
+        </p:nvPicPr>
+        <p:blipFill>
+          <a:blip r:embed="rId2">
+            <a:extLst>
+              <a:ext uri="{28A0092B-C50C-407E-A947-70E740481C1C}">
+                <a14:useLocalDpi xmlns:a14="http://schemas.microsoft.com/office/drawing/2010/main" val="0"/>
+              </a:ext>
+            </a:extLst>
+          </a:blip>
+          <a:srcRect/>
+          <a:stretch>
+            <a:fillRect/>
+          </a:stretch>
+        </p:blipFill>
+        <p:spPr bwMode="auto">
+          <a:xfrm>
+            <a:off x="-1" y="3581704"/>
+            <a:ext cx="5030115" cy="3276295"/>
+          </a:xfrm>
+          <a:prstGeom prst="rect">
+            <a:avLst/>
+          </a:prstGeom>
+          <a:noFill/>
+          <a:ln>
+            <a:noFill/>
+          </a:ln>
+          <a:effectLst/>
+          <a:extLst>
+            <a:ext uri="{909E8E84-426E-40DD-AFC4-6F175D3DCCD1}">
+              <a14:hiddenFill xmlns:a14="http://schemas.microsoft.com/office/drawing/2010/main">
+                <a:solidFill>
+                  <a:schemeClr val="accent1"/>
+                </a:solidFill>
+              </a14:hiddenFill>
+            </a:ext>
+            <a:ext uri="{91240B29-F687-4F45-9708-019B960494DF}">
+              <a14:hiddenLine xmlns:a14="http://schemas.microsoft.com/office/drawing/2010/main" w="9525">
+                <a:solidFill>
+                  <a:schemeClr val="tx1"/>
+                </a:solidFill>
+                <a:miter lim="800000"/>
+                <a:headEnd/>
+                <a:tailEnd/>
+              </a14:hiddenLine>
+            </a:ext>
+            <a:ext uri="{AF507438-7753-43E0-B8FC-AC1667EBCBE1}">
+              <a14:hiddenEffects xmlns:a14="http://schemas.microsoft.com/office/drawing/2010/main">
+                <a:effectLst>
+                  <a:outerShdw dist="35921" dir="2700000" algn="ctr" rotWithShape="0">
+                    <a:schemeClr val="bg2"/>
+                  </a:outerShdw>
+                </a:effectLst>
+              </a14:hiddenEffects>
+            </a:ext>
+          </a:extLst>
+        </p:spPr>
+      </p:pic>
+    </p:spTree>
+    <p:extLst>
+      <p:ext uri="{BB962C8B-B14F-4D97-AF65-F5344CB8AC3E}">
+        <p14:creationId xmlns:p14="http://schemas.microsoft.com/office/powerpoint/2010/main" val="4217692436"/>
+      </p:ext>
+    </p:extLst>
+  </p:cSld>
+  <p:clrMapOvr>
+    <a:masterClrMapping/>
+  </p:clrMapOvr>
+  <p:timing>
+    <p:tnLst>
+      <p:par>
+        <p:cTn id="1" dur="indefinite" restart="never" nodeType="tmRoot">
+          <p:childTnLst>
+            <p:seq concurrent="1" nextAc="seek">
+              <p:cTn id="2" dur="indefinite" nodeType="mainSeq">
+                <p:childTnLst>
+                  <p:par>
+                    <p:cTn id="3" fill="hold">
+                      <p:stCondLst>
+                        <p:cond delay="indefinite"/>
+                      </p:stCondLst>
+                      <p:childTnLst>
+                        <p:par>
+                          <p:cTn id="4" fill="hold">
+                            <p:stCondLst>
+                              <p:cond delay="0"/>
+                            </p:stCondLst>
+                            <p:childTnLst>
+                              <p:par>
+                                <p:cTn id="5" presetID="6" presetClass="entr" presetSubtype="16" fill="hold" grpId="0" nodeType="clickEffect">
+                                  <p:stCondLst>
+                                    <p:cond delay="0"/>
+                                  </p:stCondLst>
+                                  <p:childTnLst>
+                                    <p:set>
+                                      <p:cBhvr>
+                                        <p:cTn id="6" dur="1" fill="hold">
+                                          <p:stCondLst>
+                                            <p:cond delay="0"/>
+                                          </p:stCondLst>
+                                        </p:cTn>
+                                        <p:tgtEl>
+                                          <p:spTgt spid="2"/>
+                                        </p:tgtEl>
+                                        <p:attrNameLst>
+                                          <p:attrName>style.visibility</p:attrName>
+                                        </p:attrNameLst>
+                                      </p:cBhvr>
+                                      <p:to>
+                                        <p:strVal val="visible"/>
+                                      </p:to>
+                                    </p:set>
+                                    <p:animEffect transition="in" filter="circle(in)">
+                                      <p:cBhvr>
+                                        <p:cTn id="7" dur="2000"/>
+                                        <p:tgtEl>
+                                          <p:spTgt spid="2"/>
+                                        </p:tgtEl>
+                                      </p:cBhvr>
+                                    </p:animEffect>
+                                  </p:childTnLst>
+                                </p:cTn>
+                              </p:par>
+                            </p:childTnLst>
+                          </p:cTn>
+                        </p:par>
+                      </p:childTnLst>
+                    </p:cTn>
+                  </p:par>
+                  <p:par>
+                    <p:cTn id="8" fill="hold">
+                      <p:stCondLst>
+                        <p:cond delay="indefinite"/>
+                      </p:stCondLst>
+                      <p:childTnLst>
+                        <p:par>
+                          <p:cTn id="9" fill="hold">
+                            <p:stCondLst>
+                              <p:cond delay="0"/>
+                            </p:stCondLst>
+                            <p:childTnLst>
+                              <p:par>
+                                <p:cTn id="10" presetID="42" presetClass="entr" presetSubtype="0" fill="hold" nodeType="clickEffect">
+                                  <p:stCondLst>
+                                    <p:cond delay="0"/>
+                                  </p:stCondLst>
+                                  <p:childTnLst>
+                                    <p:set>
+                                      <p:cBhvr>
+                                        <p:cTn id="11" dur="1" fill="hold">
+                                          <p:stCondLst>
+                                            <p:cond delay="0"/>
+                                          </p:stCondLst>
+                                        </p:cTn>
+                                        <p:tgtEl>
+                                          <p:spTgt spid="6147"/>
+                                        </p:tgtEl>
+                                        <p:attrNameLst>
+                                          <p:attrName>style.visibility</p:attrName>
+                                        </p:attrNameLst>
+                                      </p:cBhvr>
+                                      <p:to>
+                                        <p:strVal val="visible"/>
+                                      </p:to>
+                                    </p:set>
+                                    <p:animEffect transition="in" filter="fade">
+                                      <p:cBhvr>
+                                        <p:cTn id="12" dur="1000"/>
+                                        <p:tgtEl>
+                                          <p:spTgt spid="6147"/>
+                                        </p:tgtEl>
+                                      </p:cBhvr>
+                                    </p:animEffect>
+                                    <p:anim calcmode="lin" valueType="num">
+                                      <p:cBhvr>
+                                        <p:cTn id="13" dur="1000" fill="hold"/>
+                                        <p:tgtEl>
+                                          <p:spTgt spid="6147"/>
+                                        </p:tgtEl>
+                                        <p:attrNameLst>
+                                          <p:attrName>ppt_x</p:attrName>
+                                        </p:attrNameLst>
+                                      </p:cBhvr>
+                                      <p:tavLst>
+                                        <p:tav tm="0">
+                                          <p:val>
+                                            <p:strVal val="#ppt_x"/>
+                                          </p:val>
+                                        </p:tav>
+                                        <p:tav tm="100000">
+                                          <p:val>
+                                            <p:strVal val="#ppt_x"/>
+                                          </p:val>
+                                        </p:tav>
+                                      </p:tavLst>
+                                    </p:anim>
+                                    <p:anim calcmode="lin" valueType="num">
+                                      <p:cBhvr>
+                                        <p:cTn id="14" dur="1000" fill="hold"/>
+                                        <p:tgtEl>
+                                          <p:spTgt spid="6147"/>
+                                        </p:tgtEl>
+                                        <p:attrNameLst>
+                                          <p:attrName>ppt_y</p:attrName>
+                                        </p:attrNameLst>
+                                      </p:cBhvr>
+                                      <p:tavLst>
+                                        <p:tav tm="0">
+                                          <p:val>
+                                            <p:strVal val="#ppt_y+.1"/>
+                                          </p:val>
+                                        </p:tav>
+                                        <p:tav tm="100000">
+                                          <p:val>
+                                            <p:strVal val="#ppt_y"/>
+                                          </p:val>
+                                        </p:tav>
+                                      </p:tavLst>
+                                    </p:anim>
+                                  </p:childTnLst>
+                                </p:cTn>
+                              </p:par>
+                            </p:childTnLst>
+                          </p:cTn>
+                        </p:par>
+                      </p:childTnLst>
+                    </p:cTn>
+                  </p:par>
+                  <p:par>
+                    <p:cTn id="15" fill="hold">
+                      <p:stCondLst>
+                        <p:cond delay="indefinite"/>
+                      </p:stCondLst>
+                      <p:childTnLst>
+                        <p:par>
+                          <p:cTn id="16" fill="hold">
+                            <p:stCondLst>
+                              <p:cond delay="0"/>
+                            </p:stCondLst>
+                            <p:childTnLst>
+                              <p:par>
+                                <p:cTn id="17" presetID="26" presetClass="entr" presetSubtype="0" fill="hold" grpId="0" nodeType="clickEffect">
+                                  <p:stCondLst>
+                                    <p:cond delay="0"/>
+                                  </p:stCondLst>
+                                  <p:childTnLst>
+                                    <p:set>
+                                      <p:cBhvr>
+                                        <p:cTn id="18" dur="1" fill="hold">
+                                          <p:stCondLst>
+                                            <p:cond delay="0"/>
+                                          </p:stCondLst>
+                                        </p:cTn>
+                                        <p:tgtEl>
+                                          <p:spTgt spid="4"/>
+                                        </p:tgtEl>
+                                        <p:attrNameLst>
+                                          <p:attrName>style.visibility</p:attrName>
+                                        </p:attrNameLst>
+                                      </p:cBhvr>
+                                      <p:to>
+                                        <p:strVal val="visible"/>
+                                      </p:to>
+                                    </p:set>
+                                    <p:animEffect transition="in" filter="wipe(down)">
+                                      <p:cBhvr>
+                                        <p:cTn id="19" dur="580">
+                                          <p:stCondLst>
+                                            <p:cond delay="0"/>
+                                          </p:stCondLst>
+                                        </p:cTn>
+                                        <p:tgtEl>
+                                          <p:spTgt spid="4"/>
+                                        </p:tgtEl>
+                                      </p:cBhvr>
+                                    </p:animEffect>
+                                    <p:anim calcmode="lin" valueType="num">
+                                      <p:cBhvr>
+                                        <p:cTn id="20" dur="1822" tmFilter="0,0; 0.14,0.36; 0.43,0.73; 0.71,0.91; 1.0,1.0">
+                                          <p:stCondLst>
+                                            <p:cond delay="0"/>
+                                          </p:stCondLst>
+                                        </p:cTn>
+                                        <p:tgtEl>
+                                          <p:spTgt spid="4"/>
+                                        </p:tgtEl>
+                                        <p:attrNameLst>
+                                          <p:attrName>ppt_x</p:attrName>
+                                        </p:attrNameLst>
+                                      </p:cBhvr>
+                                      <p:tavLst>
+                                        <p:tav tm="0">
+                                          <p:val>
+                                            <p:strVal val="#ppt_x-0.25"/>
+                                          </p:val>
+                                        </p:tav>
+                                        <p:tav tm="100000">
+                                          <p:val>
+                                            <p:strVal val="#ppt_x"/>
+                                          </p:val>
+                                        </p:tav>
+                                      </p:tavLst>
+                                    </p:anim>
+                                    <p:anim calcmode="lin" valueType="num">
+                                      <p:cBhvr>
+                                        <p:cTn id="21" dur="664" tmFilter="0.0,0.0; 0.25,0.07; 0.50,0.2; 0.75,0.467; 1.0,1.0">
+                                          <p:stCondLst>
+                                            <p:cond delay="0"/>
+                                          </p:stCondLst>
+                                        </p:cTn>
+                                        <p:tgtEl>
+                                          <p:spTgt spid="4"/>
+                                        </p:tgtEl>
+                                        <p:attrNameLst>
+                                          <p:attrName>ppt_y</p:attrName>
+                                        </p:attrNameLst>
+                                      </p:cBhvr>
+                                      <p:tavLst>
+                                        <p:tav tm="0" fmla="#ppt_y-sin(pi*$)/3">
+                                          <p:val>
+                                            <p:fltVal val="0.5"/>
+                                          </p:val>
+                                        </p:tav>
+                                        <p:tav tm="100000">
+                                          <p:val>
+                                            <p:fltVal val="1"/>
+                                          </p:val>
+                                        </p:tav>
+                                      </p:tavLst>
+                                    </p:anim>
+                                    <p:anim calcmode="lin" valueType="num">
+                                      <p:cBhvr>
+                                        <p:cTn id="22" dur="664" tmFilter="0, 0; 0.125,0.2665; 0.25,0.4; 0.375,0.465; 0.5,0.5;  0.625,0.535; 0.75,0.6; 0.875,0.7335; 1,1">
+                                          <p:stCondLst>
+                                            <p:cond delay="664"/>
+                                          </p:stCondLst>
+                                        </p:cTn>
+                                        <p:tgtEl>
+                                          <p:spTgt spid="4"/>
+                                        </p:tgtEl>
+                                        <p:attrNameLst>
+                                          <p:attrName>ppt_y</p:attrName>
+                                        </p:attrNameLst>
+                                      </p:cBhvr>
+                                      <p:tavLst>
+                                        <p:tav tm="0" fmla="#ppt_y-sin(pi*$)/9">
+                                          <p:val>
+                                            <p:fltVal val="0"/>
+                                          </p:val>
+                                        </p:tav>
+                                        <p:tav tm="100000">
+                                          <p:val>
+                                            <p:fltVal val="1"/>
+                                          </p:val>
+                                        </p:tav>
+                                      </p:tavLst>
+                                    </p:anim>
+                                    <p:anim calcmode="lin" valueType="num">
+                                      <p:cBhvr>
+                                        <p:cTn id="23" dur="332" tmFilter="0, 0; 0.125,0.2665; 0.25,0.4; 0.375,0.465; 0.5,0.5;  0.625,0.535; 0.75,0.6; 0.875,0.7335; 1,1">
+                                          <p:stCondLst>
+                                            <p:cond delay="1324"/>
+                                          </p:stCondLst>
+                                        </p:cTn>
+                                        <p:tgtEl>
+                                          <p:spTgt spid="4"/>
+                                        </p:tgtEl>
+                                        <p:attrNameLst>
+                                          <p:attrName>ppt_y</p:attrName>
+                                        </p:attrNameLst>
+                                      </p:cBhvr>
+                                      <p:tavLst>
+                                        <p:tav tm="0" fmla="#ppt_y-sin(pi*$)/27">
+                                          <p:val>
+                                            <p:fltVal val="0"/>
+                                          </p:val>
+                                        </p:tav>
+                                        <p:tav tm="100000">
+                                          <p:val>
+                                            <p:fltVal val="1"/>
+                                          </p:val>
+                                        </p:tav>
+                                      </p:tavLst>
+                                    </p:anim>
+                                    <p:anim calcmode="lin" valueType="num">
+                                      <p:cBhvr>
+                                        <p:cTn id="24" dur="164" tmFilter="0, 0; 0.125,0.2665; 0.25,0.4; 0.375,0.465; 0.5,0.5;  0.625,0.535; 0.75,0.6; 0.875,0.7335; 1,1">
+                                          <p:stCondLst>
+                                            <p:cond delay="1656"/>
+                                          </p:stCondLst>
+                                        </p:cTn>
+                                        <p:tgtEl>
+                                          <p:spTgt spid="4"/>
+                                        </p:tgtEl>
+                                        <p:attrNameLst>
+                                          <p:attrName>ppt_y</p:attrName>
+                                        </p:attrNameLst>
+                                      </p:cBhvr>
+                                      <p:tavLst>
+                                        <p:tav tm="0" fmla="#ppt_y-sin(pi*$)/81">
+                                          <p:val>
+                                            <p:fltVal val="0"/>
+                                          </p:val>
+                                        </p:tav>
+                                        <p:tav tm="100000">
+                                          <p:val>
+                                            <p:fltVal val="1"/>
+                                          </p:val>
+                                        </p:tav>
+                                      </p:tavLst>
+                                    </p:anim>
+                                    <p:animScale>
+                                      <p:cBhvr>
+                                        <p:cTn id="25" dur="26">
+                                          <p:stCondLst>
+                                            <p:cond delay="650"/>
+                                          </p:stCondLst>
+                                        </p:cTn>
+                                        <p:tgtEl>
+                                          <p:spTgt spid="4"/>
+                                        </p:tgtEl>
+                                      </p:cBhvr>
+                                      <p:to x="100000" y="60000"/>
+                                    </p:animScale>
+                                    <p:animScale>
+                                      <p:cBhvr>
+                                        <p:cTn id="26" dur="166" decel="50000">
+                                          <p:stCondLst>
+                                            <p:cond delay="676"/>
+                                          </p:stCondLst>
+                                        </p:cTn>
+                                        <p:tgtEl>
+                                          <p:spTgt spid="4"/>
+                                        </p:tgtEl>
+                                      </p:cBhvr>
+                                      <p:to x="100000" y="100000"/>
+                                    </p:animScale>
+                                    <p:animScale>
+                                      <p:cBhvr>
+                                        <p:cTn id="27" dur="26">
+                                          <p:stCondLst>
+                                            <p:cond delay="1312"/>
+                                          </p:stCondLst>
+                                        </p:cTn>
+                                        <p:tgtEl>
+                                          <p:spTgt spid="4"/>
+                                        </p:tgtEl>
+                                      </p:cBhvr>
+                                      <p:to x="100000" y="80000"/>
+                                    </p:animScale>
+                                    <p:animScale>
+                                      <p:cBhvr>
+                                        <p:cTn id="28" dur="166" decel="50000">
+                                          <p:stCondLst>
+                                            <p:cond delay="1338"/>
+                                          </p:stCondLst>
+                                        </p:cTn>
+                                        <p:tgtEl>
+                                          <p:spTgt spid="4"/>
+                                        </p:tgtEl>
+                                      </p:cBhvr>
+                                      <p:to x="100000" y="100000"/>
+                                    </p:animScale>
+                                    <p:animScale>
+                                      <p:cBhvr>
+                                        <p:cTn id="29" dur="26">
+                                          <p:stCondLst>
+                                            <p:cond delay="1642"/>
+                                          </p:stCondLst>
+                                        </p:cTn>
+                                        <p:tgtEl>
+                                          <p:spTgt spid="4"/>
+                                        </p:tgtEl>
+                                      </p:cBhvr>
+                                      <p:to x="100000" y="90000"/>
+                                    </p:animScale>
+                                    <p:animScale>
+                                      <p:cBhvr>
+                                        <p:cTn id="30" dur="166" decel="50000">
+                                          <p:stCondLst>
+                                            <p:cond delay="1668"/>
+                                          </p:stCondLst>
+                                        </p:cTn>
+                                        <p:tgtEl>
+                                          <p:spTgt spid="4"/>
+                                        </p:tgtEl>
+                                      </p:cBhvr>
+                                      <p:to x="100000" y="100000"/>
+                                    </p:animScale>
+                                    <p:animScale>
+                                      <p:cBhvr>
+                                        <p:cTn id="31" dur="26">
+                                          <p:stCondLst>
+                                            <p:cond delay="1808"/>
+                                          </p:stCondLst>
+                                        </p:cTn>
+                                        <p:tgtEl>
+                                          <p:spTgt spid="4"/>
+                                        </p:tgtEl>
+                                      </p:cBhvr>
+                                      <p:to x="100000" y="95000"/>
+                                    </p:animScale>
+                                    <p:animScale>
+                                      <p:cBhvr>
+                                        <p:cTn id="32" dur="166" decel="50000">
+                                          <p:stCondLst>
+                                            <p:cond delay="1834"/>
+                                          </p:stCondLst>
+                                        </p:cTn>
+                                        <p:tgtEl>
+                                          <p:spTgt spid="4"/>
+                                        </p:tgtEl>
+                                      </p:cBhvr>
+                                      <p:to x="100000" y="100000"/>
+                                    </p:animScale>
+                                  </p:childTnLst>
+                                </p:cTn>
+                              </p:par>
+                            </p:childTnLst>
+                          </p:cTn>
+                        </p:par>
+                      </p:childTnLst>
+                    </p:cTn>
+                  </p:par>
+                </p:childTnLst>
+              </p:cTn>
+              <p:prevCondLst>
+                <p:cond evt="onPrev" delay="0">
+                  <p:tgtEl>
+                    <p:sldTgt/>
+                  </p:tgtEl>
+                </p:cond>
+              </p:prevCondLst>
+              <p:nextCondLst>
+                <p:cond evt="onNext" delay="0">
+                  <p:tgtEl>
+                    <p:sldTgt/>
+                  </p:tgtEl>
+                </p:cond>
+              </p:nextCondLst>
+            </p:seq>
+          </p:childTnLst>
+        </p:cTn>
+      </p:par>
+    </p:tnLst>
+    <p:bldLst>
+      <p:bldP spid="2" grpId="0" animBg="1"/>
+      <p:bldP spid="4" grpId="0" animBg="1"/>
+    </p:bldLst>
+  </p:timing>
+</p:sld>
+</file>
+
+<file path=ppt/slides/slide12.xml><?xml version="1.0" encoding="utf-8"?>
+<p:sld xmlns:a="http://schemas.openxmlformats.org/drawingml/2006/main" xmlns:r="http://schemas.openxmlformats.org/officeDocument/2006/relationships" xmlns:p="http://schemas.openxmlformats.org/presentationml/2006/main">
+  <p:cSld>
+    <p:spTree>
+      <p:nvGrpSpPr>
+        <p:cNvPr id="1" name=""/>
+        <p:cNvGrpSpPr/>
+        <p:nvPr/>
+      </p:nvGrpSpPr>
+      <p:grpSpPr>
+        <a:xfrm>
+          <a:off x="0" y="0"/>
+          <a:ext cx="0" cy="0"/>
+          <a:chOff x="0" y="0"/>
+          <a:chExt cx="0" cy="0"/>
+        </a:xfrm>
+      </p:grpSpPr>
+      <p:sp>
+        <p:nvSpPr>
+          <p:cNvPr id="2" name="1 Título"/>
+          <p:cNvSpPr>
+            <a:spLocks noGrp="1"/>
+          </p:cNvSpPr>
+          <p:nvPr>
+            <p:ph type="title"/>
+          </p:nvPr>
+        </p:nvSpPr>
+        <p:spPr>
+          <a:xfrm>
+            <a:off x="0" y="1749245"/>
+            <a:ext cx="9143999" cy="610820"/>
+          </a:xfrm>
+        </p:spPr>
+        <p:txBody>
+          <a:bodyPr>
+            <a:normAutofit fontScale="90000"/>
+          </a:bodyPr>
+          <a:lstStyle/>
+          <a:p>
+            <a:r>
+              <a:rPr lang="es-PE" dirty="0" smtClean="0"/>
+              <a:t>Nuevo inicio de juego</a:t>
+            </a:r>
+            <a:endParaRPr lang="es-PE" dirty="0"/>
+          </a:p>
+        </p:txBody>
+      </p:sp>
+      <p:pic>
+        <p:nvPicPr>
+          <p:cNvPr id="7170" name="Picture 2"/>
+          <p:cNvPicPr>
+            <a:picLocks noChangeAspect="1" noChangeArrowheads="1"/>
+          </p:cNvPicPr>
+          <p:nvPr/>
+        </p:nvPicPr>
+        <p:blipFill>
+          <a:blip r:embed="rId2">
+            <a:extLst>
+              <a:ext uri="{28A0092B-C50C-407E-A947-70E740481C1C}">
+                <a14:useLocalDpi xmlns:a14="http://schemas.microsoft.com/office/drawing/2010/main" val="0"/>
+              </a:ext>
+            </a:extLst>
+          </a:blip>
+          <a:srcRect/>
+          <a:stretch>
+            <a:fillRect/>
+          </a:stretch>
+        </p:blipFill>
+        <p:spPr bwMode="auto">
+          <a:xfrm>
+            <a:off x="1" y="2665475"/>
+            <a:ext cx="3655770" cy="4190771"/>
+          </a:xfrm>
+          <a:prstGeom prst="rect">
+            <a:avLst/>
+          </a:prstGeom>
+          <a:noFill/>
+          <a:ln>
+            <a:noFill/>
+          </a:ln>
+          <a:effectLst/>
+          <a:extLst>
+            <a:ext uri="{909E8E84-426E-40DD-AFC4-6F175D3DCCD1}">
+              <a14:hiddenFill xmlns:a14="http://schemas.microsoft.com/office/drawing/2010/main">
+                <a:solidFill>
+                  <a:schemeClr val="accent1"/>
+                </a:solidFill>
+              </a14:hiddenFill>
+            </a:ext>
+            <a:ext uri="{91240B29-F687-4F45-9708-019B960494DF}">
+              <a14:hiddenLine xmlns:a14="http://schemas.microsoft.com/office/drawing/2010/main" w="9525">
+                <a:solidFill>
+                  <a:schemeClr val="tx1"/>
+                </a:solidFill>
+                <a:miter lim="800000"/>
+                <a:headEnd/>
+                <a:tailEnd/>
+              </a14:hiddenLine>
+            </a:ext>
+            <a:ext uri="{AF507438-7753-43E0-B8FC-AC1667EBCBE1}">
+              <a14:hiddenEffects xmlns:a14="http://schemas.microsoft.com/office/drawing/2010/main">
+                <a:effectLst>
+                  <a:outerShdw dist="35921" dir="2700000" algn="ctr" rotWithShape="0">
+                    <a:schemeClr val="bg2"/>
+                  </a:outerShdw>
+                </a:effectLst>
+              </a14:hiddenEffects>
+            </a:ext>
+          </a:extLst>
+        </p:spPr>
+      </p:pic>
+      <p:sp>
+        <p:nvSpPr>
+          <p:cNvPr id="4" name="3 Cinta perforada"/>
+          <p:cNvSpPr/>
+          <p:nvPr/>
+        </p:nvSpPr>
+        <p:spPr>
+          <a:xfrm>
+            <a:off x="4113885" y="3276295"/>
+            <a:ext cx="3970330" cy="2595985"/>
+          </a:xfrm>
+          <a:prstGeom prst="flowChartPunchedTape">
+            <a:avLst/>
+          </a:prstGeom>
+        </p:spPr>
+        <p:style>
+          <a:lnRef idx="2">
+            <a:schemeClr val="accent6"/>
+          </a:lnRef>
+          <a:fillRef idx="1">
+            <a:schemeClr val="lt1"/>
+          </a:fillRef>
+          <a:effectRef idx="0">
+            <a:schemeClr val="accent6"/>
+          </a:effectRef>
+          <a:fontRef idx="minor">
+            <a:schemeClr val="dk1"/>
+          </a:fontRef>
+        </p:style>
+        <p:txBody>
+          <a:bodyPr rtlCol="0" anchor="ctr"/>
+          <a:lstStyle/>
+          <a:p>
+            <a:pPr algn="ctr"/>
+            <a:r>
+              <a:rPr lang="es-PE" dirty="0" smtClean="0"/>
+              <a:t>Este imagen nos permite reiniciar el juego una vez que nos gano el nave malo</a:t>
+            </a:r>
+            <a:endParaRPr lang="es-PE" dirty="0"/>
+          </a:p>
+        </p:txBody>
+      </p:sp>
+    </p:spTree>
+    <p:extLst>
+      <p:ext uri="{BB962C8B-B14F-4D97-AF65-F5344CB8AC3E}">
+        <p14:creationId xmlns:p14="http://schemas.microsoft.com/office/powerpoint/2010/main" val="3135273919"/>
+      </p:ext>
+    </p:extLst>
+  </p:cSld>
+  <p:clrMapOvr>
+    <a:masterClrMapping/>
+  </p:clrMapOvr>
+  <p:timing>
+    <p:tnLst>
+      <p:par>
+        <p:cTn id="1" dur="indefinite" restart="never" nodeType="tmRoot">
+          <p:childTnLst>
+            <p:seq concurrent="1" nextAc="seek">
+              <p:cTn id="2" dur="indefinite" nodeType="mainSeq">
+                <p:childTnLst>
+                  <p:par>
+                    <p:cTn id="3" fill="hold">
+                      <p:stCondLst>
+                        <p:cond delay="indefinite"/>
+                      </p:stCondLst>
+                      <p:childTnLst>
+                        <p:par>
+                          <p:cTn id="4" fill="hold">
+                            <p:stCondLst>
+                              <p:cond delay="0"/>
+                            </p:stCondLst>
+                            <p:childTnLst>
+                              <p:par>
+                                <p:cTn id="5" presetID="16" presetClass="entr" presetSubtype="21" fill="hold" grpId="0" nodeType="clickEffect">
+                                  <p:stCondLst>
+                                    <p:cond delay="0"/>
+                                  </p:stCondLst>
+                                  <p:childTnLst>
+                                    <p:set>
+                                      <p:cBhvr>
+                                        <p:cTn id="6" dur="1" fill="hold">
+                                          <p:stCondLst>
+                                            <p:cond delay="0"/>
+                                          </p:stCondLst>
+                                        </p:cTn>
+                                        <p:tgtEl>
+                                          <p:spTgt spid="2"/>
+                                        </p:tgtEl>
+                                        <p:attrNameLst>
+                                          <p:attrName>style.visibility</p:attrName>
+                                        </p:attrNameLst>
+                                      </p:cBhvr>
+                                      <p:to>
+                                        <p:strVal val="visible"/>
+                                      </p:to>
+                                    </p:set>
+                                    <p:animEffect transition="in" filter="barn(inVertical)">
+                                      <p:cBhvr>
+                                        <p:cTn id="7" dur="500"/>
+                                        <p:tgtEl>
+                                          <p:spTgt spid="2"/>
+                                        </p:tgtEl>
+                                      </p:cBhvr>
+                                    </p:animEffect>
+                                  </p:childTnLst>
+                                </p:cTn>
+                              </p:par>
+                            </p:childTnLst>
+                          </p:cTn>
+                        </p:par>
+                      </p:childTnLst>
+                    </p:cTn>
+                  </p:par>
+                  <p:par>
+                    <p:cTn id="8" fill="hold">
+                      <p:stCondLst>
+                        <p:cond delay="indefinite"/>
+                      </p:stCondLst>
+                      <p:childTnLst>
+                        <p:par>
+                          <p:cTn id="9" fill="hold">
+                            <p:stCondLst>
+                              <p:cond delay="0"/>
+                            </p:stCondLst>
+                            <p:childTnLst>
+                              <p:par>
+                                <p:cTn id="10" presetID="16" presetClass="entr" presetSubtype="21" fill="hold" nodeType="clickEffect">
+                                  <p:stCondLst>
+                                    <p:cond delay="0"/>
+                                  </p:stCondLst>
+                                  <p:childTnLst>
+                                    <p:set>
+                                      <p:cBhvr>
+                                        <p:cTn id="11" dur="1" fill="hold">
+                                          <p:stCondLst>
+                                            <p:cond delay="0"/>
+                                          </p:stCondLst>
+                                        </p:cTn>
+                                        <p:tgtEl>
+                                          <p:spTgt spid="7170"/>
+                                        </p:tgtEl>
+                                        <p:attrNameLst>
+                                          <p:attrName>style.visibility</p:attrName>
+                                        </p:attrNameLst>
+                                      </p:cBhvr>
+                                      <p:to>
+                                        <p:strVal val="visible"/>
+                                      </p:to>
+                                    </p:set>
+                                    <p:animEffect transition="in" filter="barn(inVertical)">
+                                      <p:cBhvr>
+                                        <p:cTn id="12" dur="500"/>
+                                        <p:tgtEl>
+                                          <p:spTgt spid="7170"/>
+                                        </p:tgtEl>
+                                      </p:cBhvr>
+                                    </p:animEffect>
+                                  </p:childTnLst>
+                                </p:cTn>
+                              </p:par>
+                            </p:childTnLst>
+                          </p:cTn>
+                        </p:par>
+                      </p:childTnLst>
+                    </p:cTn>
+                  </p:par>
+                  <p:par>
+                    <p:cTn id="13" fill="hold">
+                      <p:stCondLst>
+                        <p:cond delay="indefinite"/>
+                      </p:stCondLst>
+                      <p:childTnLst>
+                        <p:par>
+                          <p:cTn id="14" fill="hold">
+                            <p:stCondLst>
+                              <p:cond delay="0"/>
+                            </p:stCondLst>
+                            <p:childTnLst>
+                              <p:par>
+                                <p:cTn id="15" presetID="53" presetClass="entr" presetSubtype="16" fill="hold" grpId="0" nodeType="clickEffect">
+                                  <p:stCondLst>
+                                    <p:cond delay="0"/>
+                                  </p:stCondLst>
+                                  <p:childTnLst>
+                                    <p:set>
+                                      <p:cBhvr>
+                                        <p:cTn id="16" dur="1" fill="hold">
+                                          <p:stCondLst>
+                                            <p:cond delay="0"/>
+                                          </p:stCondLst>
+                                        </p:cTn>
+                                        <p:tgtEl>
+                                          <p:spTgt spid="4"/>
+                                        </p:tgtEl>
+                                        <p:attrNameLst>
+                                          <p:attrName>style.visibility</p:attrName>
+                                        </p:attrNameLst>
+                                      </p:cBhvr>
+                                      <p:to>
+                                        <p:strVal val="visible"/>
+                                      </p:to>
+                                    </p:set>
+                                    <p:anim calcmode="lin" valueType="num">
+                                      <p:cBhvr>
+                                        <p:cTn id="17" dur="500" fill="hold"/>
+                                        <p:tgtEl>
+                                          <p:spTgt spid="4"/>
+                                        </p:tgtEl>
+                                        <p:attrNameLst>
+                                          <p:attrName>ppt_w</p:attrName>
+                                        </p:attrNameLst>
+                                      </p:cBhvr>
+                                      <p:tavLst>
+                                        <p:tav tm="0">
+                                          <p:val>
+                                            <p:fltVal val="0"/>
+                                          </p:val>
+                                        </p:tav>
+                                        <p:tav tm="100000">
+                                          <p:val>
+                                            <p:strVal val="#ppt_w"/>
+                                          </p:val>
+                                        </p:tav>
+                                      </p:tavLst>
+                                    </p:anim>
+                                    <p:anim calcmode="lin" valueType="num">
+                                      <p:cBhvr>
+                                        <p:cTn id="18" dur="500" fill="hold"/>
+                                        <p:tgtEl>
+                                          <p:spTgt spid="4"/>
+                                        </p:tgtEl>
+                                        <p:attrNameLst>
+                                          <p:attrName>ppt_h</p:attrName>
+                                        </p:attrNameLst>
+                                      </p:cBhvr>
+                                      <p:tavLst>
+                                        <p:tav tm="0">
+                                          <p:val>
+                                            <p:fltVal val="0"/>
+                                          </p:val>
+                                        </p:tav>
+                                        <p:tav tm="100000">
+                                          <p:val>
+                                            <p:strVal val="#ppt_h"/>
+                                          </p:val>
+                                        </p:tav>
+                                      </p:tavLst>
+                                    </p:anim>
+                                    <p:animEffect transition="in" filter="fade">
+                                      <p:cBhvr>
+                                        <p:cTn id="19" dur="500"/>
+                                        <p:tgtEl>
+                                          <p:spTgt spid="4"/>
+                                        </p:tgtEl>
+                                      </p:cBhvr>
+                                    </p:animEffect>
+                                  </p:childTnLst>
+                                </p:cTn>
+                              </p:par>
+                            </p:childTnLst>
+                          </p:cTn>
+                        </p:par>
+                      </p:childTnLst>
+                    </p:cTn>
+                  </p:par>
+                </p:childTnLst>
+              </p:cTn>
+              <p:prevCondLst>
+                <p:cond evt="onPrev" delay="0">
+                  <p:tgtEl>
+                    <p:sldTgt/>
+                  </p:tgtEl>
+                </p:cond>
+              </p:prevCondLst>
+              <p:nextCondLst>
+                <p:cond evt="onNext" delay="0">
+                  <p:tgtEl>
+                    <p:sldTgt/>
+                  </p:tgtEl>
+                </p:cond>
+              </p:nextCondLst>
+            </p:seq>
+          </p:childTnLst>
+        </p:cTn>
+      </p:par>
+    </p:tnLst>
+    <p:bldLst>
+      <p:bldP spid="2" grpId="0" animBg="1"/>
+      <p:bldP spid="4" grpId="0" animBg="1"/>
+    </p:bldLst>
+  </p:timing>
+</p:sld>
+</file>
+
+<file path=ppt/slides/slide13.xml><?xml version="1.0" encoding="utf-8"?>
+<p:sld xmlns:a="http://schemas.openxmlformats.org/drawingml/2006/main" xmlns:r="http://schemas.openxmlformats.org/officeDocument/2006/relationships" xmlns:p="http://schemas.openxmlformats.org/presentationml/2006/main">
+  <p:cSld>
+    <p:spTree>
+      <p:nvGrpSpPr>
+        <p:cNvPr id="1" name=""/>
+        <p:cNvGrpSpPr/>
+        <p:nvPr/>
+      </p:nvGrpSpPr>
+      <p:grpSpPr>
+        <a:xfrm>
+          <a:off x="0" y="0"/>
+          <a:ext cx="0" cy="0"/>
+          <a:chOff x="0" y="0"/>
+          <a:chExt cx="0" cy="0"/>
+        </a:xfrm>
+      </p:grpSpPr>
+      <p:sp>
+        <p:nvSpPr>
+          <p:cNvPr id="2" name="1 Título"/>
+          <p:cNvSpPr>
+            <a:spLocks noGrp="1"/>
+          </p:cNvSpPr>
+          <p:nvPr>
+            <p:ph type="title"/>
+          </p:nvPr>
+        </p:nvSpPr>
+        <p:spPr>
+          <a:xfrm>
+            <a:off x="7782" y="1901950"/>
+            <a:ext cx="9136218" cy="610820"/>
+          </a:xfrm>
+        </p:spPr>
+        <p:txBody>
+          <a:bodyPr>
+            <a:normAutofit fontScale="90000"/>
+          </a:bodyPr>
+          <a:lstStyle/>
+          <a:p>
+            <a:r>
+              <a:rPr lang="es-PE" dirty="0" smtClean="0"/>
+              <a:t>Conclusión </a:t>
+            </a:r>
+            <a:endParaRPr lang="es-PE" dirty="0"/>
           </a:p>
         </p:txBody>
       </p:sp>
@@ -3141,15 +5403,220 @@
         </p:blipFill>
         <p:spPr>
           <a:xfrm>
-            <a:off x="0" y="-99392"/>
-            <a:ext cx="9143999" cy="6957392"/>
+            <a:off x="5640935" y="2665475"/>
+            <a:ext cx="3370630" cy="3512215"/>
           </a:xfrm>
         </p:spPr>
       </p:pic>
+      <p:sp>
+        <p:nvSpPr>
+          <p:cNvPr id="5" name="2 Marcador de contenido"/>
+          <p:cNvSpPr txBox="1">
+            <a:spLocks/>
+          </p:cNvSpPr>
+          <p:nvPr/>
+        </p:nvSpPr>
+        <p:spPr>
+          <a:xfrm>
+            <a:off x="-30967" y="2818180"/>
+            <a:ext cx="5366492" cy="4275740"/>
+          </a:xfrm>
+          <a:prstGeom prst="rect">
+            <a:avLst/>
+          </a:prstGeom>
+        </p:spPr>
+        <p:txBody>
+          <a:bodyPr vert="horz" lIns="91440" tIns="45720" rIns="91440" bIns="45720" rtlCol="0">
+            <a:normAutofit/>
+          </a:bodyPr>
+          <a:lstStyle>
+            <a:lvl1pPr marL="342900" indent="-342900" algn="l" defTabSz="914400" rtl="0" eaLnBrk="1" latinLnBrk="0" hangingPunct="1">
+              <a:spcBef>
+                <a:spcPct val="20000"/>
+              </a:spcBef>
+              <a:buFont typeface="Arial" pitchFamily="34" charset="0"/>
+              <a:buChar char="•"/>
+              <a:defRPr sz="2800" kern="1200">
+                <a:solidFill>
+                  <a:srgbClr val="002060"/>
+                </a:solidFill>
+                <a:latin typeface="+mn-lt"/>
+                <a:ea typeface="+mn-ea"/>
+                <a:cs typeface="+mn-cs"/>
+              </a:defRPr>
+            </a:lvl1pPr>
+            <a:lvl2pPr marL="742950" indent="-285750" algn="l" defTabSz="914400" rtl="0" eaLnBrk="1" latinLnBrk="0" hangingPunct="1">
+              <a:spcBef>
+                <a:spcPct val="20000"/>
+              </a:spcBef>
+              <a:buFont typeface="Arial" pitchFamily="34" charset="0"/>
+              <a:buChar char="–"/>
+              <a:defRPr sz="2800" kern="1200">
+                <a:solidFill>
+                  <a:srgbClr val="002060"/>
+                </a:solidFill>
+                <a:latin typeface="+mn-lt"/>
+                <a:ea typeface="+mn-ea"/>
+                <a:cs typeface="+mn-cs"/>
+              </a:defRPr>
+            </a:lvl2pPr>
+            <a:lvl3pPr marL="1143000" indent="-228600" algn="l" defTabSz="914400" rtl="0" eaLnBrk="1" latinLnBrk="0" hangingPunct="1">
+              <a:spcBef>
+                <a:spcPct val="20000"/>
+              </a:spcBef>
+              <a:buFont typeface="Arial" pitchFamily="34" charset="0"/>
+              <a:buChar char="•"/>
+              <a:defRPr sz="2400" kern="1200">
+                <a:solidFill>
+                  <a:srgbClr val="002060"/>
+                </a:solidFill>
+                <a:latin typeface="+mn-lt"/>
+                <a:ea typeface="+mn-ea"/>
+                <a:cs typeface="+mn-cs"/>
+              </a:defRPr>
+            </a:lvl3pPr>
+            <a:lvl4pPr marL="1600200" indent="-228600" algn="l" defTabSz="914400" rtl="0" eaLnBrk="1" latinLnBrk="0" hangingPunct="1">
+              <a:spcBef>
+                <a:spcPct val="20000"/>
+              </a:spcBef>
+              <a:buFont typeface="Arial" pitchFamily="34" charset="0"/>
+              <a:buChar char="–"/>
+              <a:defRPr sz="2000" kern="1200">
+                <a:solidFill>
+                  <a:srgbClr val="002060"/>
+                </a:solidFill>
+                <a:latin typeface="+mn-lt"/>
+                <a:ea typeface="+mn-ea"/>
+                <a:cs typeface="+mn-cs"/>
+              </a:defRPr>
+            </a:lvl4pPr>
+            <a:lvl5pPr marL="2057400" indent="-228600" algn="l" defTabSz="914400" rtl="0" eaLnBrk="1" latinLnBrk="0" hangingPunct="1">
+              <a:spcBef>
+                <a:spcPct val="20000"/>
+              </a:spcBef>
+              <a:buFont typeface="Arial" pitchFamily="34" charset="0"/>
+              <a:buChar char="»"/>
+              <a:defRPr sz="2000" kern="1200">
+                <a:solidFill>
+                  <a:srgbClr val="002060"/>
+                </a:solidFill>
+                <a:latin typeface="+mn-lt"/>
+                <a:ea typeface="+mn-ea"/>
+                <a:cs typeface="+mn-cs"/>
+              </a:defRPr>
+            </a:lvl5pPr>
+            <a:lvl6pPr marL="2514600" indent="-228600" algn="l" defTabSz="914400" rtl="0" eaLnBrk="1" latinLnBrk="0" hangingPunct="1">
+              <a:spcBef>
+                <a:spcPct val="20000"/>
+              </a:spcBef>
+              <a:buFont typeface="Arial" pitchFamily="34" charset="0"/>
+              <a:buChar char="•"/>
+              <a:defRPr sz="2000" kern="1200">
+                <a:solidFill>
+                  <a:schemeClr val="tx1"/>
+                </a:solidFill>
+                <a:latin typeface="+mn-lt"/>
+                <a:ea typeface="+mn-ea"/>
+                <a:cs typeface="+mn-cs"/>
+              </a:defRPr>
+            </a:lvl6pPr>
+            <a:lvl7pPr marL="2971800" indent="-228600" algn="l" defTabSz="914400" rtl="0" eaLnBrk="1" latinLnBrk="0" hangingPunct="1">
+              <a:spcBef>
+                <a:spcPct val="20000"/>
+              </a:spcBef>
+              <a:buFont typeface="Arial" pitchFamily="34" charset="0"/>
+              <a:buChar char="•"/>
+              <a:defRPr sz="2000" kern="1200">
+                <a:solidFill>
+                  <a:schemeClr val="tx1"/>
+                </a:solidFill>
+                <a:latin typeface="+mn-lt"/>
+                <a:ea typeface="+mn-ea"/>
+                <a:cs typeface="+mn-cs"/>
+              </a:defRPr>
+            </a:lvl7pPr>
+            <a:lvl8pPr marL="3429000" indent="-228600" algn="l" defTabSz="914400" rtl="0" eaLnBrk="1" latinLnBrk="0" hangingPunct="1">
+              <a:spcBef>
+                <a:spcPct val="20000"/>
+              </a:spcBef>
+              <a:buFont typeface="Arial" pitchFamily="34" charset="0"/>
+              <a:buChar char="•"/>
+              <a:defRPr sz="2000" kern="1200">
+                <a:solidFill>
+                  <a:schemeClr val="tx1"/>
+                </a:solidFill>
+                <a:latin typeface="+mn-lt"/>
+                <a:ea typeface="+mn-ea"/>
+                <a:cs typeface="+mn-cs"/>
+              </a:defRPr>
+            </a:lvl8pPr>
+            <a:lvl9pPr marL="3886200" indent="-228600" algn="l" defTabSz="914400" rtl="0" eaLnBrk="1" latinLnBrk="0" hangingPunct="1">
+              <a:spcBef>
+                <a:spcPct val="20000"/>
+              </a:spcBef>
+              <a:buFont typeface="Arial" pitchFamily="34" charset="0"/>
+              <a:buChar char="•"/>
+              <a:defRPr sz="2000" kern="1200">
+                <a:solidFill>
+                  <a:schemeClr val="tx1"/>
+                </a:solidFill>
+                <a:latin typeface="+mn-lt"/>
+                <a:ea typeface="+mn-ea"/>
+                <a:cs typeface="+mn-cs"/>
+              </a:defRPr>
+            </a:lvl9pPr>
+          </a:lstStyle>
+          <a:p>
+            <a:r>
+              <a:rPr lang="es-PE" sz="2000" dirty="0" smtClean="0"/>
+              <a:t>Es más que un simple juego de web, es un deporte (no es de contacto es un juego de distracción para la mente.</a:t>
+            </a:r>
+          </a:p>
+          <a:p>
+            <a:r>
+              <a:rPr lang="es-PE" sz="2000" dirty="0" smtClean="0"/>
+              <a:t>Ya que te enseña a ser perseverante, pensar  a como eliminar al nave malo lo cual usted puede tomas estrategias para ganar y a si conseguir mas vidas para el siguiente nivel. </a:t>
+            </a:r>
+          </a:p>
+          <a:p>
+            <a:r>
+              <a:rPr lang="es-EC" sz="2000" dirty="0"/>
+              <a:t>Aunque se nota que todavía hay ciertos aspectos de este juego  que pueden mejorarse, lo cual este </a:t>
+            </a:r>
+            <a:r>
+              <a:rPr lang="es-EC" sz="2000" dirty="0" smtClean="0"/>
+              <a:t>juego me </a:t>
+            </a:r>
+            <a:r>
+              <a:rPr lang="es-EC" sz="2000" dirty="0"/>
+              <a:t>parece que es  una buena </a:t>
+            </a:r>
+            <a:r>
+              <a:rPr lang="es-EC" sz="2000" dirty="0" smtClean="0"/>
+              <a:t>alternativa, sencilla y </a:t>
+            </a:r>
+            <a:r>
+              <a:rPr lang="es-EC" sz="2000" dirty="0"/>
+              <a:t>muy entendible.</a:t>
+            </a:r>
+            <a:endParaRPr lang="es-PE" sz="2000" dirty="0"/>
+          </a:p>
+          <a:p>
+            <a:endParaRPr lang="es-PE" dirty="0" smtClean="0"/>
+          </a:p>
+          <a:p>
+            <a:pPr marL="0" indent="0">
+              <a:buFont typeface="Arial" pitchFamily="34" charset="0"/>
+              <a:buNone/>
+            </a:pPr>
+            <a:endParaRPr lang="es-PE" dirty="0"/>
+          </a:p>
+        </p:txBody>
+      </p:sp>
     </p:spTree>
     <p:extLst>
       <p:ext uri="{BB962C8B-B14F-4D97-AF65-F5344CB8AC3E}">
-        <p14:creationId xmlns:p14="http://schemas.microsoft.com/office/powerpoint/2010/main" val="3744106460"/>
+        <p14:creationId xmlns:p14="http://schemas.microsoft.com/office/powerpoint/2010/main" val="134397597"/>
       </p:ext>
     </p:extLst>
   </p:cSld>
@@ -3159,103 +5626,147 @@
   <p:timing>
     <p:tnLst>
       <p:par>
-        <p:cTn id="1" dur="indefinite" restart="never" nodeType="tmRoot"/>
+        <p:cTn id="1" dur="indefinite" restart="never" nodeType="tmRoot">
+          <p:childTnLst>
+            <p:seq concurrent="1" nextAc="seek">
+              <p:cTn id="2" dur="indefinite" nodeType="mainSeq">
+                <p:childTnLst>
+                  <p:par>
+                    <p:cTn id="3" fill="hold">
+                      <p:stCondLst>
+                        <p:cond delay="indefinite"/>
+                      </p:stCondLst>
+                      <p:childTnLst>
+                        <p:par>
+                          <p:cTn id="4" fill="hold">
+                            <p:stCondLst>
+                              <p:cond delay="0"/>
+                            </p:stCondLst>
+                            <p:childTnLst>
+                              <p:par>
+                                <p:cTn id="5" presetID="6" presetClass="entr" presetSubtype="16" fill="hold" grpId="0" nodeType="clickEffect">
+                                  <p:stCondLst>
+                                    <p:cond delay="0"/>
+                                  </p:stCondLst>
+                                  <p:childTnLst>
+                                    <p:set>
+                                      <p:cBhvr>
+                                        <p:cTn id="6" dur="1" fill="hold">
+                                          <p:stCondLst>
+                                            <p:cond delay="0"/>
+                                          </p:stCondLst>
+                                        </p:cTn>
+                                        <p:tgtEl>
+                                          <p:spTgt spid="2"/>
+                                        </p:tgtEl>
+                                        <p:attrNameLst>
+                                          <p:attrName>style.visibility</p:attrName>
+                                        </p:attrNameLst>
+                                      </p:cBhvr>
+                                      <p:to>
+                                        <p:strVal val="visible"/>
+                                      </p:to>
+                                    </p:set>
+                                    <p:animEffect transition="in" filter="circle(in)">
+                                      <p:cBhvr>
+                                        <p:cTn id="7" dur="2000"/>
+                                        <p:tgtEl>
+                                          <p:spTgt spid="2"/>
+                                        </p:tgtEl>
+                                      </p:cBhvr>
+                                    </p:animEffect>
+                                  </p:childTnLst>
+                                </p:cTn>
+                              </p:par>
+                            </p:childTnLst>
+                          </p:cTn>
+                        </p:par>
+                      </p:childTnLst>
+                    </p:cTn>
+                  </p:par>
+                  <p:par>
+                    <p:cTn id="8" fill="hold">
+                      <p:stCondLst>
+                        <p:cond delay="indefinite"/>
+                      </p:stCondLst>
+                      <p:childTnLst>
+                        <p:par>
+                          <p:cTn id="9" fill="hold">
+                            <p:stCondLst>
+                              <p:cond delay="0"/>
+                            </p:stCondLst>
+                            <p:childTnLst>
+                              <p:par>
+                                <p:cTn id="10" presetID="16" presetClass="entr" presetSubtype="21" fill="hold" grpId="0" nodeType="clickEffect">
+                                  <p:stCondLst>
+                                    <p:cond delay="0"/>
+                                  </p:stCondLst>
+                                  <p:childTnLst>
+                                    <p:set>
+                                      <p:cBhvr>
+                                        <p:cTn id="11" dur="1" fill="hold">
+                                          <p:stCondLst>
+                                            <p:cond delay="0"/>
+                                          </p:stCondLst>
+                                        </p:cTn>
+                                        <p:tgtEl>
+                                          <p:spTgt spid="5"/>
+                                        </p:tgtEl>
+                                        <p:attrNameLst>
+                                          <p:attrName>style.visibility</p:attrName>
+                                        </p:attrNameLst>
+                                      </p:cBhvr>
+                                      <p:to>
+                                        <p:strVal val="visible"/>
+                                      </p:to>
+                                    </p:set>
+                                    <p:animEffect transition="in" filter="barn(inVertical)">
+                                      <p:cBhvr>
+                                        <p:cTn id="12" dur="500"/>
+                                        <p:tgtEl>
+                                          <p:spTgt spid="5"/>
+                                        </p:tgtEl>
+                                      </p:cBhvr>
+                                    </p:animEffect>
+                                  </p:childTnLst>
+                                </p:cTn>
+                              </p:par>
+                            </p:childTnLst>
+                          </p:cTn>
+                        </p:par>
+                      </p:childTnLst>
+                    </p:cTn>
+                  </p:par>
+                </p:childTnLst>
+              </p:cTn>
+              <p:prevCondLst>
+                <p:cond evt="onPrev" delay="0">
+                  <p:tgtEl>
+                    <p:sldTgt/>
+                  </p:tgtEl>
+                </p:cond>
+              </p:prevCondLst>
+              <p:nextCondLst>
+                <p:cond evt="onNext" delay="0">
+                  <p:tgtEl>
+                    <p:sldTgt/>
+                  </p:tgtEl>
+                </p:cond>
+              </p:nextCondLst>
+            </p:seq>
+          </p:childTnLst>
+        </p:cTn>
       </p:par>
     </p:tnLst>
+    <p:bldLst>
+      <p:bldP spid="2" grpId="0" animBg="1"/>
+      <p:bldP spid="5" grpId="0"/>
+    </p:bldLst>
   </p:timing>
 </p:sld>
 </file>
 
-<file path=ppt/slides/slide2.xml><?xml version="1.0" encoding="utf-8"?>
-<p:sld xmlns:a="http://schemas.openxmlformats.org/drawingml/2006/main" xmlns:r="http://schemas.openxmlformats.org/officeDocument/2006/relationships" xmlns:p="http://schemas.openxmlformats.org/presentationml/2006/main">
-  <p:cSld>
-    <p:spTree>
-      <p:nvGrpSpPr>
-        <p:cNvPr id="1" name=""/>
-        <p:cNvGrpSpPr/>
-        <p:nvPr/>
-      </p:nvGrpSpPr>
-      <p:grpSpPr>
-        <a:xfrm>
-          <a:off x="0" y="0"/>
-          <a:ext cx="0" cy="0"/>
-          <a:chOff x="0" y="0"/>
-          <a:chExt cx="0" cy="0"/>
-        </a:xfrm>
-      </p:grpSpPr>
-      <p:sp>
-        <p:nvSpPr>
-          <p:cNvPr id="2" name="1 Título"/>
-          <p:cNvSpPr>
-            <a:spLocks noGrp="1"/>
-          </p:cNvSpPr>
-          <p:nvPr>
-            <p:ph type="ctrTitle"/>
-          </p:nvPr>
-        </p:nvSpPr>
-        <p:spPr>
-          <a:xfrm>
-            <a:off x="539552" y="548680"/>
-            <a:ext cx="7772400" cy="1470025"/>
-          </a:xfrm>
-        </p:spPr>
-        <p:txBody>
-          <a:bodyPr/>
-          <a:lstStyle/>
-          <a:p>
-            <a:r>
-              <a:rPr lang="es-PE" dirty="0" smtClean="0"/>
-              <a:t>Juego de naves</a:t>
-            </a:r>
-            <a:endParaRPr lang="es-PE" dirty="0"/>
-          </a:p>
-        </p:txBody>
-      </p:sp>
-      <p:sp>
-        <p:nvSpPr>
-          <p:cNvPr id="3" name="2 Subtítulo"/>
-          <p:cNvSpPr>
-            <a:spLocks noGrp="1"/>
-          </p:cNvSpPr>
-          <p:nvPr>
-            <p:ph type="subTitle" idx="1"/>
-          </p:nvPr>
-        </p:nvSpPr>
-        <p:spPr>
-          <a:xfrm>
-            <a:off x="1331640" y="2780928"/>
-            <a:ext cx="6400800" cy="1752600"/>
-          </a:xfrm>
-        </p:spPr>
-        <p:txBody>
-          <a:bodyPr/>
-          <a:lstStyle/>
-          <a:p>
-            <a:endParaRPr lang="es-PE" dirty="0"/>
-          </a:p>
-        </p:txBody>
-      </p:sp>
-    </p:spTree>
-    <p:extLst>
-      <p:ext uri="{BB962C8B-B14F-4D97-AF65-F5344CB8AC3E}">
-        <p14:creationId xmlns:p14="http://schemas.microsoft.com/office/powerpoint/2010/main" val="2341635815"/>
-      </p:ext>
-    </p:extLst>
-  </p:cSld>
-  <p:clrMapOvr>
-    <a:masterClrMapping/>
-  </p:clrMapOvr>
-  <p:timing>
-    <p:tnLst>
-      <p:par>
-        <p:cTn id="1" dur="indefinite" restart="never" nodeType="tmRoot"/>
-      </p:par>
-    </p:tnLst>
-  </p:timing>
-</p:sld>
-</file>
-
-<file path=ppt/slides/slide3.xml><?xml version="1.0" encoding="utf-8"?>
+<file path=ppt/slides/slide14.xml><?xml version="1.0" encoding="utf-8"?>
 <p:sld xmlns:a="http://schemas.openxmlformats.org/drawingml/2006/main" xmlns:r="http://schemas.openxmlformats.org/officeDocument/2006/relationships" xmlns:p="http://schemas.openxmlformats.org/presentationml/2006/main">
   <p:cSld>
     <p:spTree>
@@ -3282,38 +5793,36 @@
             <p:ph type="title"/>
           </p:nvPr>
         </p:nvSpPr>
-        <p:spPr/>
+        <p:spPr>
+          <a:xfrm>
+            <a:off x="1055522" y="2611390"/>
+            <a:ext cx="7248616" cy="1832460"/>
+          </a:xfrm>
+        </p:spPr>
         <p:txBody>
-          <a:bodyPr/>
+          <a:bodyPr>
+            <a:noAutofit/>
+          </a:bodyPr>
           <a:lstStyle/>
           <a:p>
-            <a:endParaRPr lang="es-PE"/>
-          </a:p>
-        </p:txBody>
-      </p:sp>
-      <p:sp>
-        <p:nvSpPr>
-          <p:cNvPr id="3" name="2 Marcador de contenido"/>
-          <p:cNvSpPr>
-            <a:spLocks noGrp="1"/>
-          </p:cNvSpPr>
-          <p:nvPr>
-            <p:ph idx="1"/>
-          </p:nvPr>
-        </p:nvSpPr>
-        <p:spPr/>
-        <p:txBody>
-          <a:bodyPr/>
-          <a:lstStyle/>
-          <a:p>
-            <a:endParaRPr lang="es-PE"/>
+            <a:r>
+              <a:rPr lang="es-PE" sz="16600" dirty="0" smtClean="0">
+                <a:latin typeface="Times New Roman" pitchFamily="18" charset="0"/>
+                <a:cs typeface="Times New Roman" pitchFamily="18" charset="0"/>
+              </a:rPr>
+              <a:t>Gracias  </a:t>
+            </a:r>
+            <a:endParaRPr lang="es-PE" sz="16600" dirty="0">
+              <a:latin typeface="Times New Roman" pitchFamily="18" charset="0"/>
+              <a:cs typeface="Times New Roman" pitchFamily="18" charset="0"/>
+            </a:endParaRPr>
           </a:p>
         </p:txBody>
       </p:sp>
     </p:spTree>
     <p:extLst>
       <p:ext uri="{BB962C8B-B14F-4D97-AF65-F5344CB8AC3E}">
-        <p14:creationId xmlns:p14="http://schemas.microsoft.com/office/powerpoint/2010/main" val="604893034"/>
+        <p14:creationId xmlns:p14="http://schemas.microsoft.com/office/powerpoint/2010/main" val="724760778"/>
       </p:ext>
     </p:extLst>
   </p:cSld>
@@ -3323,9 +5832,1271 @@
   <p:timing>
     <p:tnLst>
       <p:par>
-        <p:cTn id="1" dur="indefinite" restart="never" nodeType="tmRoot"/>
+        <p:cTn id="1" dur="indefinite" restart="never" nodeType="tmRoot">
+          <p:childTnLst>
+            <p:seq concurrent="1" nextAc="seek">
+              <p:cTn id="2" dur="indefinite" nodeType="mainSeq">
+                <p:childTnLst>
+                  <p:par>
+                    <p:cTn id="3" fill="hold">
+                      <p:stCondLst>
+                        <p:cond delay="indefinite"/>
+                      </p:stCondLst>
+                      <p:childTnLst>
+                        <p:par>
+                          <p:cTn id="4" fill="hold">
+                            <p:stCondLst>
+                              <p:cond delay="0"/>
+                            </p:stCondLst>
+                            <p:childTnLst>
+                              <p:par>
+                                <p:cTn id="5" presetID="24" presetClass="emph" presetSubtype="0" fill="hold" grpId="0" nodeType="clickEffect">
+                                  <p:stCondLst>
+                                    <p:cond delay="0"/>
+                                  </p:stCondLst>
+                                  <p:childTnLst>
+                                    <p:animClr clrSpc="hsl" dir="cw">
+                                      <p:cBhvr override="childStyle">
+                                        <p:cTn id="6" dur="500" fill="hold"/>
+                                        <p:tgtEl>
+                                          <p:spTgt spid="2"/>
+                                        </p:tgtEl>
+                                        <p:attrNameLst>
+                                          <p:attrName>style.color</p:attrName>
+                                        </p:attrNameLst>
+                                      </p:cBhvr>
+                                      <p:by>
+                                        <p:hsl h="0" s="-12549" l="-25098"/>
+                                      </p:by>
+                                    </p:animClr>
+                                    <p:animClr clrSpc="hsl" dir="cw">
+                                      <p:cBhvr>
+                                        <p:cTn id="7" dur="500" fill="hold"/>
+                                        <p:tgtEl>
+                                          <p:spTgt spid="2"/>
+                                        </p:tgtEl>
+                                        <p:attrNameLst>
+                                          <p:attrName>fillcolor</p:attrName>
+                                        </p:attrNameLst>
+                                      </p:cBhvr>
+                                      <p:by>
+                                        <p:hsl h="0" s="-12549" l="-25098"/>
+                                      </p:by>
+                                    </p:animClr>
+                                    <p:animClr clrSpc="hsl" dir="cw">
+                                      <p:cBhvr>
+                                        <p:cTn id="8" dur="500" fill="hold"/>
+                                        <p:tgtEl>
+                                          <p:spTgt spid="2"/>
+                                        </p:tgtEl>
+                                        <p:attrNameLst>
+                                          <p:attrName>stroke.color</p:attrName>
+                                        </p:attrNameLst>
+                                      </p:cBhvr>
+                                      <p:by>
+                                        <p:hsl h="0" s="-12549" l="-25098"/>
+                                      </p:by>
+                                    </p:animClr>
+                                    <p:set>
+                                      <p:cBhvr>
+                                        <p:cTn id="9" dur="500" fill="hold"/>
+                                        <p:tgtEl>
+                                          <p:spTgt spid="2"/>
+                                        </p:tgtEl>
+                                        <p:attrNameLst>
+                                          <p:attrName>fill.type</p:attrName>
+                                        </p:attrNameLst>
+                                      </p:cBhvr>
+                                      <p:to>
+                                        <p:strVal val="solid"/>
+                                      </p:to>
+                                    </p:set>
+                                  </p:childTnLst>
+                                </p:cTn>
+                              </p:par>
+                            </p:childTnLst>
+                          </p:cTn>
+                        </p:par>
+                      </p:childTnLst>
+                    </p:cTn>
+                  </p:par>
+                </p:childTnLst>
+              </p:cTn>
+              <p:prevCondLst>
+                <p:cond evt="onPrev" delay="0">
+                  <p:tgtEl>
+                    <p:sldTgt/>
+                  </p:tgtEl>
+                </p:cond>
+              </p:prevCondLst>
+              <p:nextCondLst>
+                <p:cond evt="onNext" delay="0">
+                  <p:tgtEl>
+                    <p:sldTgt/>
+                  </p:tgtEl>
+                </p:cond>
+              </p:nextCondLst>
+            </p:seq>
+          </p:childTnLst>
+        </p:cTn>
       </p:par>
     </p:tnLst>
+    <p:bldLst>
+      <p:bldP spid="2" grpId="0" animBg="1"/>
+    </p:bldLst>
+  </p:timing>
+</p:sld>
+</file>
+
+<file path=ppt/slides/slide2.xml><?xml version="1.0" encoding="utf-8"?>
+<p:sld xmlns:a="http://schemas.openxmlformats.org/drawingml/2006/main" xmlns:r="http://schemas.openxmlformats.org/officeDocument/2006/relationships" xmlns:p="http://schemas.openxmlformats.org/presentationml/2006/main">
+  <p:cSld>
+    <p:bg>
+      <p:bgPr>
+        <a:blipFill dpi="0" rotWithShape="1">
+          <a:blip r:embed="rId2">
+            <a:lum/>
+          </a:blip>
+          <a:srcRect/>
+          <a:stretch>
+            <a:fillRect/>
+          </a:stretch>
+        </a:blipFill>
+        <a:effectLst/>
+      </p:bgPr>
+    </p:bg>
+    <p:spTree>
+      <p:nvGrpSpPr>
+        <p:cNvPr id="1" name=""/>
+        <p:cNvGrpSpPr/>
+        <p:nvPr/>
+      </p:nvGrpSpPr>
+      <p:grpSpPr>
+        <a:xfrm>
+          <a:off x="0" y="0"/>
+          <a:ext cx="0" cy="0"/>
+          <a:chOff x="0" y="0"/>
+          <a:chExt cx="0" cy="0"/>
+        </a:xfrm>
+      </p:grpSpPr>
+      <p:sp>
+        <p:nvSpPr>
+          <p:cNvPr id="4" name="Title 3"/>
+          <p:cNvSpPr>
+            <a:spLocks noGrp="1"/>
+          </p:cNvSpPr>
+          <p:nvPr>
+            <p:ph type="title"/>
+          </p:nvPr>
+        </p:nvSpPr>
+        <p:spPr>
+          <a:xfrm>
+            <a:off x="1365195" y="527605"/>
+            <a:ext cx="7778805" cy="458116"/>
+          </a:xfrm>
+          <a:solidFill>
+            <a:srgbClr val="7ABC32"/>
+          </a:solidFill>
+        </p:spPr>
+        <p:txBody>
+          <a:bodyPr>
+            <a:normAutofit fontScale="90000"/>
+          </a:bodyPr>
+          <a:lstStyle/>
+          <a:p>
+            <a:pPr algn="l"/>
+            <a:r>
+              <a:rPr lang="en-US" dirty="0" smtClean="0">
+                <a:solidFill>
+                  <a:schemeClr val="bg1"/>
+                </a:solidFill>
+              </a:rPr>
+              <a:t>Juego de naves</a:t>
+            </a:r>
+            <a:endParaRPr lang="en-US" dirty="0">
+              <a:solidFill>
+                <a:schemeClr val="bg1"/>
+              </a:solidFill>
+            </a:endParaRPr>
+          </a:p>
+        </p:txBody>
+      </p:sp>
+      <p:sp>
+        <p:nvSpPr>
+          <p:cNvPr id="5" name="Content Placeholder 4"/>
+          <p:cNvSpPr>
+            <a:spLocks noGrp="1"/>
+          </p:cNvSpPr>
+          <p:nvPr>
+            <p:ph idx="1"/>
+          </p:nvPr>
+        </p:nvSpPr>
+        <p:spPr>
+          <a:xfrm>
+            <a:off x="1976015" y="1138425"/>
+            <a:ext cx="6558080" cy="4428445"/>
+          </a:xfrm>
+        </p:spPr>
+        <p:txBody>
+          <a:bodyPr/>
+          <a:lstStyle/>
+          <a:p>
+            <a:r>
+              <a:rPr lang="en-US" dirty="0" smtClean="0"/>
+              <a:t>Introducción</a:t>
+            </a:r>
+          </a:p>
+          <a:p>
+            <a:r>
+              <a:rPr lang="es-PE" dirty="0" smtClean="0"/>
+              <a:t>Objetivo </a:t>
+            </a:r>
+            <a:r>
+              <a:rPr lang="en-US" dirty="0" smtClean="0"/>
+              <a:t> </a:t>
+            </a:r>
+            <a:endParaRPr lang="en-US" dirty="0"/>
+          </a:p>
+          <a:p>
+            <a:r>
+              <a:rPr lang="es-PE" dirty="0"/>
+              <a:t>Menú principal del juego</a:t>
+            </a:r>
+          </a:p>
+          <a:p>
+            <a:r>
+              <a:rPr lang="es-PE" dirty="0" smtClean="0"/>
+              <a:t>Ver</a:t>
+            </a:r>
+            <a:r>
+              <a:rPr lang="en-US" dirty="0" smtClean="0"/>
+              <a:t> </a:t>
+            </a:r>
+            <a:r>
+              <a:rPr lang="es-PE" dirty="0" smtClean="0"/>
+              <a:t>controles</a:t>
+            </a:r>
+          </a:p>
+          <a:p>
+            <a:r>
+              <a:rPr lang="es-PE" dirty="0" smtClean="0"/>
+              <a:t>Iniciar juego</a:t>
+            </a:r>
+          </a:p>
+          <a:p>
+            <a:r>
+              <a:rPr lang="es-PE" dirty="0" smtClean="0"/>
+              <a:t>Conclusión </a:t>
+            </a:r>
+          </a:p>
+          <a:p>
+            <a:pPr marL="0" indent="0">
+              <a:buNone/>
+            </a:pPr>
+            <a:endParaRPr lang="es-PE" dirty="0" smtClean="0">
+              <a:solidFill>
+                <a:srgbClr val="002060"/>
+              </a:solidFill>
+            </a:endParaRPr>
+          </a:p>
+        </p:txBody>
+      </p:sp>
+    </p:spTree>
+    <p:extLst>
+      <p:ext uri="{BB962C8B-B14F-4D97-AF65-F5344CB8AC3E}">
+        <p14:creationId xmlns:p14="http://schemas.microsoft.com/office/powerpoint/2010/main" val="1101633878"/>
+      </p:ext>
+    </p:extLst>
+  </p:cSld>
+  <p:clrMapOvr>
+    <a:masterClrMapping/>
+  </p:clrMapOvr>
+  <p:timing>
+    <p:tnLst>
+      <p:par>
+        <p:cTn id="1" dur="indefinite" restart="never" nodeType="tmRoot">
+          <p:childTnLst>
+            <p:seq concurrent="1" nextAc="seek">
+              <p:cTn id="2" dur="indefinite" nodeType="mainSeq">
+                <p:childTnLst>
+                  <p:par>
+                    <p:cTn id="3" fill="hold">
+                      <p:stCondLst>
+                        <p:cond delay="indefinite"/>
+                      </p:stCondLst>
+                      <p:childTnLst>
+                        <p:par>
+                          <p:cTn id="4" fill="hold">
+                            <p:stCondLst>
+                              <p:cond delay="0"/>
+                            </p:stCondLst>
+                            <p:childTnLst>
+                              <p:par>
+                                <p:cTn id="5" presetID="16" presetClass="entr" presetSubtype="21" fill="hold" grpId="0" nodeType="clickEffect">
+                                  <p:stCondLst>
+                                    <p:cond delay="0"/>
+                                  </p:stCondLst>
+                                  <p:childTnLst>
+                                    <p:set>
+                                      <p:cBhvr>
+                                        <p:cTn id="6" dur="1" fill="hold">
+                                          <p:stCondLst>
+                                            <p:cond delay="0"/>
+                                          </p:stCondLst>
+                                        </p:cTn>
+                                        <p:tgtEl>
+                                          <p:spTgt spid="4"/>
+                                        </p:tgtEl>
+                                        <p:attrNameLst>
+                                          <p:attrName>style.visibility</p:attrName>
+                                        </p:attrNameLst>
+                                      </p:cBhvr>
+                                      <p:to>
+                                        <p:strVal val="visible"/>
+                                      </p:to>
+                                    </p:set>
+                                    <p:animEffect transition="in" filter="barn(inVertical)">
+                                      <p:cBhvr>
+                                        <p:cTn id="7" dur="500"/>
+                                        <p:tgtEl>
+                                          <p:spTgt spid="4"/>
+                                        </p:tgtEl>
+                                      </p:cBhvr>
+                                    </p:animEffect>
+                                  </p:childTnLst>
+                                </p:cTn>
+                              </p:par>
+                            </p:childTnLst>
+                          </p:cTn>
+                        </p:par>
+                      </p:childTnLst>
+                    </p:cTn>
+                  </p:par>
+                  <p:par>
+                    <p:cTn id="8" fill="hold">
+                      <p:stCondLst>
+                        <p:cond delay="indefinite"/>
+                      </p:stCondLst>
+                      <p:childTnLst>
+                        <p:par>
+                          <p:cTn id="9" fill="hold">
+                            <p:stCondLst>
+                              <p:cond delay="0"/>
+                            </p:stCondLst>
+                            <p:childTnLst>
+                              <p:par>
+                                <p:cTn id="10" presetID="6" presetClass="entr" presetSubtype="16" fill="hold" grpId="0" nodeType="clickEffect">
+                                  <p:stCondLst>
+                                    <p:cond delay="0"/>
+                                  </p:stCondLst>
+                                  <p:childTnLst>
+                                    <p:set>
+                                      <p:cBhvr>
+                                        <p:cTn id="11" dur="1" fill="hold">
+                                          <p:stCondLst>
+                                            <p:cond delay="0"/>
+                                          </p:stCondLst>
+                                        </p:cTn>
+                                        <p:tgtEl>
+                                          <p:spTgt spid="5">
+                                            <p:txEl>
+                                              <p:pRg st="0" end="0"/>
+                                            </p:txEl>
+                                          </p:spTgt>
+                                        </p:tgtEl>
+                                        <p:attrNameLst>
+                                          <p:attrName>style.visibility</p:attrName>
+                                        </p:attrNameLst>
+                                      </p:cBhvr>
+                                      <p:to>
+                                        <p:strVal val="visible"/>
+                                      </p:to>
+                                    </p:set>
+                                    <p:animEffect transition="in" filter="circle(in)">
+                                      <p:cBhvr>
+                                        <p:cTn id="12" dur="2000"/>
+                                        <p:tgtEl>
+                                          <p:spTgt spid="5">
+                                            <p:txEl>
+                                              <p:pRg st="0" end="0"/>
+                                            </p:txEl>
+                                          </p:spTgt>
+                                        </p:tgtEl>
+                                      </p:cBhvr>
+                                    </p:animEffect>
+                                  </p:childTnLst>
+                                </p:cTn>
+                              </p:par>
+                            </p:childTnLst>
+                          </p:cTn>
+                        </p:par>
+                      </p:childTnLst>
+                    </p:cTn>
+                  </p:par>
+                  <p:par>
+                    <p:cTn id="13" fill="hold">
+                      <p:stCondLst>
+                        <p:cond delay="indefinite"/>
+                      </p:stCondLst>
+                      <p:childTnLst>
+                        <p:par>
+                          <p:cTn id="14" fill="hold">
+                            <p:stCondLst>
+                              <p:cond delay="0"/>
+                            </p:stCondLst>
+                            <p:childTnLst>
+                              <p:par>
+                                <p:cTn id="15" presetID="6" presetClass="entr" presetSubtype="16" fill="hold" grpId="0" nodeType="clickEffect">
+                                  <p:stCondLst>
+                                    <p:cond delay="0"/>
+                                  </p:stCondLst>
+                                  <p:childTnLst>
+                                    <p:set>
+                                      <p:cBhvr>
+                                        <p:cTn id="16" dur="1" fill="hold">
+                                          <p:stCondLst>
+                                            <p:cond delay="0"/>
+                                          </p:stCondLst>
+                                        </p:cTn>
+                                        <p:tgtEl>
+                                          <p:spTgt spid="5">
+                                            <p:txEl>
+                                              <p:pRg st="1" end="1"/>
+                                            </p:txEl>
+                                          </p:spTgt>
+                                        </p:tgtEl>
+                                        <p:attrNameLst>
+                                          <p:attrName>style.visibility</p:attrName>
+                                        </p:attrNameLst>
+                                      </p:cBhvr>
+                                      <p:to>
+                                        <p:strVal val="visible"/>
+                                      </p:to>
+                                    </p:set>
+                                    <p:animEffect transition="in" filter="circle(in)">
+                                      <p:cBhvr>
+                                        <p:cTn id="17" dur="2000"/>
+                                        <p:tgtEl>
+                                          <p:spTgt spid="5">
+                                            <p:txEl>
+                                              <p:pRg st="1" end="1"/>
+                                            </p:txEl>
+                                          </p:spTgt>
+                                        </p:tgtEl>
+                                      </p:cBhvr>
+                                    </p:animEffect>
+                                  </p:childTnLst>
+                                </p:cTn>
+                              </p:par>
+                            </p:childTnLst>
+                          </p:cTn>
+                        </p:par>
+                      </p:childTnLst>
+                    </p:cTn>
+                  </p:par>
+                  <p:par>
+                    <p:cTn id="18" fill="hold">
+                      <p:stCondLst>
+                        <p:cond delay="indefinite"/>
+                      </p:stCondLst>
+                      <p:childTnLst>
+                        <p:par>
+                          <p:cTn id="19" fill="hold">
+                            <p:stCondLst>
+                              <p:cond delay="0"/>
+                            </p:stCondLst>
+                            <p:childTnLst>
+                              <p:par>
+                                <p:cTn id="20" presetID="6" presetClass="entr" presetSubtype="16" fill="hold" grpId="0" nodeType="clickEffect">
+                                  <p:stCondLst>
+                                    <p:cond delay="0"/>
+                                  </p:stCondLst>
+                                  <p:childTnLst>
+                                    <p:set>
+                                      <p:cBhvr>
+                                        <p:cTn id="21" dur="1" fill="hold">
+                                          <p:stCondLst>
+                                            <p:cond delay="0"/>
+                                          </p:stCondLst>
+                                        </p:cTn>
+                                        <p:tgtEl>
+                                          <p:spTgt spid="5">
+                                            <p:txEl>
+                                              <p:pRg st="2" end="2"/>
+                                            </p:txEl>
+                                          </p:spTgt>
+                                        </p:tgtEl>
+                                        <p:attrNameLst>
+                                          <p:attrName>style.visibility</p:attrName>
+                                        </p:attrNameLst>
+                                      </p:cBhvr>
+                                      <p:to>
+                                        <p:strVal val="visible"/>
+                                      </p:to>
+                                    </p:set>
+                                    <p:animEffect transition="in" filter="circle(in)">
+                                      <p:cBhvr>
+                                        <p:cTn id="22" dur="2000"/>
+                                        <p:tgtEl>
+                                          <p:spTgt spid="5">
+                                            <p:txEl>
+                                              <p:pRg st="2" end="2"/>
+                                            </p:txEl>
+                                          </p:spTgt>
+                                        </p:tgtEl>
+                                      </p:cBhvr>
+                                    </p:animEffect>
+                                  </p:childTnLst>
+                                </p:cTn>
+                              </p:par>
+                            </p:childTnLst>
+                          </p:cTn>
+                        </p:par>
+                      </p:childTnLst>
+                    </p:cTn>
+                  </p:par>
+                  <p:par>
+                    <p:cTn id="23" fill="hold">
+                      <p:stCondLst>
+                        <p:cond delay="indefinite"/>
+                      </p:stCondLst>
+                      <p:childTnLst>
+                        <p:par>
+                          <p:cTn id="24" fill="hold">
+                            <p:stCondLst>
+                              <p:cond delay="0"/>
+                            </p:stCondLst>
+                            <p:childTnLst>
+                              <p:par>
+                                <p:cTn id="25" presetID="6" presetClass="entr" presetSubtype="16" fill="hold" grpId="0" nodeType="clickEffect">
+                                  <p:stCondLst>
+                                    <p:cond delay="0"/>
+                                  </p:stCondLst>
+                                  <p:childTnLst>
+                                    <p:set>
+                                      <p:cBhvr>
+                                        <p:cTn id="26" dur="1" fill="hold">
+                                          <p:stCondLst>
+                                            <p:cond delay="0"/>
+                                          </p:stCondLst>
+                                        </p:cTn>
+                                        <p:tgtEl>
+                                          <p:spTgt spid="5">
+                                            <p:txEl>
+                                              <p:pRg st="3" end="3"/>
+                                            </p:txEl>
+                                          </p:spTgt>
+                                        </p:tgtEl>
+                                        <p:attrNameLst>
+                                          <p:attrName>style.visibility</p:attrName>
+                                        </p:attrNameLst>
+                                      </p:cBhvr>
+                                      <p:to>
+                                        <p:strVal val="visible"/>
+                                      </p:to>
+                                    </p:set>
+                                    <p:animEffect transition="in" filter="circle(in)">
+                                      <p:cBhvr>
+                                        <p:cTn id="27" dur="2000"/>
+                                        <p:tgtEl>
+                                          <p:spTgt spid="5">
+                                            <p:txEl>
+                                              <p:pRg st="3" end="3"/>
+                                            </p:txEl>
+                                          </p:spTgt>
+                                        </p:tgtEl>
+                                      </p:cBhvr>
+                                    </p:animEffect>
+                                  </p:childTnLst>
+                                </p:cTn>
+                              </p:par>
+                            </p:childTnLst>
+                          </p:cTn>
+                        </p:par>
+                      </p:childTnLst>
+                    </p:cTn>
+                  </p:par>
+                  <p:par>
+                    <p:cTn id="28" fill="hold">
+                      <p:stCondLst>
+                        <p:cond delay="indefinite"/>
+                      </p:stCondLst>
+                      <p:childTnLst>
+                        <p:par>
+                          <p:cTn id="29" fill="hold">
+                            <p:stCondLst>
+                              <p:cond delay="0"/>
+                            </p:stCondLst>
+                            <p:childTnLst>
+                              <p:par>
+                                <p:cTn id="30" presetID="6" presetClass="entr" presetSubtype="16" fill="hold" grpId="0" nodeType="clickEffect">
+                                  <p:stCondLst>
+                                    <p:cond delay="0"/>
+                                  </p:stCondLst>
+                                  <p:childTnLst>
+                                    <p:set>
+                                      <p:cBhvr>
+                                        <p:cTn id="31" dur="1" fill="hold">
+                                          <p:stCondLst>
+                                            <p:cond delay="0"/>
+                                          </p:stCondLst>
+                                        </p:cTn>
+                                        <p:tgtEl>
+                                          <p:spTgt spid="5">
+                                            <p:txEl>
+                                              <p:pRg st="4" end="4"/>
+                                            </p:txEl>
+                                          </p:spTgt>
+                                        </p:tgtEl>
+                                        <p:attrNameLst>
+                                          <p:attrName>style.visibility</p:attrName>
+                                        </p:attrNameLst>
+                                      </p:cBhvr>
+                                      <p:to>
+                                        <p:strVal val="visible"/>
+                                      </p:to>
+                                    </p:set>
+                                    <p:animEffect transition="in" filter="circle(in)">
+                                      <p:cBhvr>
+                                        <p:cTn id="32" dur="2000"/>
+                                        <p:tgtEl>
+                                          <p:spTgt spid="5">
+                                            <p:txEl>
+                                              <p:pRg st="4" end="4"/>
+                                            </p:txEl>
+                                          </p:spTgt>
+                                        </p:tgtEl>
+                                      </p:cBhvr>
+                                    </p:animEffect>
+                                  </p:childTnLst>
+                                </p:cTn>
+                              </p:par>
+                            </p:childTnLst>
+                          </p:cTn>
+                        </p:par>
+                      </p:childTnLst>
+                    </p:cTn>
+                  </p:par>
+                  <p:par>
+                    <p:cTn id="33" fill="hold">
+                      <p:stCondLst>
+                        <p:cond delay="indefinite"/>
+                      </p:stCondLst>
+                      <p:childTnLst>
+                        <p:par>
+                          <p:cTn id="34" fill="hold">
+                            <p:stCondLst>
+                              <p:cond delay="0"/>
+                            </p:stCondLst>
+                            <p:childTnLst>
+                              <p:par>
+                                <p:cTn id="35" presetID="6" presetClass="entr" presetSubtype="16" fill="hold" grpId="0" nodeType="clickEffect">
+                                  <p:stCondLst>
+                                    <p:cond delay="0"/>
+                                  </p:stCondLst>
+                                  <p:childTnLst>
+                                    <p:set>
+                                      <p:cBhvr>
+                                        <p:cTn id="36" dur="1" fill="hold">
+                                          <p:stCondLst>
+                                            <p:cond delay="0"/>
+                                          </p:stCondLst>
+                                        </p:cTn>
+                                        <p:tgtEl>
+                                          <p:spTgt spid="5">
+                                            <p:txEl>
+                                              <p:pRg st="5" end="5"/>
+                                            </p:txEl>
+                                          </p:spTgt>
+                                        </p:tgtEl>
+                                        <p:attrNameLst>
+                                          <p:attrName>style.visibility</p:attrName>
+                                        </p:attrNameLst>
+                                      </p:cBhvr>
+                                      <p:to>
+                                        <p:strVal val="visible"/>
+                                      </p:to>
+                                    </p:set>
+                                    <p:animEffect transition="in" filter="circle(in)">
+                                      <p:cBhvr>
+                                        <p:cTn id="37" dur="2000"/>
+                                        <p:tgtEl>
+                                          <p:spTgt spid="5">
+                                            <p:txEl>
+                                              <p:pRg st="5" end="5"/>
+                                            </p:txEl>
+                                          </p:spTgt>
+                                        </p:tgtEl>
+                                      </p:cBhvr>
+                                    </p:animEffect>
+                                  </p:childTnLst>
+                                </p:cTn>
+                              </p:par>
+                            </p:childTnLst>
+                          </p:cTn>
+                        </p:par>
+                      </p:childTnLst>
+                    </p:cTn>
+                  </p:par>
+                </p:childTnLst>
+              </p:cTn>
+              <p:prevCondLst>
+                <p:cond evt="onPrev" delay="0">
+                  <p:tgtEl>
+                    <p:sldTgt/>
+                  </p:tgtEl>
+                </p:cond>
+              </p:prevCondLst>
+              <p:nextCondLst>
+                <p:cond evt="onNext" delay="0">
+                  <p:tgtEl>
+                    <p:sldTgt/>
+                  </p:tgtEl>
+                </p:cond>
+              </p:nextCondLst>
+            </p:seq>
+          </p:childTnLst>
+        </p:cTn>
+      </p:par>
+    </p:tnLst>
+    <p:bldLst>
+      <p:bldP spid="4" grpId="0" animBg="1"/>
+      <p:bldP spid="5" grpId="0" build="p"/>
+    </p:bldLst>
+  </p:timing>
+</p:sld>
+</file>
+
+<file path=ppt/slides/slide3.xml><?xml version="1.0" encoding="utf-8"?>
+<p:sld xmlns:a="http://schemas.openxmlformats.org/drawingml/2006/main" xmlns:r="http://schemas.openxmlformats.org/officeDocument/2006/relationships" xmlns:p="http://schemas.openxmlformats.org/presentationml/2006/main">
+  <p:cSld>
+    <p:spTree>
+      <p:nvGrpSpPr>
+        <p:cNvPr id="1" name=""/>
+        <p:cNvGrpSpPr/>
+        <p:nvPr/>
+      </p:nvGrpSpPr>
+      <p:grpSpPr>
+        <a:xfrm>
+          <a:off x="0" y="0"/>
+          <a:ext cx="0" cy="0"/>
+          <a:chOff x="0" y="0"/>
+          <a:chExt cx="0" cy="0"/>
+        </a:xfrm>
+      </p:grpSpPr>
+      <p:sp>
+        <p:nvSpPr>
+          <p:cNvPr id="2" name="Title 1"/>
+          <p:cNvSpPr>
+            <a:spLocks noGrp="1"/>
+          </p:cNvSpPr>
+          <p:nvPr>
+            <p:ph type="title"/>
+          </p:nvPr>
+        </p:nvSpPr>
+        <p:spPr>
+          <a:xfrm>
+            <a:off x="-19526" y="1443835"/>
+            <a:ext cx="9144000" cy="458115"/>
+          </a:xfrm>
+          <a:solidFill>
+            <a:srgbClr val="7ABC32"/>
+          </a:solidFill>
+        </p:spPr>
+        <p:txBody>
+          <a:bodyPr>
+            <a:normAutofit fontScale="90000"/>
+          </a:bodyPr>
+          <a:lstStyle/>
+          <a:p>
+            <a:pPr algn="ctr"/>
+            <a:r>
+              <a:rPr lang="es-PE" dirty="0" smtClean="0"/>
+              <a:t>Introducción</a:t>
+            </a:r>
+            <a:r>
+              <a:rPr lang="en-US" dirty="0" smtClean="0"/>
+              <a:t> </a:t>
+            </a:r>
+            <a:endParaRPr lang="en-US" dirty="0">
+              <a:solidFill>
+                <a:schemeClr val="bg1"/>
+              </a:solidFill>
+            </a:endParaRPr>
+          </a:p>
+        </p:txBody>
+      </p:sp>
+      <p:sp>
+        <p:nvSpPr>
+          <p:cNvPr id="3" name="Content Placeholder 2"/>
+          <p:cNvSpPr>
+            <a:spLocks noGrp="1"/>
+          </p:cNvSpPr>
+          <p:nvPr>
+            <p:ph idx="1"/>
+          </p:nvPr>
+        </p:nvSpPr>
+        <p:spPr>
+          <a:xfrm>
+            <a:off x="3754081" y="2299121"/>
+            <a:ext cx="5180920" cy="3918803"/>
+          </a:xfrm>
+        </p:spPr>
+        <p:txBody>
+          <a:bodyPr>
+            <a:normAutofit/>
+          </a:bodyPr>
+          <a:lstStyle/>
+          <a:p>
+            <a:pPr marL="0" indent="0">
+              <a:buNone/>
+            </a:pPr>
+            <a:r>
+              <a:rPr lang="es-PE" sz="2000" dirty="0"/>
+              <a:t>E</a:t>
+            </a:r>
+            <a:r>
+              <a:rPr lang="es-PE" sz="2000" dirty="0" smtClean="0"/>
+              <a:t>s </a:t>
+            </a:r>
+            <a:r>
+              <a:rPr lang="es-PE" sz="2000" dirty="0"/>
+              <a:t>un juego de </a:t>
+            </a:r>
+            <a:r>
+              <a:rPr lang="es-PE" sz="2000" dirty="0" smtClean="0"/>
+              <a:t>entretenimiento, done los niños o los jóvenes de hoy en día pueden disfrutar de este juego en sus tiempo libres que tengan en su vida diaria.</a:t>
+            </a:r>
+          </a:p>
+          <a:p>
+            <a:pPr marL="0" indent="0">
+              <a:buNone/>
+            </a:pPr>
+            <a:r>
+              <a:rPr lang="es-PE" sz="2000" dirty="0" smtClean="0"/>
+              <a:t>En </a:t>
+            </a:r>
+            <a:r>
+              <a:rPr lang="es-PE" sz="2000" dirty="0"/>
+              <a:t>este juego </a:t>
+            </a:r>
+            <a:r>
+              <a:rPr lang="es-PE" sz="2000" dirty="0" smtClean="0"/>
+              <a:t>solo participa un jugador  con un nave bueno disparando al nave malo que viene disparando al nave bueno lo cual este juego consiste en eliminar ese nave y pasar ala siguiente etapa o nivel del juego.</a:t>
+            </a:r>
+            <a:endParaRPr lang="en-US" sz="2000" dirty="0"/>
+          </a:p>
+        </p:txBody>
+      </p:sp>
+      <p:pic>
+        <p:nvPicPr>
+          <p:cNvPr id="4" name="3 Imagen"/>
+          <p:cNvPicPr>
+            <a:picLocks noChangeAspect="1"/>
+          </p:cNvPicPr>
+          <p:nvPr/>
+        </p:nvPicPr>
+        <p:blipFill>
+          <a:blip r:embed="rId2">
+            <a:extLst>
+              <a:ext uri="{28A0092B-C50C-407E-A947-70E740481C1C}">
+                <a14:useLocalDpi xmlns:a14="http://schemas.microsoft.com/office/drawing/2010/main" val="0"/>
+              </a:ext>
+            </a:extLst>
+          </a:blip>
+          <a:stretch>
+            <a:fillRect/>
+          </a:stretch>
+        </p:blipFill>
+        <p:spPr>
+          <a:xfrm>
+            <a:off x="143556" y="2360064"/>
+            <a:ext cx="3206804" cy="3206805"/>
+          </a:xfrm>
+          <a:prstGeom prst="rect">
+            <a:avLst/>
+          </a:prstGeom>
+        </p:spPr>
+      </p:pic>
+    </p:spTree>
+    <p:extLst>
+      <p:ext uri="{BB962C8B-B14F-4D97-AF65-F5344CB8AC3E}">
+        <p14:creationId xmlns:p14="http://schemas.microsoft.com/office/powerpoint/2010/main" val="4103309497"/>
+      </p:ext>
+    </p:extLst>
+  </p:cSld>
+  <p:clrMapOvr>
+    <a:masterClrMapping/>
+  </p:clrMapOvr>
+  <p:timing>
+    <p:tnLst>
+      <p:par>
+        <p:cTn id="1" dur="indefinite" restart="never" nodeType="tmRoot">
+          <p:childTnLst>
+            <p:seq concurrent="1" nextAc="seek">
+              <p:cTn id="2" dur="indefinite" nodeType="mainSeq">
+                <p:childTnLst>
+                  <p:par>
+                    <p:cTn id="3" fill="hold">
+                      <p:stCondLst>
+                        <p:cond delay="indefinite"/>
+                      </p:stCondLst>
+                      <p:childTnLst>
+                        <p:par>
+                          <p:cTn id="4" fill="hold">
+                            <p:stCondLst>
+                              <p:cond delay="0"/>
+                            </p:stCondLst>
+                            <p:childTnLst>
+                              <p:par>
+                                <p:cTn id="5" presetID="6" presetClass="entr" presetSubtype="16" fill="hold" grpId="0" nodeType="clickEffect">
+                                  <p:stCondLst>
+                                    <p:cond delay="0"/>
+                                  </p:stCondLst>
+                                  <p:childTnLst>
+                                    <p:set>
+                                      <p:cBhvr>
+                                        <p:cTn id="6" dur="1" fill="hold">
+                                          <p:stCondLst>
+                                            <p:cond delay="0"/>
+                                          </p:stCondLst>
+                                        </p:cTn>
+                                        <p:tgtEl>
+                                          <p:spTgt spid="2"/>
+                                        </p:tgtEl>
+                                        <p:attrNameLst>
+                                          <p:attrName>style.visibility</p:attrName>
+                                        </p:attrNameLst>
+                                      </p:cBhvr>
+                                      <p:to>
+                                        <p:strVal val="visible"/>
+                                      </p:to>
+                                    </p:set>
+                                    <p:animEffect transition="in" filter="circle(in)">
+                                      <p:cBhvr>
+                                        <p:cTn id="7" dur="2000"/>
+                                        <p:tgtEl>
+                                          <p:spTgt spid="2"/>
+                                        </p:tgtEl>
+                                      </p:cBhvr>
+                                    </p:animEffect>
+                                  </p:childTnLst>
+                                </p:cTn>
+                              </p:par>
+                            </p:childTnLst>
+                          </p:cTn>
+                        </p:par>
+                      </p:childTnLst>
+                    </p:cTn>
+                  </p:par>
+                  <p:par>
+                    <p:cTn id="8" fill="hold">
+                      <p:stCondLst>
+                        <p:cond delay="indefinite"/>
+                      </p:stCondLst>
+                      <p:childTnLst>
+                        <p:par>
+                          <p:cTn id="9" fill="hold">
+                            <p:stCondLst>
+                              <p:cond delay="0"/>
+                            </p:stCondLst>
+                            <p:childTnLst>
+                              <p:par>
+                                <p:cTn id="10" presetID="16" presetClass="entr" presetSubtype="21" fill="hold" nodeType="clickEffect">
+                                  <p:stCondLst>
+                                    <p:cond delay="0"/>
+                                  </p:stCondLst>
+                                  <p:childTnLst>
+                                    <p:set>
+                                      <p:cBhvr>
+                                        <p:cTn id="11" dur="1" fill="hold">
+                                          <p:stCondLst>
+                                            <p:cond delay="0"/>
+                                          </p:stCondLst>
+                                        </p:cTn>
+                                        <p:tgtEl>
+                                          <p:spTgt spid="4"/>
+                                        </p:tgtEl>
+                                        <p:attrNameLst>
+                                          <p:attrName>style.visibility</p:attrName>
+                                        </p:attrNameLst>
+                                      </p:cBhvr>
+                                      <p:to>
+                                        <p:strVal val="visible"/>
+                                      </p:to>
+                                    </p:set>
+                                    <p:animEffect transition="in" filter="barn(inVertical)">
+                                      <p:cBhvr>
+                                        <p:cTn id="12" dur="500"/>
+                                        <p:tgtEl>
+                                          <p:spTgt spid="4"/>
+                                        </p:tgtEl>
+                                      </p:cBhvr>
+                                    </p:animEffect>
+                                  </p:childTnLst>
+                                </p:cTn>
+                              </p:par>
+                            </p:childTnLst>
+                          </p:cTn>
+                        </p:par>
+                      </p:childTnLst>
+                    </p:cTn>
+                  </p:par>
+                  <p:par>
+                    <p:cTn id="13" fill="hold">
+                      <p:stCondLst>
+                        <p:cond delay="indefinite"/>
+                      </p:stCondLst>
+                      <p:childTnLst>
+                        <p:par>
+                          <p:cTn id="14" fill="hold">
+                            <p:stCondLst>
+                              <p:cond delay="0"/>
+                            </p:stCondLst>
+                            <p:childTnLst>
+                              <p:par>
+                                <p:cTn id="15" presetID="42" presetClass="entr" presetSubtype="0" fill="hold" grpId="0" nodeType="clickEffect">
+                                  <p:stCondLst>
+                                    <p:cond delay="0"/>
+                                  </p:stCondLst>
+                                  <p:childTnLst>
+                                    <p:set>
+                                      <p:cBhvr>
+                                        <p:cTn id="16" dur="1" fill="hold">
+                                          <p:stCondLst>
+                                            <p:cond delay="0"/>
+                                          </p:stCondLst>
+                                        </p:cTn>
+                                        <p:tgtEl>
+                                          <p:spTgt spid="3">
+                                            <p:txEl>
+                                              <p:pRg st="0" end="0"/>
+                                            </p:txEl>
+                                          </p:spTgt>
+                                        </p:tgtEl>
+                                        <p:attrNameLst>
+                                          <p:attrName>style.visibility</p:attrName>
+                                        </p:attrNameLst>
+                                      </p:cBhvr>
+                                      <p:to>
+                                        <p:strVal val="visible"/>
+                                      </p:to>
+                                    </p:set>
+                                    <p:animEffect transition="in" filter="fade">
+                                      <p:cBhvr>
+                                        <p:cTn id="17" dur="1000"/>
+                                        <p:tgtEl>
+                                          <p:spTgt spid="3">
+                                            <p:txEl>
+                                              <p:pRg st="0" end="0"/>
+                                            </p:txEl>
+                                          </p:spTgt>
+                                        </p:tgtEl>
+                                      </p:cBhvr>
+                                    </p:animEffect>
+                                    <p:anim calcmode="lin" valueType="num">
+                                      <p:cBhvr>
+                                        <p:cTn id="18" dur="1000" fill="hold"/>
+                                        <p:tgtEl>
+                                          <p:spTgt spid="3">
+                                            <p:txEl>
+                                              <p:pRg st="0" end="0"/>
+                                            </p:txEl>
+                                          </p:spTgt>
+                                        </p:tgtEl>
+                                        <p:attrNameLst>
+                                          <p:attrName>ppt_x</p:attrName>
+                                        </p:attrNameLst>
+                                      </p:cBhvr>
+                                      <p:tavLst>
+                                        <p:tav tm="0">
+                                          <p:val>
+                                            <p:strVal val="#ppt_x"/>
+                                          </p:val>
+                                        </p:tav>
+                                        <p:tav tm="100000">
+                                          <p:val>
+                                            <p:strVal val="#ppt_x"/>
+                                          </p:val>
+                                        </p:tav>
+                                      </p:tavLst>
+                                    </p:anim>
+                                    <p:anim calcmode="lin" valueType="num">
+                                      <p:cBhvr>
+                                        <p:cTn id="19" dur="1000" fill="hold"/>
+                                        <p:tgtEl>
+                                          <p:spTgt spid="3">
+                                            <p:txEl>
+                                              <p:pRg st="0" end="0"/>
+                                            </p:txEl>
+                                          </p:spTgt>
+                                        </p:tgtEl>
+                                        <p:attrNameLst>
+                                          <p:attrName>ppt_y</p:attrName>
+                                        </p:attrNameLst>
+                                      </p:cBhvr>
+                                      <p:tavLst>
+                                        <p:tav tm="0">
+                                          <p:val>
+                                            <p:strVal val="#ppt_y+.1"/>
+                                          </p:val>
+                                        </p:tav>
+                                        <p:tav tm="100000">
+                                          <p:val>
+                                            <p:strVal val="#ppt_y"/>
+                                          </p:val>
+                                        </p:tav>
+                                      </p:tavLst>
+                                    </p:anim>
+                                  </p:childTnLst>
+                                </p:cTn>
+                              </p:par>
+                            </p:childTnLst>
+                          </p:cTn>
+                        </p:par>
+                      </p:childTnLst>
+                    </p:cTn>
+                  </p:par>
+                  <p:par>
+                    <p:cTn id="20" fill="hold">
+                      <p:stCondLst>
+                        <p:cond delay="indefinite"/>
+                      </p:stCondLst>
+                      <p:childTnLst>
+                        <p:par>
+                          <p:cTn id="21" fill="hold">
+                            <p:stCondLst>
+                              <p:cond delay="0"/>
+                            </p:stCondLst>
+                            <p:childTnLst>
+                              <p:par>
+                                <p:cTn id="22" presetID="42" presetClass="entr" presetSubtype="0" fill="hold" grpId="0" nodeType="clickEffect">
+                                  <p:stCondLst>
+                                    <p:cond delay="0"/>
+                                  </p:stCondLst>
+                                  <p:childTnLst>
+                                    <p:set>
+                                      <p:cBhvr>
+                                        <p:cTn id="23" dur="1" fill="hold">
+                                          <p:stCondLst>
+                                            <p:cond delay="0"/>
+                                          </p:stCondLst>
+                                        </p:cTn>
+                                        <p:tgtEl>
+                                          <p:spTgt spid="3">
+                                            <p:txEl>
+                                              <p:pRg st="1" end="1"/>
+                                            </p:txEl>
+                                          </p:spTgt>
+                                        </p:tgtEl>
+                                        <p:attrNameLst>
+                                          <p:attrName>style.visibility</p:attrName>
+                                        </p:attrNameLst>
+                                      </p:cBhvr>
+                                      <p:to>
+                                        <p:strVal val="visible"/>
+                                      </p:to>
+                                    </p:set>
+                                    <p:animEffect transition="in" filter="fade">
+                                      <p:cBhvr>
+                                        <p:cTn id="24" dur="1000"/>
+                                        <p:tgtEl>
+                                          <p:spTgt spid="3">
+                                            <p:txEl>
+                                              <p:pRg st="1" end="1"/>
+                                            </p:txEl>
+                                          </p:spTgt>
+                                        </p:tgtEl>
+                                      </p:cBhvr>
+                                    </p:animEffect>
+                                    <p:anim calcmode="lin" valueType="num">
+                                      <p:cBhvr>
+                                        <p:cTn id="25" dur="1000" fill="hold"/>
+                                        <p:tgtEl>
+                                          <p:spTgt spid="3">
+                                            <p:txEl>
+                                              <p:pRg st="1" end="1"/>
+                                            </p:txEl>
+                                          </p:spTgt>
+                                        </p:tgtEl>
+                                        <p:attrNameLst>
+                                          <p:attrName>ppt_x</p:attrName>
+                                        </p:attrNameLst>
+                                      </p:cBhvr>
+                                      <p:tavLst>
+                                        <p:tav tm="0">
+                                          <p:val>
+                                            <p:strVal val="#ppt_x"/>
+                                          </p:val>
+                                        </p:tav>
+                                        <p:tav tm="100000">
+                                          <p:val>
+                                            <p:strVal val="#ppt_x"/>
+                                          </p:val>
+                                        </p:tav>
+                                      </p:tavLst>
+                                    </p:anim>
+                                    <p:anim calcmode="lin" valueType="num">
+                                      <p:cBhvr>
+                                        <p:cTn id="26" dur="1000" fill="hold"/>
+                                        <p:tgtEl>
+                                          <p:spTgt spid="3">
+                                            <p:txEl>
+                                              <p:pRg st="1" end="1"/>
+                                            </p:txEl>
+                                          </p:spTgt>
+                                        </p:tgtEl>
+                                        <p:attrNameLst>
+                                          <p:attrName>ppt_y</p:attrName>
+                                        </p:attrNameLst>
+                                      </p:cBhvr>
+                                      <p:tavLst>
+                                        <p:tav tm="0">
+                                          <p:val>
+                                            <p:strVal val="#ppt_y+.1"/>
+                                          </p:val>
+                                        </p:tav>
+                                        <p:tav tm="100000">
+                                          <p:val>
+                                            <p:strVal val="#ppt_y"/>
+                                          </p:val>
+                                        </p:tav>
+                                      </p:tavLst>
+                                    </p:anim>
+                                  </p:childTnLst>
+                                </p:cTn>
+                              </p:par>
+                            </p:childTnLst>
+                          </p:cTn>
+                        </p:par>
+                      </p:childTnLst>
+                    </p:cTn>
+                  </p:par>
+                </p:childTnLst>
+              </p:cTn>
+              <p:prevCondLst>
+                <p:cond evt="onPrev" delay="0">
+                  <p:tgtEl>
+                    <p:sldTgt/>
+                  </p:tgtEl>
+                </p:cond>
+              </p:prevCondLst>
+              <p:nextCondLst>
+                <p:cond evt="onNext" delay="0">
+                  <p:tgtEl>
+                    <p:sldTgt/>
+                  </p:tgtEl>
+                </p:cond>
+              </p:nextCondLst>
+            </p:seq>
+          </p:childTnLst>
+        </p:cTn>
+      </p:par>
+    </p:tnLst>
+    <p:bldLst>
+      <p:bldP spid="2" grpId="0" animBg="1"/>
+      <p:bldP spid="3" grpId="0" build="p"/>
+    </p:bldLst>
   </p:timing>
 </p:sld>
 </file>
@@ -3357,38 +7128,95 @@
             <p:ph type="title"/>
           </p:nvPr>
         </p:nvSpPr>
-        <p:spPr/>
+        <p:spPr>
+          <a:xfrm>
+            <a:off x="0" y="1901950"/>
+            <a:ext cx="6558080" cy="610820"/>
+          </a:xfrm>
+        </p:spPr>
         <p:txBody>
-          <a:bodyPr/>
+          <a:bodyPr>
+            <a:normAutofit fontScale="90000"/>
+          </a:bodyPr>
           <a:lstStyle/>
           <a:p>
-            <a:endParaRPr lang="es-PE"/>
+            <a:r>
+              <a:rPr lang="es-PE" dirty="0" smtClean="0"/>
+              <a:t>Objetivo </a:t>
+            </a:r>
+            <a:endParaRPr lang="es-PE" dirty="0"/>
           </a:p>
         </p:txBody>
       </p:sp>
       <p:sp>
         <p:nvSpPr>
-          <p:cNvPr id="3" name="2 Marcador de contenido"/>
-          <p:cNvSpPr>
-            <a:spLocks noGrp="1"/>
-          </p:cNvSpPr>
-          <p:nvPr>
-            <p:ph idx="1"/>
-          </p:nvPr>
+          <p:cNvPr id="4" name="3 Rectángulo"/>
+          <p:cNvSpPr/>
+          <p:nvPr/>
         </p:nvSpPr>
-        <p:spPr/>
+        <p:spPr>
+          <a:xfrm>
+            <a:off x="448965" y="2970885"/>
+            <a:ext cx="4572000" cy="3139321"/>
+          </a:xfrm>
+          <a:prstGeom prst="rect">
+            <a:avLst/>
+          </a:prstGeom>
+        </p:spPr>
         <p:txBody>
-          <a:bodyPr/>
+          <a:bodyPr>
+            <a:spAutoFit/>
+          </a:bodyPr>
           <a:lstStyle/>
           <a:p>
-            <a:endParaRPr lang="es-PE"/>
+            <a:r>
+              <a:rPr lang="es-PE" dirty="0"/>
+              <a:t>El objetivo de este juego es que permita crecimiento físico, emocional, intelectual y social de los  niños o de las personas que juegan. </a:t>
+            </a:r>
+            <a:br>
+              <a:rPr lang="es-PE" dirty="0"/>
+            </a:br>
+            <a:r>
+              <a:rPr lang="es-PE" dirty="0"/>
+              <a:t>Permite descargar ansiedades y tensión, y reducir eventos atemorizantes o traumáticos, en los que pudo haber sentido inconscientemente en peligro de destrucción de su cuerpo o rotura de lazos importantes como proyección de sus oportunos sentimientos opuestos.</a:t>
+            </a:r>
           </a:p>
         </p:txBody>
       </p:sp>
+      <p:pic>
+        <p:nvPicPr>
+          <p:cNvPr id="8" name="7 Imagen"/>
+          <p:cNvPicPr>
+            <a:picLocks noChangeAspect="1"/>
+          </p:cNvPicPr>
+          <p:nvPr/>
+        </p:nvPicPr>
+        <p:blipFill>
+          <a:blip r:embed="rId2">
+            <a:extLst>
+              <a:ext uri="{28A0092B-C50C-407E-A947-70E740481C1C}">
+                <a14:useLocalDpi xmlns:a14="http://schemas.microsoft.com/office/drawing/2010/main" val="0"/>
+              </a:ext>
+            </a:extLst>
+          </a:blip>
+          <a:stretch>
+            <a:fillRect/>
+          </a:stretch>
+        </p:blipFill>
+        <p:spPr>
+          <a:xfrm>
+            <a:off x="5326375" y="2306843"/>
+            <a:ext cx="3817625" cy="3817625"/>
+          </a:xfrm>
+          <a:prstGeom prst="rect">
+            <a:avLst/>
+          </a:prstGeom>
+        </p:spPr>
+      </p:pic>
     </p:spTree>
     <p:extLst>
       <p:ext uri="{BB962C8B-B14F-4D97-AF65-F5344CB8AC3E}">
-        <p14:creationId xmlns:p14="http://schemas.microsoft.com/office/powerpoint/2010/main" val="412633527"/>
+        <p14:creationId xmlns:p14="http://schemas.microsoft.com/office/powerpoint/2010/main" val="970316715"/>
       </p:ext>
     </p:extLst>
   </p:cSld>
@@ -3398,15 +7226,2698 @@
   <p:timing>
     <p:tnLst>
       <p:par>
-        <p:cTn id="1" dur="indefinite" restart="never" nodeType="tmRoot"/>
+        <p:cTn id="1" dur="indefinite" restart="never" nodeType="tmRoot">
+          <p:childTnLst>
+            <p:seq concurrent="1" nextAc="seek">
+              <p:cTn id="2" dur="indefinite" nodeType="mainSeq">
+                <p:childTnLst>
+                  <p:par>
+                    <p:cTn id="3" fill="hold">
+                      <p:stCondLst>
+                        <p:cond delay="indefinite"/>
+                      </p:stCondLst>
+                      <p:childTnLst>
+                        <p:par>
+                          <p:cTn id="4" fill="hold">
+                            <p:stCondLst>
+                              <p:cond delay="0"/>
+                            </p:stCondLst>
+                            <p:childTnLst>
+                              <p:par>
+                                <p:cTn id="5" presetID="6" presetClass="entr" presetSubtype="16" fill="hold" grpId="0" nodeType="clickEffect">
+                                  <p:stCondLst>
+                                    <p:cond delay="0"/>
+                                  </p:stCondLst>
+                                  <p:childTnLst>
+                                    <p:set>
+                                      <p:cBhvr>
+                                        <p:cTn id="6" dur="1" fill="hold">
+                                          <p:stCondLst>
+                                            <p:cond delay="0"/>
+                                          </p:stCondLst>
+                                        </p:cTn>
+                                        <p:tgtEl>
+                                          <p:spTgt spid="2"/>
+                                        </p:tgtEl>
+                                        <p:attrNameLst>
+                                          <p:attrName>style.visibility</p:attrName>
+                                        </p:attrNameLst>
+                                      </p:cBhvr>
+                                      <p:to>
+                                        <p:strVal val="visible"/>
+                                      </p:to>
+                                    </p:set>
+                                    <p:animEffect transition="in" filter="circle(in)">
+                                      <p:cBhvr>
+                                        <p:cTn id="7" dur="2000"/>
+                                        <p:tgtEl>
+                                          <p:spTgt spid="2"/>
+                                        </p:tgtEl>
+                                      </p:cBhvr>
+                                    </p:animEffect>
+                                  </p:childTnLst>
+                                </p:cTn>
+                              </p:par>
+                            </p:childTnLst>
+                          </p:cTn>
+                        </p:par>
+                      </p:childTnLst>
+                    </p:cTn>
+                  </p:par>
+                  <p:par>
+                    <p:cTn id="8" fill="hold">
+                      <p:stCondLst>
+                        <p:cond delay="indefinite"/>
+                      </p:stCondLst>
+                      <p:childTnLst>
+                        <p:par>
+                          <p:cTn id="9" fill="hold">
+                            <p:stCondLst>
+                              <p:cond delay="0"/>
+                            </p:stCondLst>
+                            <p:childTnLst>
+                              <p:par>
+                                <p:cTn id="10" presetID="16" presetClass="entr" presetSubtype="21" fill="hold" grpId="0" nodeType="clickEffect">
+                                  <p:stCondLst>
+                                    <p:cond delay="0"/>
+                                  </p:stCondLst>
+                                  <p:childTnLst>
+                                    <p:set>
+                                      <p:cBhvr>
+                                        <p:cTn id="11" dur="1" fill="hold">
+                                          <p:stCondLst>
+                                            <p:cond delay="0"/>
+                                          </p:stCondLst>
+                                        </p:cTn>
+                                        <p:tgtEl>
+                                          <p:spTgt spid="4"/>
+                                        </p:tgtEl>
+                                        <p:attrNameLst>
+                                          <p:attrName>style.visibility</p:attrName>
+                                        </p:attrNameLst>
+                                      </p:cBhvr>
+                                      <p:to>
+                                        <p:strVal val="visible"/>
+                                      </p:to>
+                                    </p:set>
+                                    <p:animEffect transition="in" filter="barn(inVertical)">
+                                      <p:cBhvr>
+                                        <p:cTn id="12" dur="500"/>
+                                        <p:tgtEl>
+                                          <p:spTgt spid="4"/>
+                                        </p:tgtEl>
+                                      </p:cBhvr>
+                                    </p:animEffect>
+                                  </p:childTnLst>
+                                </p:cTn>
+                              </p:par>
+                            </p:childTnLst>
+                          </p:cTn>
+                        </p:par>
+                      </p:childTnLst>
+                    </p:cTn>
+                  </p:par>
+                  <p:par>
+                    <p:cTn id="13" fill="hold">
+                      <p:stCondLst>
+                        <p:cond delay="indefinite"/>
+                      </p:stCondLst>
+                      <p:childTnLst>
+                        <p:par>
+                          <p:cTn id="14" fill="hold">
+                            <p:stCondLst>
+                              <p:cond delay="0"/>
+                            </p:stCondLst>
+                            <p:childTnLst>
+                              <p:par>
+                                <p:cTn id="15" presetID="45" presetClass="entr" presetSubtype="0" fill="hold" nodeType="clickEffect">
+                                  <p:stCondLst>
+                                    <p:cond delay="0"/>
+                                  </p:stCondLst>
+                                  <p:childTnLst>
+                                    <p:set>
+                                      <p:cBhvr>
+                                        <p:cTn id="16" dur="1" fill="hold">
+                                          <p:stCondLst>
+                                            <p:cond delay="0"/>
+                                          </p:stCondLst>
+                                        </p:cTn>
+                                        <p:tgtEl>
+                                          <p:spTgt spid="8"/>
+                                        </p:tgtEl>
+                                        <p:attrNameLst>
+                                          <p:attrName>style.visibility</p:attrName>
+                                        </p:attrNameLst>
+                                      </p:cBhvr>
+                                      <p:to>
+                                        <p:strVal val="visible"/>
+                                      </p:to>
+                                    </p:set>
+                                    <p:animEffect transition="in" filter="fade">
+                                      <p:cBhvr>
+                                        <p:cTn id="17" dur="2000"/>
+                                        <p:tgtEl>
+                                          <p:spTgt spid="8"/>
+                                        </p:tgtEl>
+                                      </p:cBhvr>
+                                    </p:animEffect>
+                                    <p:anim calcmode="lin" valueType="num">
+                                      <p:cBhvr>
+                                        <p:cTn id="18" dur="2000" fill="hold"/>
+                                        <p:tgtEl>
+                                          <p:spTgt spid="8"/>
+                                        </p:tgtEl>
+                                        <p:attrNameLst>
+                                          <p:attrName>ppt_w</p:attrName>
+                                        </p:attrNameLst>
+                                      </p:cBhvr>
+                                      <p:tavLst>
+                                        <p:tav tm="0" fmla="#ppt_w*sin(2.5*pi*$)">
+                                          <p:val>
+                                            <p:fltVal val="0"/>
+                                          </p:val>
+                                        </p:tav>
+                                        <p:tav tm="100000">
+                                          <p:val>
+                                            <p:fltVal val="1"/>
+                                          </p:val>
+                                        </p:tav>
+                                      </p:tavLst>
+                                    </p:anim>
+                                    <p:anim calcmode="lin" valueType="num">
+                                      <p:cBhvr>
+                                        <p:cTn id="19" dur="2000" fill="hold"/>
+                                        <p:tgtEl>
+                                          <p:spTgt spid="8"/>
+                                        </p:tgtEl>
+                                        <p:attrNameLst>
+                                          <p:attrName>ppt_h</p:attrName>
+                                        </p:attrNameLst>
+                                      </p:cBhvr>
+                                      <p:tavLst>
+                                        <p:tav tm="0">
+                                          <p:val>
+                                            <p:strVal val="#ppt_h"/>
+                                          </p:val>
+                                        </p:tav>
+                                        <p:tav tm="100000">
+                                          <p:val>
+                                            <p:strVal val="#ppt_h"/>
+                                          </p:val>
+                                        </p:tav>
+                                      </p:tavLst>
+                                    </p:anim>
+                                  </p:childTnLst>
+                                </p:cTn>
+                              </p:par>
+                            </p:childTnLst>
+                          </p:cTn>
+                        </p:par>
+                      </p:childTnLst>
+                    </p:cTn>
+                  </p:par>
+                </p:childTnLst>
+              </p:cTn>
+              <p:prevCondLst>
+                <p:cond evt="onPrev" delay="0">
+                  <p:tgtEl>
+                    <p:sldTgt/>
+                  </p:tgtEl>
+                </p:cond>
+              </p:prevCondLst>
+              <p:nextCondLst>
+                <p:cond evt="onNext" delay="0">
+                  <p:tgtEl>
+                    <p:sldTgt/>
+                  </p:tgtEl>
+                </p:cond>
+              </p:nextCondLst>
+            </p:seq>
+          </p:childTnLst>
+        </p:cTn>
       </p:par>
     </p:tnLst>
+    <p:bldLst>
+      <p:bldP spid="2" grpId="0" animBg="1"/>
+      <p:bldP spid="4" grpId="0"/>
+    </p:bldLst>
+  </p:timing>
+</p:sld>
+</file>
+
+<file path=ppt/slides/slide5.xml><?xml version="1.0" encoding="utf-8"?>
+<p:sld xmlns:a="http://schemas.openxmlformats.org/drawingml/2006/main" xmlns:r="http://schemas.openxmlformats.org/officeDocument/2006/relationships" xmlns:p="http://schemas.openxmlformats.org/presentationml/2006/main">
+  <p:cSld>
+    <p:spTree>
+      <p:nvGrpSpPr>
+        <p:cNvPr id="1" name=""/>
+        <p:cNvGrpSpPr/>
+        <p:nvPr/>
+      </p:nvGrpSpPr>
+      <p:grpSpPr>
+        <a:xfrm>
+          <a:off x="0" y="0"/>
+          <a:ext cx="0" cy="0"/>
+          <a:chOff x="0" y="0"/>
+          <a:chExt cx="0" cy="0"/>
+        </a:xfrm>
+      </p:grpSpPr>
+      <p:sp>
+        <p:nvSpPr>
+          <p:cNvPr id="4" name="Title 3"/>
+          <p:cNvSpPr>
+            <a:spLocks noGrp="1"/>
+          </p:cNvSpPr>
+          <p:nvPr>
+            <p:ph type="title"/>
+          </p:nvPr>
+        </p:nvSpPr>
+        <p:spPr>
+          <a:xfrm>
+            <a:off x="0" y="1522475"/>
+            <a:ext cx="9144000" cy="532180"/>
+          </a:xfrm>
+          <a:solidFill>
+            <a:srgbClr val="7ABC32"/>
+          </a:solidFill>
+        </p:spPr>
+        <p:txBody>
+          <a:bodyPr>
+            <a:normAutofit fontScale="90000"/>
+          </a:bodyPr>
+          <a:lstStyle/>
+          <a:p>
+            <a:pPr algn="l"/>
+            <a:r>
+              <a:rPr lang="es-PE" dirty="0" smtClean="0">
+                <a:solidFill>
+                  <a:schemeClr val="bg1"/>
+                </a:solidFill>
+              </a:rPr>
+              <a:t>Métodos</a:t>
+            </a:r>
+            <a:r>
+              <a:rPr lang="en-US" dirty="0" smtClean="0">
+                <a:solidFill>
+                  <a:schemeClr val="bg1"/>
+                </a:solidFill>
+              </a:rPr>
+              <a:t> </a:t>
+            </a:r>
+            <a:endParaRPr lang="en-US" dirty="0">
+              <a:solidFill>
+                <a:schemeClr val="bg1"/>
+              </a:solidFill>
+            </a:endParaRPr>
+          </a:p>
+        </p:txBody>
+      </p:sp>
+      <p:sp>
+        <p:nvSpPr>
+          <p:cNvPr id="6" name="Content Placeholder 5"/>
+          <p:cNvSpPr>
+            <a:spLocks noGrp="1"/>
+          </p:cNvSpPr>
+          <p:nvPr>
+            <p:ph sz="half" idx="2"/>
+          </p:nvPr>
+        </p:nvSpPr>
+        <p:spPr>
+          <a:xfrm>
+            <a:off x="448964" y="2684517"/>
+            <a:ext cx="8093365" cy="3035058"/>
+          </a:xfrm>
+        </p:spPr>
+        <p:txBody>
+          <a:bodyPr>
+            <a:normAutofit/>
+          </a:bodyPr>
+          <a:lstStyle/>
+          <a:p>
+            <a:pPr marL="0" indent="0">
+              <a:buNone/>
+            </a:pPr>
+            <a:r>
+              <a:rPr lang="es-PE" dirty="0"/>
+              <a:t>Es una especie </a:t>
+            </a:r>
+            <a:r>
+              <a:rPr lang="es-PE" dirty="0" smtClean="0"/>
+              <a:t>de</a:t>
+            </a:r>
+            <a:r>
+              <a:rPr lang="es-PE" dirty="0"/>
+              <a:t> </a:t>
+            </a:r>
+            <a:r>
+              <a:rPr lang="es-PE" dirty="0" smtClean="0"/>
+              <a:t>brújula en la </a:t>
+            </a:r>
+            <a:r>
+              <a:rPr lang="es-PE" dirty="0"/>
+              <a:t>que no se produce automáticamente el saber, pero que evita perdernos en el caos aparente de los fenómenos, aunque solo sea porque nos indica como no plantear los problemas y como no sucumbir en el embrujo de nuestros prejuicios predilectos</a:t>
+            </a:r>
+            <a:endParaRPr lang="en-US" dirty="0">
+              <a:solidFill>
+                <a:srgbClr val="002060"/>
+              </a:solidFill>
+            </a:endParaRPr>
+          </a:p>
+        </p:txBody>
+      </p:sp>
+    </p:spTree>
+    <p:extLst>
+      <p:ext uri="{BB962C8B-B14F-4D97-AF65-F5344CB8AC3E}">
+        <p14:creationId xmlns:p14="http://schemas.microsoft.com/office/powerpoint/2010/main" val="4170783713"/>
+      </p:ext>
+    </p:extLst>
+  </p:cSld>
+  <p:clrMapOvr>
+    <a:masterClrMapping/>
+  </p:clrMapOvr>
+  <p:timing>
+    <p:tnLst>
+      <p:par>
+        <p:cTn id="1" dur="indefinite" restart="never" nodeType="tmRoot">
+          <p:childTnLst>
+            <p:seq concurrent="1" nextAc="seek">
+              <p:cTn id="2" dur="indefinite" nodeType="mainSeq">
+                <p:childTnLst>
+                  <p:par>
+                    <p:cTn id="3" fill="hold">
+                      <p:stCondLst>
+                        <p:cond delay="indefinite"/>
+                      </p:stCondLst>
+                      <p:childTnLst>
+                        <p:par>
+                          <p:cTn id="4" fill="hold">
+                            <p:stCondLst>
+                              <p:cond delay="0"/>
+                            </p:stCondLst>
+                            <p:childTnLst>
+                              <p:par>
+                                <p:cTn id="5" presetID="6" presetClass="entr" presetSubtype="16" fill="hold" grpId="0" nodeType="clickEffect">
+                                  <p:stCondLst>
+                                    <p:cond delay="0"/>
+                                  </p:stCondLst>
+                                  <p:childTnLst>
+                                    <p:set>
+                                      <p:cBhvr>
+                                        <p:cTn id="6" dur="1" fill="hold">
+                                          <p:stCondLst>
+                                            <p:cond delay="0"/>
+                                          </p:stCondLst>
+                                        </p:cTn>
+                                        <p:tgtEl>
+                                          <p:spTgt spid="4"/>
+                                        </p:tgtEl>
+                                        <p:attrNameLst>
+                                          <p:attrName>style.visibility</p:attrName>
+                                        </p:attrNameLst>
+                                      </p:cBhvr>
+                                      <p:to>
+                                        <p:strVal val="visible"/>
+                                      </p:to>
+                                    </p:set>
+                                    <p:animEffect transition="in" filter="circle(in)">
+                                      <p:cBhvr>
+                                        <p:cTn id="7" dur="2000"/>
+                                        <p:tgtEl>
+                                          <p:spTgt spid="4"/>
+                                        </p:tgtEl>
+                                      </p:cBhvr>
+                                    </p:animEffect>
+                                  </p:childTnLst>
+                                </p:cTn>
+                              </p:par>
+                            </p:childTnLst>
+                          </p:cTn>
+                        </p:par>
+                      </p:childTnLst>
+                    </p:cTn>
+                  </p:par>
+                  <p:par>
+                    <p:cTn id="8" fill="hold">
+                      <p:stCondLst>
+                        <p:cond delay="indefinite"/>
+                      </p:stCondLst>
+                      <p:childTnLst>
+                        <p:par>
+                          <p:cTn id="9" fill="hold">
+                            <p:stCondLst>
+                              <p:cond delay="0"/>
+                            </p:stCondLst>
+                            <p:childTnLst>
+                              <p:par>
+                                <p:cTn id="10" presetID="42" presetClass="entr" presetSubtype="0" fill="hold" grpId="0" nodeType="clickEffect">
+                                  <p:stCondLst>
+                                    <p:cond delay="0"/>
+                                  </p:stCondLst>
+                                  <p:childTnLst>
+                                    <p:set>
+                                      <p:cBhvr>
+                                        <p:cTn id="11" dur="1" fill="hold">
+                                          <p:stCondLst>
+                                            <p:cond delay="0"/>
+                                          </p:stCondLst>
+                                        </p:cTn>
+                                        <p:tgtEl>
+                                          <p:spTgt spid="6">
+                                            <p:txEl>
+                                              <p:pRg st="0" end="0"/>
+                                            </p:txEl>
+                                          </p:spTgt>
+                                        </p:tgtEl>
+                                        <p:attrNameLst>
+                                          <p:attrName>style.visibility</p:attrName>
+                                        </p:attrNameLst>
+                                      </p:cBhvr>
+                                      <p:to>
+                                        <p:strVal val="visible"/>
+                                      </p:to>
+                                    </p:set>
+                                    <p:animEffect transition="in" filter="fade">
+                                      <p:cBhvr>
+                                        <p:cTn id="12" dur="1000"/>
+                                        <p:tgtEl>
+                                          <p:spTgt spid="6">
+                                            <p:txEl>
+                                              <p:pRg st="0" end="0"/>
+                                            </p:txEl>
+                                          </p:spTgt>
+                                        </p:tgtEl>
+                                      </p:cBhvr>
+                                    </p:animEffect>
+                                    <p:anim calcmode="lin" valueType="num">
+                                      <p:cBhvr>
+                                        <p:cTn id="13" dur="1000" fill="hold"/>
+                                        <p:tgtEl>
+                                          <p:spTgt spid="6">
+                                            <p:txEl>
+                                              <p:pRg st="0" end="0"/>
+                                            </p:txEl>
+                                          </p:spTgt>
+                                        </p:tgtEl>
+                                        <p:attrNameLst>
+                                          <p:attrName>ppt_x</p:attrName>
+                                        </p:attrNameLst>
+                                      </p:cBhvr>
+                                      <p:tavLst>
+                                        <p:tav tm="0">
+                                          <p:val>
+                                            <p:strVal val="#ppt_x"/>
+                                          </p:val>
+                                        </p:tav>
+                                        <p:tav tm="100000">
+                                          <p:val>
+                                            <p:strVal val="#ppt_x"/>
+                                          </p:val>
+                                        </p:tav>
+                                      </p:tavLst>
+                                    </p:anim>
+                                    <p:anim calcmode="lin" valueType="num">
+                                      <p:cBhvr>
+                                        <p:cTn id="14" dur="1000" fill="hold"/>
+                                        <p:tgtEl>
+                                          <p:spTgt spid="6">
+                                            <p:txEl>
+                                              <p:pRg st="0" end="0"/>
+                                            </p:txEl>
+                                          </p:spTgt>
+                                        </p:tgtEl>
+                                        <p:attrNameLst>
+                                          <p:attrName>ppt_y</p:attrName>
+                                        </p:attrNameLst>
+                                      </p:cBhvr>
+                                      <p:tavLst>
+                                        <p:tav tm="0">
+                                          <p:val>
+                                            <p:strVal val="#ppt_y+.1"/>
+                                          </p:val>
+                                        </p:tav>
+                                        <p:tav tm="100000">
+                                          <p:val>
+                                            <p:strVal val="#ppt_y"/>
+                                          </p:val>
+                                        </p:tav>
+                                      </p:tavLst>
+                                    </p:anim>
+                                  </p:childTnLst>
+                                </p:cTn>
+                              </p:par>
+                            </p:childTnLst>
+                          </p:cTn>
+                        </p:par>
+                      </p:childTnLst>
+                    </p:cTn>
+                  </p:par>
+                </p:childTnLst>
+              </p:cTn>
+              <p:prevCondLst>
+                <p:cond evt="onPrev" delay="0">
+                  <p:tgtEl>
+                    <p:sldTgt/>
+                  </p:tgtEl>
+                </p:cond>
+              </p:prevCondLst>
+              <p:nextCondLst>
+                <p:cond evt="onNext" delay="0">
+                  <p:tgtEl>
+                    <p:sldTgt/>
+                  </p:tgtEl>
+                </p:cond>
+              </p:nextCondLst>
+            </p:seq>
+          </p:childTnLst>
+        </p:cTn>
+      </p:par>
+    </p:tnLst>
+    <p:bldLst>
+      <p:bldP spid="4" grpId="0" animBg="1"/>
+      <p:bldP spid="6" grpId="0" build="p"/>
+    </p:bldLst>
+  </p:timing>
+</p:sld>
+</file>
+
+<file path=ppt/slides/slide6.xml><?xml version="1.0" encoding="utf-8"?>
+<p:sld xmlns:a="http://schemas.openxmlformats.org/drawingml/2006/main" xmlns:r="http://schemas.openxmlformats.org/officeDocument/2006/relationships" xmlns:p="http://schemas.openxmlformats.org/presentationml/2006/main">
+  <p:cSld>
+    <p:spTree>
+      <p:nvGrpSpPr>
+        <p:cNvPr id="1" name=""/>
+        <p:cNvGrpSpPr/>
+        <p:nvPr/>
+      </p:nvGrpSpPr>
+      <p:grpSpPr>
+        <a:xfrm>
+          <a:off x="0" y="0"/>
+          <a:ext cx="0" cy="0"/>
+          <a:chOff x="0" y="0"/>
+          <a:chExt cx="0" cy="0"/>
+        </a:xfrm>
+      </p:grpSpPr>
+      <p:sp>
+        <p:nvSpPr>
+          <p:cNvPr id="4" name="Title 3"/>
+          <p:cNvSpPr>
+            <a:spLocks noGrp="1"/>
+          </p:cNvSpPr>
+          <p:nvPr>
+            <p:ph type="title"/>
+          </p:nvPr>
+        </p:nvSpPr>
+        <p:spPr>
+          <a:xfrm>
+            <a:off x="0" y="1596540"/>
+            <a:ext cx="9143999" cy="458116"/>
+          </a:xfrm>
+          <a:solidFill>
+            <a:srgbClr val="7ABC32"/>
+          </a:solidFill>
+        </p:spPr>
+        <p:txBody>
+          <a:bodyPr>
+            <a:normAutofit fontScale="90000"/>
+          </a:bodyPr>
+          <a:lstStyle/>
+          <a:p>
+            <a:pPr algn="l"/>
+            <a:r>
+              <a:rPr lang="es-PE" dirty="0" smtClean="0">
+                <a:solidFill>
+                  <a:schemeClr val="bg1"/>
+                </a:solidFill>
+              </a:rPr>
+              <a:t>Ver</a:t>
+            </a:r>
+            <a:r>
+              <a:rPr lang="en-US" dirty="0" smtClean="0">
+                <a:solidFill>
+                  <a:schemeClr val="bg1"/>
+                </a:solidFill>
+              </a:rPr>
+              <a:t> </a:t>
+            </a:r>
+            <a:r>
+              <a:rPr lang="es-PE" dirty="0" smtClean="0">
+                <a:solidFill>
+                  <a:schemeClr val="bg1"/>
+                </a:solidFill>
+              </a:rPr>
+              <a:t>controles</a:t>
+            </a:r>
+            <a:endParaRPr lang="es-PE" dirty="0">
+              <a:solidFill>
+                <a:schemeClr val="bg1"/>
+              </a:solidFill>
+            </a:endParaRPr>
+          </a:p>
+        </p:txBody>
+      </p:sp>
+      <p:sp>
+        <p:nvSpPr>
+          <p:cNvPr id="5" name="Content Placeholder 4"/>
+          <p:cNvSpPr>
+            <a:spLocks noGrp="1"/>
+          </p:cNvSpPr>
+          <p:nvPr>
+            <p:ph idx="1"/>
+          </p:nvPr>
+        </p:nvSpPr>
+        <p:spPr>
+          <a:xfrm>
+            <a:off x="6403545" y="2207360"/>
+            <a:ext cx="2740455" cy="3970330"/>
+          </a:xfrm>
+        </p:spPr>
+        <p:txBody>
+          <a:bodyPr>
+            <a:normAutofit fontScale="77500" lnSpcReduction="20000"/>
+          </a:bodyPr>
+          <a:lstStyle/>
+          <a:p>
+            <a:pPr marL="0" indent="0">
+              <a:buNone/>
+            </a:pPr>
+            <a:r>
+              <a:rPr lang="es-PE" dirty="0" smtClean="0">
+                <a:solidFill>
+                  <a:srgbClr val="002060"/>
+                </a:solidFill>
+              </a:rPr>
+              <a:t>este es la pagina ver controles lo cual permite al jugador de este juego ver con que teclas se dirige hacia lado derecho y izquierdo y así con que tecla puede disparar al nave malo.</a:t>
+            </a:r>
+          </a:p>
+          <a:p>
+            <a:pPr marL="0" indent="0">
+              <a:buNone/>
+            </a:pPr>
+            <a:r>
+              <a:rPr lang="es-PE" dirty="0" smtClean="0"/>
+              <a:t>De igual manera nos muestra con que navegadores podemos abrir. </a:t>
+            </a:r>
+            <a:endParaRPr lang="es-PE" dirty="0" smtClean="0">
+              <a:solidFill>
+                <a:srgbClr val="002060"/>
+              </a:solidFill>
+            </a:endParaRPr>
+          </a:p>
+        </p:txBody>
+      </p:sp>
+      <p:pic>
+        <p:nvPicPr>
+          <p:cNvPr id="3074" name="Picture 2"/>
+          <p:cNvPicPr>
+            <a:picLocks noChangeAspect="1" noChangeArrowheads="1"/>
+          </p:cNvPicPr>
+          <p:nvPr/>
+        </p:nvPicPr>
+        <p:blipFill>
+          <a:blip r:embed="rId2">
+            <a:extLst>
+              <a:ext uri="{28A0092B-C50C-407E-A947-70E740481C1C}">
+                <a14:useLocalDpi xmlns:a14="http://schemas.microsoft.com/office/drawing/2010/main" val="0"/>
+              </a:ext>
+            </a:extLst>
+          </a:blip>
+          <a:srcRect/>
+          <a:stretch>
+            <a:fillRect/>
+          </a:stretch>
+        </p:blipFill>
+        <p:spPr bwMode="auto">
+          <a:xfrm>
+            <a:off x="219076" y="2360065"/>
+            <a:ext cx="6032679" cy="4116934"/>
+          </a:xfrm>
+          <a:prstGeom prst="rect">
+            <a:avLst/>
+          </a:prstGeom>
+          <a:noFill/>
+          <a:ln>
+            <a:noFill/>
+          </a:ln>
+          <a:effectLst/>
+          <a:extLst>
+            <a:ext uri="{909E8E84-426E-40DD-AFC4-6F175D3DCCD1}">
+              <a14:hiddenFill xmlns:a14="http://schemas.microsoft.com/office/drawing/2010/main">
+                <a:solidFill>
+                  <a:schemeClr val="accent1"/>
+                </a:solidFill>
+              </a14:hiddenFill>
+            </a:ext>
+            <a:ext uri="{91240B29-F687-4F45-9708-019B960494DF}">
+              <a14:hiddenLine xmlns:a14="http://schemas.microsoft.com/office/drawing/2010/main" w="9525">
+                <a:solidFill>
+                  <a:schemeClr val="tx1"/>
+                </a:solidFill>
+                <a:miter lim="800000"/>
+                <a:headEnd/>
+                <a:tailEnd/>
+              </a14:hiddenLine>
+            </a:ext>
+            <a:ext uri="{AF507438-7753-43E0-B8FC-AC1667EBCBE1}">
+              <a14:hiddenEffects xmlns:a14="http://schemas.microsoft.com/office/drawing/2010/main">
+                <a:effectLst>
+                  <a:outerShdw dist="35921" dir="2700000" algn="ctr" rotWithShape="0">
+                    <a:schemeClr val="bg2"/>
+                  </a:outerShdw>
+                </a:effectLst>
+              </a14:hiddenEffects>
+            </a:ext>
+          </a:extLst>
+        </p:spPr>
+      </p:pic>
+    </p:spTree>
+    <p:extLst>
+      <p:ext uri="{BB962C8B-B14F-4D97-AF65-F5344CB8AC3E}">
+        <p14:creationId xmlns:p14="http://schemas.microsoft.com/office/powerpoint/2010/main" val="4185933108"/>
+      </p:ext>
+    </p:extLst>
+  </p:cSld>
+  <p:clrMapOvr>
+    <a:masterClrMapping/>
+  </p:clrMapOvr>
+  <p:timing>
+    <p:tnLst>
+      <p:par>
+        <p:cTn id="1" dur="indefinite" restart="never" nodeType="tmRoot">
+          <p:childTnLst>
+            <p:seq concurrent="1" nextAc="seek">
+              <p:cTn id="2" dur="indefinite" nodeType="mainSeq">
+                <p:childTnLst>
+                  <p:par>
+                    <p:cTn id="3" fill="hold">
+                      <p:stCondLst>
+                        <p:cond delay="indefinite"/>
+                      </p:stCondLst>
+                      <p:childTnLst>
+                        <p:par>
+                          <p:cTn id="4" fill="hold">
+                            <p:stCondLst>
+                              <p:cond delay="0"/>
+                            </p:stCondLst>
+                            <p:childTnLst>
+                              <p:par>
+                                <p:cTn id="5" presetID="22" presetClass="entr" presetSubtype="4" fill="hold" grpId="0" nodeType="clickEffect">
+                                  <p:stCondLst>
+                                    <p:cond delay="0"/>
+                                  </p:stCondLst>
+                                  <p:childTnLst>
+                                    <p:set>
+                                      <p:cBhvr>
+                                        <p:cTn id="6" dur="1" fill="hold">
+                                          <p:stCondLst>
+                                            <p:cond delay="0"/>
+                                          </p:stCondLst>
+                                        </p:cTn>
+                                        <p:tgtEl>
+                                          <p:spTgt spid="4"/>
+                                        </p:tgtEl>
+                                        <p:attrNameLst>
+                                          <p:attrName>style.visibility</p:attrName>
+                                        </p:attrNameLst>
+                                      </p:cBhvr>
+                                      <p:to>
+                                        <p:strVal val="visible"/>
+                                      </p:to>
+                                    </p:set>
+                                    <p:animEffect transition="in" filter="wipe(down)">
+                                      <p:cBhvr>
+                                        <p:cTn id="7" dur="500"/>
+                                        <p:tgtEl>
+                                          <p:spTgt spid="4"/>
+                                        </p:tgtEl>
+                                      </p:cBhvr>
+                                    </p:animEffect>
+                                  </p:childTnLst>
+                                </p:cTn>
+                              </p:par>
+                            </p:childTnLst>
+                          </p:cTn>
+                        </p:par>
+                      </p:childTnLst>
+                    </p:cTn>
+                  </p:par>
+                  <p:par>
+                    <p:cTn id="8" fill="hold">
+                      <p:stCondLst>
+                        <p:cond delay="indefinite"/>
+                      </p:stCondLst>
+                      <p:childTnLst>
+                        <p:par>
+                          <p:cTn id="9" fill="hold">
+                            <p:stCondLst>
+                              <p:cond delay="0"/>
+                            </p:stCondLst>
+                            <p:childTnLst>
+                              <p:par>
+                                <p:cTn id="10" presetID="2" presetClass="entr" presetSubtype="4" fill="hold" nodeType="clickEffect">
+                                  <p:stCondLst>
+                                    <p:cond delay="0"/>
+                                  </p:stCondLst>
+                                  <p:childTnLst>
+                                    <p:set>
+                                      <p:cBhvr>
+                                        <p:cTn id="11" dur="1" fill="hold">
+                                          <p:stCondLst>
+                                            <p:cond delay="0"/>
+                                          </p:stCondLst>
+                                        </p:cTn>
+                                        <p:tgtEl>
+                                          <p:spTgt spid="3074"/>
+                                        </p:tgtEl>
+                                        <p:attrNameLst>
+                                          <p:attrName>style.visibility</p:attrName>
+                                        </p:attrNameLst>
+                                      </p:cBhvr>
+                                      <p:to>
+                                        <p:strVal val="visible"/>
+                                      </p:to>
+                                    </p:set>
+                                    <p:anim calcmode="lin" valueType="num">
+                                      <p:cBhvr additive="base">
+                                        <p:cTn id="12" dur="500" fill="hold"/>
+                                        <p:tgtEl>
+                                          <p:spTgt spid="3074"/>
+                                        </p:tgtEl>
+                                        <p:attrNameLst>
+                                          <p:attrName>ppt_x</p:attrName>
+                                        </p:attrNameLst>
+                                      </p:cBhvr>
+                                      <p:tavLst>
+                                        <p:tav tm="0">
+                                          <p:val>
+                                            <p:strVal val="#ppt_x"/>
+                                          </p:val>
+                                        </p:tav>
+                                        <p:tav tm="100000">
+                                          <p:val>
+                                            <p:strVal val="#ppt_x"/>
+                                          </p:val>
+                                        </p:tav>
+                                      </p:tavLst>
+                                    </p:anim>
+                                    <p:anim calcmode="lin" valueType="num">
+                                      <p:cBhvr additive="base">
+                                        <p:cTn id="13" dur="500" fill="hold"/>
+                                        <p:tgtEl>
+                                          <p:spTgt spid="3074"/>
+                                        </p:tgtEl>
+                                        <p:attrNameLst>
+                                          <p:attrName>ppt_y</p:attrName>
+                                        </p:attrNameLst>
+                                      </p:cBhvr>
+                                      <p:tavLst>
+                                        <p:tav tm="0">
+                                          <p:val>
+                                            <p:strVal val="1+#ppt_h/2"/>
+                                          </p:val>
+                                        </p:tav>
+                                        <p:tav tm="100000">
+                                          <p:val>
+                                            <p:strVal val="#ppt_y"/>
+                                          </p:val>
+                                        </p:tav>
+                                      </p:tavLst>
+                                    </p:anim>
+                                  </p:childTnLst>
+                                </p:cTn>
+                              </p:par>
+                            </p:childTnLst>
+                          </p:cTn>
+                        </p:par>
+                      </p:childTnLst>
+                    </p:cTn>
+                  </p:par>
+                  <p:par>
+                    <p:cTn id="14" fill="hold">
+                      <p:stCondLst>
+                        <p:cond delay="indefinite"/>
+                      </p:stCondLst>
+                      <p:childTnLst>
+                        <p:par>
+                          <p:cTn id="15" fill="hold">
+                            <p:stCondLst>
+                              <p:cond delay="0"/>
+                            </p:stCondLst>
+                            <p:childTnLst>
+                              <p:par>
+                                <p:cTn id="16" presetID="2" presetClass="entr" presetSubtype="4" fill="hold" grpId="0" nodeType="clickEffect">
+                                  <p:stCondLst>
+                                    <p:cond delay="0"/>
+                                  </p:stCondLst>
+                                  <p:childTnLst>
+                                    <p:set>
+                                      <p:cBhvr>
+                                        <p:cTn id="17" dur="1" fill="hold">
+                                          <p:stCondLst>
+                                            <p:cond delay="0"/>
+                                          </p:stCondLst>
+                                        </p:cTn>
+                                        <p:tgtEl>
+                                          <p:spTgt spid="5">
+                                            <p:txEl>
+                                              <p:pRg st="0" end="0"/>
+                                            </p:txEl>
+                                          </p:spTgt>
+                                        </p:tgtEl>
+                                        <p:attrNameLst>
+                                          <p:attrName>style.visibility</p:attrName>
+                                        </p:attrNameLst>
+                                      </p:cBhvr>
+                                      <p:to>
+                                        <p:strVal val="visible"/>
+                                      </p:to>
+                                    </p:set>
+                                    <p:anim calcmode="lin" valueType="num">
+                                      <p:cBhvr additive="base">
+                                        <p:cTn id="18" dur="500" fill="hold"/>
+                                        <p:tgtEl>
+                                          <p:spTgt spid="5">
+                                            <p:txEl>
+                                              <p:pRg st="0" end="0"/>
+                                            </p:txEl>
+                                          </p:spTgt>
+                                        </p:tgtEl>
+                                        <p:attrNameLst>
+                                          <p:attrName>ppt_x</p:attrName>
+                                        </p:attrNameLst>
+                                      </p:cBhvr>
+                                      <p:tavLst>
+                                        <p:tav tm="0">
+                                          <p:val>
+                                            <p:strVal val="#ppt_x"/>
+                                          </p:val>
+                                        </p:tav>
+                                        <p:tav tm="100000">
+                                          <p:val>
+                                            <p:strVal val="#ppt_x"/>
+                                          </p:val>
+                                        </p:tav>
+                                      </p:tavLst>
+                                    </p:anim>
+                                    <p:anim calcmode="lin" valueType="num">
+                                      <p:cBhvr additive="base">
+                                        <p:cTn id="19" dur="500" fill="hold"/>
+                                        <p:tgtEl>
+                                          <p:spTgt spid="5">
+                                            <p:txEl>
+                                              <p:pRg st="0" end="0"/>
+                                            </p:txEl>
+                                          </p:spTgt>
+                                        </p:tgtEl>
+                                        <p:attrNameLst>
+                                          <p:attrName>ppt_y</p:attrName>
+                                        </p:attrNameLst>
+                                      </p:cBhvr>
+                                      <p:tavLst>
+                                        <p:tav tm="0">
+                                          <p:val>
+                                            <p:strVal val="1+#ppt_h/2"/>
+                                          </p:val>
+                                        </p:tav>
+                                        <p:tav tm="100000">
+                                          <p:val>
+                                            <p:strVal val="#ppt_y"/>
+                                          </p:val>
+                                        </p:tav>
+                                      </p:tavLst>
+                                    </p:anim>
+                                  </p:childTnLst>
+                                </p:cTn>
+                              </p:par>
+                            </p:childTnLst>
+                          </p:cTn>
+                        </p:par>
+                      </p:childTnLst>
+                    </p:cTn>
+                  </p:par>
+                  <p:par>
+                    <p:cTn id="20" fill="hold">
+                      <p:stCondLst>
+                        <p:cond delay="indefinite"/>
+                      </p:stCondLst>
+                      <p:childTnLst>
+                        <p:par>
+                          <p:cTn id="21" fill="hold">
+                            <p:stCondLst>
+                              <p:cond delay="0"/>
+                            </p:stCondLst>
+                            <p:childTnLst>
+                              <p:par>
+                                <p:cTn id="22" presetID="2" presetClass="entr" presetSubtype="4" fill="hold" grpId="0" nodeType="clickEffect">
+                                  <p:stCondLst>
+                                    <p:cond delay="0"/>
+                                  </p:stCondLst>
+                                  <p:childTnLst>
+                                    <p:set>
+                                      <p:cBhvr>
+                                        <p:cTn id="23" dur="1" fill="hold">
+                                          <p:stCondLst>
+                                            <p:cond delay="0"/>
+                                          </p:stCondLst>
+                                        </p:cTn>
+                                        <p:tgtEl>
+                                          <p:spTgt spid="5">
+                                            <p:txEl>
+                                              <p:pRg st="1" end="1"/>
+                                            </p:txEl>
+                                          </p:spTgt>
+                                        </p:tgtEl>
+                                        <p:attrNameLst>
+                                          <p:attrName>style.visibility</p:attrName>
+                                        </p:attrNameLst>
+                                      </p:cBhvr>
+                                      <p:to>
+                                        <p:strVal val="visible"/>
+                                      </p:to>
+                                    </p:set>
+                                    <p:anim calcmode="lin" valueType="num">
+                                      <p:cBhvr additive="base">
+                                        <p:cTn id="24" dur="500" fill="hold"/>
+                                        <p:tgtEl>
+                                          <p:spTgt spid="5">
+                                            <p:txEl>
+                                              <p:pRg st="1" end="1"/>
+                                            </p:txEl>
+                                          </p:spTgt>
+                                        </p:tgtEl>
+                                        <p:attrNameLst>
+                                          <p:attrName>ppt_x</p:attrName>
+                                        </p:attrNameLst>
+                                      </p:cBhvr>
+                                      <p:tavLst>
+                                        <p:tav tm="0">
+                                          <p:val>
+                                            <p:strVal val="#ppt_x"/>
+                                          </p:val>
+                                        </p:tav>
+                                        <p:tav tm="100000">
+                                          <p:val>
+                                            <p:strVal val="#ppt_x"/>
+                                          </p:val>
+                                        </p:tav>
+                                      </p:tavLst>
+                                    </p:anim>
+                                    <p:anim calcmode="lin" valueType="num">
+                                      <p:cBhvr additive="base">
+                                        <p:cTn id="25" dur="500" fill="hold"/>
+                                        <p:tgtEl>
+                                          <p:spTgt spid="5">
+                                            <p:txEl>
+                                              <p:pRg st="1" end="1"/>
+                                            </p:txEl>
+                                          </p:spTgt>
+                                        </p:tgtEl>
+                                        <p:attrNameLst>
+                                          <p:attrName>ppt_y</p:attrName>
+                                        </p:attrNameLst>
+                                      </p:cBhvr>
+                                      <p:tavLst>
+                                        <p:tav tm="0">
+                                          <p:val>
+                                            <p:strVal val="1+#ppt_h/2"/>
+                                          </p:val>
+                                        </p:tav>
+                                        <p:tav tm="100000">
+                                          <p:val>
+                                            <p:strVal val="#ppt_y"/>
+                                          </p:val>
+                                        </p:tav>
+                                      </p:tavLst>
+                                    </p:anim>
+                                  </p:childTnLst>
+                                </p:cTn>
+                              </p:par>
+                            </p:childTnLst>
+                          </p:cTn>
+                        </p:par>
+                      </p:childTnLst>
+                    </p:cTn>
+                  </p:par>
+                </p:childTnLst>
+              </p:cTn>
+              <p:prevCondLst>
+                <p:cond evt="onPrev" delay="0">
+                  <p:tgtEl>
+                    <p:sldTgt/>
+                  </p:tgtEl>
+                </p:cond>
+              </p:prevCondLst>
+              <p:nextCondLst>
+                <p:cond evt="onNext" delay="0">
+                  <p:tgtEl>
+                    <p:sldTgt/>
+                  </p:tgtEl>
+                </p:cond>
+              </p:nextCondLst>
+            </p:seq>
+          </p:childTnLst>
+        </p:cTn>
+      </p:par>
+    </p:tnLst>
+    <p:bldLst>
+      <p:bldP spid="4" grpId="0" animBg="1"/>
+      <p:bldP spid="5" grpId="0" build="p"/>
+    </p:bldLst>
+  </p:timing>
+</p:sld>
+</file>
+
+<file path=ppt/slides/slide7.xml><?xml version="1.0" encoding="utf-8"?>
+<p:sld xmlns:a="http://schemas.openxmlformats.org/drawingml/2006/main" xmlns:r="http://schemas.openxmlformats.org/officeDocument/2006/relationships" xmlns:p="http://schemas.openxmlformats.org/presentationml/2006/main">
+  <p:cSld>
+    <p:spTree>
+      <p:nvGrpSpPr>
+        <p:cNvPr id="1" name=""/>
+        <p:cNvGrpSpPr/>
+        <p:nvPr/>
+      </p:nvGrpSpPr>
+      <p:grpSpPr>
+        <a:xfrm>
+          <a:off x="0" y="0"/>
+          <a:ext cx="0" cy="0"/>
+          <a:chOff x="0" y="0"/>
+          <a:chExt cx="0" cy="0"/>
+        </a:xfrm>
+      </p:grpSpPr>
+      <p:sp>
+        <p:nvSpPr>
+          <p:cNvPr id="2" name="1 Título"/>
+          <p:cNvSpPr>
+            <a:spLocks noGrp="1"/>
+          </p:cNvSpPr>
+          <p:nvPr>
+            <p:ph type="title"/>
+          </p:nvPr>
+        </p:nvSpPr>
+        <p:spPr>
+          <a:xfrm>
+            <a:off x="0" y="1522475"/>
+            <a:ext cx="9144000" cy="532180"/>
+          </a:xfrm>
+        </p:spPr>
+        <p:txBody>
+          <a:bodyPr>
+            <a:normAutofit fontScale="90000"/>
+          </a:bodyPr>
+          <a:lstStyle/>
+          <a:p>
+            <a:r>
+              <a:rPr lang="es-PE" dirty="0" smtClean="0"/>
+              <a:t>Menú principal del juego</a:t>
+            </a:r>
+            <a:endParaRPr lang="es-PE" dirty="0"/>
+          </a:p>
+        </p:txBody>
+      </p:sp>
+      <p:sp>
+        <p:nvSpPr>
+          <p:cNvPr id="5" name="4 Marcador de texto"/>
+          <p:cNvSpPr>
+            <a:spLocks noGrp="1"/>
+          </p:cNvSpPr>
+          <p:nvPr>
+            <p:ph type="body" sz="quarter" idx="3"/>
+          </p:nvPr>
+        </p:nvSpPr>
+        <p:spPr>
+          <a:xfrm>
+            <a:off x="6251755" y="2207359"/>
+            <a:ext cx="2892245" cy="3512216"/>
+          </a:xfrm>
+        </p:spPr>
+        <p:txBody>
+          <a:bodyPr>
+            <a:normAutofit fontScale="92500"/>
+          </a:bodyPr>
+          <a:lstStyle/>
+          <a:p>
+            <a:r>
+              <a:rPr lang="es-PE" dirty="0" smtClean="0"/>
+              <a:t>Donde existen los link ver controles e iniciar juego lo cual cada uno de ellos nos direcciona a una nueva pagina  y luego tenemos un pequeño reproductor de audio para el fondo de la pagina </a:t>
+            </a:r>
+            <a:endParaRPr lang="es-PE" dirty="0"/>
+          </a:p>
+        </p:txBody>
+      </p:sp>
+      <p:pic>
+        <p:nvPicPr>
+          <p:cNvPr id="2050" name="Picture 2"/>
+          <p:cNvPicPr>
+            <a:picLocks noChangeAspect="1" noChangeArrowheads="1"/>
+          </p:cNvPicPr>
+          <p:nvPr/>
+        </p:nvPicPr>
+        <p:blipFill>
+          <a:blip r:embed="rId2">
+            <a:extLst>
+              <a:ext uri="{28A0092B-C50C-407E-A947-70E740481C1C}">
+                <a14:useLocalDpi xmlns:a14="http://schemas.microsoft.com/office/drawing/2010/main" val="0"/>
+              </a:ext>
+            </a:extLst>
+          </a:blip>
+          <a:srcRect/>
+          <a:stretch>
+            <a:fillRect/>
+          </a:stretch>
+        </p:blipFill>
+        <p:spPr bwMode="auto">
+          <a:xfrm>
+            <a:off x="143555" y="2408966"/>
+            <a:ext cx="6108200" cy="4310014"/>
+          </a:xfrm>
+          <a:prstGeom prst="rect">
+            <a:avLst/>
+          </a:prstGeom>
+          <a:noFill/>
+          <a:ln>
+            <a:noFill/>
+          </a:ln>
+          <a:effectLst/>
+          <a:extLst>
+            <a:ext uri="{909E8E84-426E-40DD-AFC4-6F175D3DCCD1}">
+              <a14:hiddenFill xmlns:a14="http://schemas.microsoft.com/office/drawing/2010/main">
+                <a:solidFill>
+                  <a:schemeClr val="accent1"/>
+                </a:solidFill>
+              </a14:hiddenFill>
+            </a:ext>
+            <a:ext uri="{91240B29-F687-4F45-9708-019B960494DF}">
+              <a14:hiddenLine xmlns:a14="http://schemas.microsoft.com/office/drawing/2010/main" w="9525">
+                <a:solidFill>
+                  <a:schemeClr val="tx1"/>
+                </a:solidFill>
+                <a:miter lim="800000"/>
+                <a:headEnd/>
+                <a:tailEnd/>
+              </a14:hiddenLine>
+            </a:ext>
+            <a:ext uri="{AF507438-7753-43E0-B8FC-AC1667EBCBE1}">
+              <a14:hiddenEffects xmlns:a14="http://schemas.microsoft.com/office/drawing/2010/main">
+                <a:effectLst>
+                  <a:outerShdw dist="35921" dir="2700000" algn="ctr" rotWithShape="0">
+                    <a:schemeClr val="bg2"/>
+                  </a:outerShdw>
+                </a:effectLst>
+              </a14:hiddenEffects>
+            </a:ext>
+          </a:extLst>
+        </p:spPr>
+      </p:pic>
+    </p:spTree>
+    <p:extLst>
+      <p:ext uri="{BB962C8B-B14F-4D97-AF65-F5344CB8AC3E}">
+        <p14:creationId xmlns:p14="http://schemas.microsoft.com/office/powerpoint/2010/main" val="1906638463"/>
+      </p:ext>
+    </p:extLst>
+  </p:cSld>
+  <p:clrMapOvr>
+    <a:masterClrMapping/>
+  </p:clrMapOvr>
+  <p:timing>
+    <p:tnLst>
+      <p:par>
+        <p:cTn id="1" dur="indefinite" restart="never" nodeType="tmRoot">
+          <p:childTnLst>
+            <p:seq concurrent="1" nextAc="seek">
+              <p:cTn id="2" dur="indefinite" nodeType="mainSeq">
+                <p:childTnLst>
+                  <p:par>
+                    <p:cTn id="3" fill="hold">
+                      <p:stCondLst>
+                        <p:cond delay="indefinite"/>
+                      </p:stCondLst>
+                      <p:childTnLst>
+                        <p:par>
+                          <p:cTn id="4" fill="hold">
+                            <p:stCondLst>
+                              <p:cond delay="0"/>
+                            </p:stCondLst>
+                            <p:childTnLst>
+                              <p:par>
+                                <p:cTn id="5" presetID="6" presetClass="entr" presetSubtype="16" fill="hold" grpId="0" nodeType="clickEffect">
+                                  <p:stCondLst>
+                                    <p:cond delay="0"/>
+                                  </p:stCondLst>
+                                  <p:childTnLst>
+                                    <p:set>
+                                      <p:cBhvr>
+                                        <p:cTn id="6" dur="1" fill="hold">
+                                          <p:stCondLst>
+                                            <p:cond delay="0"/>
+                                          </p:stCondLst>
+                                        </p:cTn>
+                                        <p:tgtEl>
+                                          <p:spTgt spid="2"/>
+                                        </p:tgtEl>
+                                        <p:attrNameLst>
+                                          <p:attrName>style.visibility</p:attrName>
+                                        </p:attrNameLst>
+                                      </p:cBhvr>
+                                      <p:to>
+                                        <p:strVal val="visible"/>
+                                      </p:to>
+                                    </p:set>
+                                    <p:animEffect transition="in" filter="circle(in)">
+                                      <p:cBhvr>
+                                        <p:cTn id="7" dur="2000"/>
+                                        <p:tgtEl>
+                                          <p:spTgt spid="2"/>
+                                        </p:tgtEl>
+                                      </p:cBhvr>
+                                    </p:animEffect>
+                                  </p:childTnLst>
+                                </p:cTn>
+                              </p:par>
+                            </p:childTnLst>
+                          </p:cTn>
+                        </p:par>
+                      </p:childTnLst>
+                    </p:cTn>
+                  </p:par>
+                  <p:par>
+                    <p:cTn id="8" fill="hold">
+                      <p:stCondLst>
+                        <p:cond delay="indefinite"/>
+                      </p:stCondLst>
+                      <p:childTnLst>
+                        <p:par>
+                          <p:cTn id="9" fill="hold">
+                            <p:stCondLst>
+                              <p:cond delay="0"/>
+                            </p:stCondLst>
+                            <p:childTnLst>
+                              <p:par>
+                                <p:cTn id="10" presetID="16" presetClass="entr" presetSubtype="21" fill="hold" nodeType="clickEffect">
+                                  <p:stCondLst>
+                                    <p:cond delay="0"/>
+                                  </p:stCondLst>
+                                  <p:childTnLst>
+                                    <p:set>
+                                      <p:cBhvr>
+                                        <p:cTn id="11" dur="1" fill="hold">
+                                          <p:stCondLst>
+                                            <p:cond delay="0"/>
+                                          </p:stCondLst>
+                                        </p:cTn>
+                                        <p:tgtEl>
+                                          <p:spTgt spid="2050"/>
+                                        </p:tgtEl>
+                                        <p:attrNameLst>
+                                          <p:attrName>style.visibility</p:attrName>
+                                        </p:attrNameLst>
+                                      </p:cBhvr>
+                                      <p:to>
+                                        <p:strVal val="visible"/>
+                                      </p:to>
+                                    </p:set>
+                                    <p:animEffect transition="in" filter="barn(inVertical)">
+                                      <p:cBhvr>
+                                        <p:cTn id="12" dur="500"/>
+                                        <p:tgtEl>
+                                          <p:spTgt spid="2050"/>
+                                        </p:tgtEl>
+                                      </p:cBhvr>
+                                    </p:animEffect>
+                                  </p:childTnLst>
+                                </p:cTn>
+                              </p:par>
+                            </p:childTnLst>
+                          </p:cTn>
+                        </p:par>
+                      </p:childTnLst>
+                    </p:cTn>
+                  </p:par>
+                  <p:par>
+                    <p:cTn id="13" fill="hold">
+                      <p:stCondLst>
+                        <p:cond delay="indefinite"/>
+                      </p:stCondLst>
+                      <p:childTnLst>
+                        <p:par>
+                          <p:cTn id="14" fill="hold">
+                            <p:stCondLst>
+                              <p:cond delay="0"/>
+                            </p:stCondLst>
+                            <p:childTnLst>
+                              <p:par>
+                                <p:cTn id="15" presetID="6" presetClass="entr" presetSubtype="16" fill="hold" grpId="0" nodeType="clickEffect">
+                                  <p:stCondLst>
+                                    <p:cond delay="0"/>
+                                  </p:stCondLst>
+                                  <p:childTnLst>
+                                    <p:set>
+                                      <p:cBhvr>
+                                        <p:cTn id="16" dur="1" fill="hold">
+                                          <p:stCondLst>
+                                            <p:cond delay="0"/>
+                                          </p:stCondLst>
+                                        </p:cTn>
+                                        <p:tgtEl>
+                                          <p:spTgt spid="5">
+                                            <p:txEl>
+                                              <p:pRg st="0" end="0"/>
+                                            </p:txEl>
+                                          </p:spTgt>
+                                        </p:tgtEl>
+                                        <p:attrNameLst>
+                                          <p:attrName>style.visibility</p:attrName>
+                                        </p:attrNameLst>
+                                      </p:cBhvr>
+                                      <p:to>
+                                        <p:strVal val="visible"/>
+                                      </p:to>
+                                    </p:set>
+                                    <p:animEffect transition="in" filter="circle(in)">
+                                      <p:cBhvr>
+                                        <p:cTn id="17" dur="2000"/>
+                                        <p:tgtEl>
+                                          <p:spTgt spid="5">
+                                            <p:txEl>
+                                              <p:pRg st="0" end="0"/>
+                                            </p:txEl>
+                                          </p:spTgt>
+                                        </p:tgtEl>
+                                      </p:cBhvr>
+                                    </p:animEffect>
+                                  </p:childTnLst>
+                                </p:cTn>
+                              </p:par>
+                            </p:childTnLst>
+                          </p:cTn>
+                        </p:par>
+                      </p:childTnLst>
+                    </p:cTn>
+                  </p:par>
+                </p:childTnLst>
+              </p:cTn>
+              <p:prevCondLst>
+                <p:cond evt="onPrev" delay="0">
+                  <p:tgtEl>
+                    <p:sldTgt/>
+                  </p:tgtEl>
+                </p:cond>
+              </p:prevCondLst>
+              <p:nextCondLst>
+                <p:cond evt="onNext" delay="0">
+                  <p:tgtEl>
+                    <p:sldTgt/>
+                  </p:tgtEl>
+                </p:cond>
+              </p:nextCondLst>
+            </p:seq>
+          </p:childTnLst>
+        </p:cTn>
+      </p:par>
+    </p:tnLst>
+    <p:bldLst>
+      <p:bldP spid="2" grpId="0" animBg="1"/>
+      <p:bldP spid="5" grpId="0" build="p"/>
+    </p:bldLst>
+  </p:timing>
+</p:sld>
+</file>
+
+<file path=ppt/slides/slide8.xml><?xml version="1.0" encoding="utf-8"?>
+<p:sld xmlns:a="http://schemas.openxmlformats.org/drawingml/2006/main" xmlns:r="http://schemas.openxmlformats.org/officeDocument/2006/relationships" xmlns:p="http://schemas.openxmlformats.org/presentationml/2006/main">
+  <p:cSld>
+    <p:spTree>
+      <p:nvGrpSpPr>
+        <p:cNvPr id="1" name=""/>
+        <p:cNvGrpSpPr/>
+        <p:nvPr/>
+      </p:nvGrpSpPr>
+      <p:grpSpPr>
+        <a:xfrm>
+          <a:off x="0" y="0"/>
+          <a:ext cx="0" cy="0"/>
+          <a:chOff x="0" y="0"/>
+          <a:chExt cx="0" cy="0"/>
+        </a:xfrm>
+      </p:grpSpPr>
+      <p:sp>
+        <p:nvSpPr>
+          <p:cNvPr id="4" name="Title 3"/>
+          <p:cNvSpPr>
+            <a:spLocks noGrp="1"/>
+          </p:cNvSpPr>
+          <p:nvPr>
+            <p:ph type="title"/>
+          </p:nvPr>
+        </p:nvSpPr>
+        <p:spPr>
+          <a:xfrm>
+            <a:off x="601670" y="1596540"/>
+            <a:ext cx="6558080" cy="458116"/>
+          </a:xfrm>
+          <a:solidFill>
+            <a:srgbClr val="7ABC32"/>
+          </a:solidFill>
+        </p:spPr>
+        <p:txBody>
+          <a:bodyPr>
+            <a:normAutofit fontScale="90000"/>
+          </a:bodyPr>
+          <a:lstStyle/>
+          <a:p>
+            <a:r>
+              <a:rPr lang="es-PE" dirty="0"/>
+              <a:t>Iniciar juego</a:t>
+            </a:r>
+          </a:p>
+        </p:txBody>
+      </p:sp>
+      <p:sp>
+        <p:nvSpPr>
+          <p:cNvPr id="5" name="Content Placeholder 4"/>
+          <p:cNvSpPr>
+            <a:spLocks noGrp="1"/>
+          </p:cNvSpPr>
+          <p:nvPr>
+            <p:ph idx="1"/>
+          </p:nvPr>
+        </p:nvSpPr>
+        <p:spPr>
+          <a:xfrm>
+            <a:off x="1365195" y="2207360"/>
+            <a:ext cx="6558080" cy="3817625"/>
+          </a:xfrm>
+        </p:spPr>
+        <p:txBody>
+          <a:bodyPr/>
+          <a:lstStyle/>
+          <a:p>
+            <a:pPr marL="0" indent="0">
+              <a:buNone/>
+            </a:pPr>
+            <a:r>
+              <a:rPr lang="es-PE" dirty="0" smtClean="0">
+                <a:solidFill>
+                  <a:srgbClr val="002060"/>
+                </a:solidFill>
+              </a:rPr>
+              <a:t>Esta pagina nos permite jugar el juego lo cual contien</a:t>
+            </a:r>
+            <a:r>
+              <a:rPr lang="es-PE" dirty="0" smtClean="0"/>
+              <a:t>e los puntajes y unos reproductores de música lo cual el jugador puede elegir cualquiera delas músicas,</a:t>
+            </a:r>
+          </a:p>
+          <a:p>
+            <a:pPr marL="0" indent="0">
+              <a:buNone/>
+            </a:pPr>
+            <a:r>
+              <a:rPr lang="es-PE" dirty="0" smtClean="0">
+                <a:solidFill>
+                  <a:srgbClr val="002060"/>
+                </a:solidFill>
+              </a:rPr>
+              <a:t>Caso contrario puede jugar haciendo  pausa ala música</a:t>
+            </a:r>
+            <a:endParaRPr lang="es-PE" dirty="0" smtClean="0">
+              <a:solidFill>
+                <a:srgbClr val="002060"/>
+              </a:solidFill>
+            </a:endParaRPr>
+          </a:p>
+        </p:txBody>
+      </p:sp>
+    </p:spTree>
+    <p:extLst>
+      <p:ext uri="{BB962C8B-B14F-4D97-AF65-F5344CB8AC3E}">
+        <p14:creationId xmlns:p14="http://schemas.microsoft.com/office/powerpoint/2010/main" val="2953892594"/>
+      </p:ext>
+    </p:extLst>
+  </p:cSld>
+  <p:clrMapOvr>
+    <a:masterClrMapping/>
+  </p:clrMapOvr>
+  <p:timing>
+    <p:tnLst>
+      <p:par>
+        <p:cTn id="1" dur="indefinite" restart="never" nodeType="tmRoot">
+          <p:childTnLst>
+            <p:seq concurrent="1" nextAc="seek">
+              <p:cTn id="2" dur="indefinite" nodeType="mainSeq">
+                <p:childTnLst>
+                  <p:par>
+                    <p:cTn id="3" fill="hold">
+                      <p:stCondLst>
+                        <p:cond delay="indefinite"/>
+                      </p:stCondLst>
+                      <p:childTnLst>
+                        <p:par>
+                          <p:cTn id="4" fill="hold">
+                            <p:stCondLst>
+                              <p:cond delay="0"/>
+                            </p:stCondLst>
+                            <p:childTnLst>
+                              <p:par>
+                                <p:cTn id="5" presetID="16" presetClass="entr" presetSubtype="21" fill="hold" grpId="0" nodeType="clickEffect">
+                                  <p:stCondLst>
+                                    <p:cond delay="0"/>
+                                  </p:stCondLst>
+                                  <p:childTnLst>
+                                    <p:set>
+                                      <p:cBhvr>
+                                        <p:cTn id="6" dur="1" fill="hold">
+                                          <p:stCondLst>
+                                            <p:cond delay="0"/>
+                                          </p:stCondLst>
+                                        </p:cTn>
+                                        <p:tgtEl>
+                                          <p:spTgt spid="4"/>
+                                        </p:tgtEl>
+                                        <p:attrNameLst>
+                                          <p:attrName>style.visibility</p:attrName>
+                                        </p:attrNameLst>
+                                      </p:cBhvr>
+                                      <p:to>
+                                        <p:strVal val="visible"/>
+                                      </p:to>
+                                    </p:set>
+                                    <p:animEffect transition="in" filter="barn(inVertical)">
+                                      <p:cBhvr>
+                                        <p:cTn id="7" dur="500"/>
+                                        <p:tgtEl>
+                                          <p:spTgt spid="4"/>
+                                        </p:tgtEl>
+                                      </p:cBhvr>
+                                    </p:animEffect>
+                                  </p:childTnLst>
+                                </p:cTn>
+                              </p:par>
+                            </p:childTnLst>
+                          </p:cTn>
+                        </p:par>
+                      </p:childTnLst>
+                    </p:cTn>
+                  </p:par>
+                  <p:par>
+                    <p:cTn id="8" fill="hold">
+                      <p:stCondLst>
+                        <p:cond delay="indefinite"/>
+                      </p:stCondLst>
+                      <p:childTnLst>
+                        <p:par>
+                          <p:cTn id="9" fill="hold">
+                            <p:stCondLst>
+                              <p:cond delay="0"/>
+                            </p:stCondLst>
+                            <p:childTnLst>
+                              <p:par>
+                                <p:cTn id="10" presetID="45" presetClass="entr" presetSubtype="0" fill="hold" grpId="0" nodeType="clickEffect">
+                                  <p:stCondLst>
+                                    <p:cond delay="0"/>
+                                  </p:stCondLst>
+                                  <p:childTnLst>
+                                    <p:set>
+                                      <p:cBhvr>
+                                        <p:cTn id="11" dur="1" fill="hold">
+                                          <p:stCondLst>
+                                            <p:cond delay="0"/>
+                                          </p:stCondLst>
+                                        </p:cTn>
+                                        <p:tgtEl>
+                                          <p:spTgt spid="5">
+                                            <p:txEl>
+                                              <p:pRg st="0" end="0"/>
+                                            </p:txEl>
+                                          </p:spTgt>
+                                        </p:tgtEl>
+                                        <p:attrNameLst>
+                                          <p:attrName>style.visibility</p:attrName>
+                                        </p:attrNameLst>
+                                      </p:cBhvr>
+                                      <p:to>
+                                        <p:strVal val="visible"/>
+                                      </p:to>
+                                    </p:set>
+                                    <p:animEffect transition="in" filter="fade">
+                                      <p:cBhvr>
+                                        <p:cTn id="12" dur="2000"/>
+                                        <p:tgtEl>
+                                          <p:spTgt spid="5">
+                                            <p:txEl>
+                                              <p:pRg st="0" end="0"/>
+                                            </p:txEl>
+                                          </p:spTgt>
+                                        </p:tgtEl>
+                                      </p:cBhvr>
+                                    </p:animEffect>
+                                    <p:anim calcmode="lin" valueType="num">
+                                      <p:cBhvr>
+                                        <p:cTn id="13" dur="2000" fill="hold"/>
+                                        <p:tgtEl>
+                                          <p:spTgt spid="5">
+                                            <p:txEl>
+                                              <p:pRg st="0" end="0"/>
+                                            </p:txEl>
+                                          </p:spTgt>
+                                        </p:tgtEl>
+                                        <p:attrNameLst>
+                                          <p:attrName>ppt_w</p:attrName>
+                                        </p:attrNameLst>
+                                      </p:cBhvr>
+                                      <p:tavLst>
+                                        <p:tav tm="0" fmla="#ppt_w*sin(2.5*pi*$)">
+                                          <p:val>
+                                            <p:fltVal val="0"/>
+                                          </p:val>
+                                        </p:tav>
+                                        <p:tav tm="100000">
+                                          <p:val>
+                                            <p:fltVal val="1"/>
+                                          </p:val>
+                                        </p:tav>
+                                      </p:tavLst>
+                                    </p:anim>
+                                    <p:anim calcmode="lin" valueType="num">
+                                      <p:cBhvr>
+                                        <p:cTn id="14" dur="2000" fill="hold"/>
+                                        <p:tgtEl>
+                                          <p:spTgt spid="5">
+                                            <p:txEl>
+                                              <p:pRg st="0" end="0"/>
+                                            </p:txEl>
+                                          </p:spTgt>
+                                        </p:tgtEl>
+                                        <p:attrNameLst>
+                                          <p:attrName>ppt_h</p:attrName>
+                                        </p:attrNameLst>
+                                      </p:cBhvr>
+                                      <p:tavLst>
+                                        <p:tav tm="0">
+                                          <p:val>
+                                            <p:strVal val="#ppt_h"/>
+                                          </p:val>
+                                        </p:tav>
+                                        <p:tav tm="100000">
+                                          <p:val>
+                                            <p:strVal val="#ppt_h"/>
+                                          </p:val>
+                                        </p:tav>
+                                      </p:tavLst>
+                                    </p:anim>
+                                  </p:childTnLst>
+                                </p:cTn>
+                              </p:par>
+                            </p:childTnLst>
+                          </p:cTn>
+                        </p:par>
+                      </p:childTnLst>
+                    </p:cTn>
+                  </p:par>
+                  <p:par>
+                    <p:cTn id="15" fill="hold">
+                      <p:stCondLst>
+                        <p:cond delay="indefinite"/>
+                      </p:stCondLst>
+                      <p:childTnLst>
+                        <p:par>
+                          <p:cTn id="16" fill="hold">
+                            <p:stCondLst>
+                              <p:cond delay="0"/>
+                            </p:stCondLst>
+                            <p:childTnLst>
+                              <p:par>
+                                <p:cTn id="17" presetID="45" presetClass="entr" presetSubtype="0" fill="hold" grpId="0" nodeType="clickEffect">
+                                  <p:stCondLst>
+                                    <p:cond delay="0"/>
+                                  </p:stCondLst>
+                                  <p:childTnLst>
+                                    <p:set>
+                                      <p:cBhvr>
+                                        <p:cTn id="18" dur="1" fill="hold">
+                                          <p:stCondLst>
+                                            <p:cond delay="0"/>
+                                          </p:stCondLst>
+                                        </p:cTn>
+                                        <p:tgtEl>
+                                          <p:spTgt spid="5">
+                                            <p:txEl>
+                                              <p:pRg st="1" end="1"/>
+                                            </p:txEl>
+                                          </p:spTgt>
+                                        </p:tgtEl>
+                                        <p:attrNameLst>
+                                          <p:attrName>style.visibility</p:attrName>
+                                        </p:attrNameLst>
+                                      </p:cBhvr>
+                                      <p:to>
+                                        <p:strVal val="visible"/>
+                                      </p:to>
+                                    </p:set>
+                                    <p:animEffect transition="in" filter="fade">
+                                      <p:cBhvr>
+                                        <p:cTn id="19" dur="2000"/>
+                                        <p:tgtEl>
+                                          <p:spTgt spid="5">
+                                            <p:txEl>
+                                              <p:pRg st="1" end="1"/>
+                                            </p:txEl>
+                                          </p:spTgt>
+                                        </p:tgtEl>
+                                      </p:cBhvr>
+                                    </p:animEffect>
+                                    <p:anim calcmode="lin" valueType="num">
+                                      <p:cBhvr>
+                                        <p:cTn id="20" dur="2000" fill="hold"/>
+                                        <p:tgtEl>
+                                          <p:spTgt spid="5">
+                                            <p:txEl>
+                                              <p:pRg st="1" end="1"/>
+                                            </p:txEl>
+                                          </p:spTgt>
+                                        </p:tgtEl>
+                                        <p:attrNameLst>
+                                          <p:attrName>ppt_w</p:attrName>
+                                        </p:attrNameLst>
+                                      </p:cBhvr>
+                                      <p:tavLst>
+                                        <p:tav tm="0" fmla="#ppt_w*sin(2.5*pi*$)">
+                                          <p:val>
+                                            <p:fltVal val="0"/>
+                                          </p:val>
+                                        </p:tav>
+                                        <p:tav tm="100000">
+                                          <p:val>
+                                            <p:fltVal val="1"/>
+                                          </p:val>
+                                        </p:tav>
+                                      </p:tavLst>
+                                    </p:anim>
+                                    <p:anim calcmode="lin" valueType="num">
+                                      <p:cBhvr>
+                                        <p:cTn id="21" dur="2000" fill="hold"/>
+                                        <p:tgtEl>
+                                          <p:spTgt spid="5">
+                                            <p:txEl>
+                                              <p:pRg st="1" end="1"/>
+                                            </p:txEl>
+                                          </p:spTgt>
+                                        </p:tgtEl>
+                                        <p:attrNameLst>
+                                          <p:attrName>ppt_h</p:attrName>
+                                        </p:attrNameLst>
+                                      </p:cBhvr>
+                                      <p:tavLst>
+                                        <p:tav tm="0">
+                                          <p:val>
+                                            <p:strVal val="#ppt_h"/>
+                                          </p:val>
+                                        </p:tav>
+                                        <p:tav tm="100000">
+                                          <p:val>
+                                            <p:strVal val="#ppt_h"/>
+                                          </p:val>
+                                        </p:tav>
+                                      </p:tavLst>
+                                    </p:anim>
+                                  </p:childTnLst>
+                                </p:cTn>
+                              </p:par>
+                            </p:childTnLst>
+                          </p:cTn>
+                        </p:par>
+                      </p:childTnLst>
+                    </p:cTn>
+                  </p:par>
+                </p:childTnLst>
+              </p:cTn>
+              <p:prevCondLst>
+                <p:cond evt="onPrev" delay="0">
+                  <p:tgtEl>
+                    <p:sldTgt/>
+                  </p:tgtEl>
+                </p:cond>
+              </p:prevCondLst>
+              <p:nextCondLst>
+                <p:cond evt="onNext" delay="0">
+                  <p:tgtEl>
+                    <p:sldTgt/>
+                  </p:tgtEl>
+                </p:cond>
+              </p:nextCondLst>
+            </p:seq>
+          </p:childTnLst>
+        </p:cTn>
+      </p:par>
+    </p:tnLst>
+    <p:bldLst>
+      <p:bldP spid="4" grpId="0" animBg="1"/>
+      <p:bldP spid="5" grpId="0" build="p"/>
+    </p:bldLst>
+  </p:timing>
+</p:sld>
+</file>
+
+<file path=ppt/slides/slide9.xml><?xml version="1.0" encoding="utf-8"?>
+<p:sld xmlns:a="http://schemas.openxmlformats.org/drawingml/2006/main" xmlns:r="http://schemas.openxmlformats.org/officeDocument/2006/relationships" xmlns:p="http://schemas.openxmlformats.org/presentationml/2006/main">
+  <p:cSld>
+    <p:spTree>
+      <p:nvGrpSpPr>
+        <p:cNvPr id="1" name=""/>
+        <p:cNvGrpSpPr/>
+        <p:nvPr/>
+      </p:nvGrpSpPr>
+      <p:grpSpPr>
+        <a:xfrm>
+          <a:off x="0" y="0"/>
+          <a:ext cx="0" cy="0"/>
+          <a:chOff x="0" y="0"/>
+          <a:chExt cx="0" cy="0"/>
+        </a:xfrm>
+      </p:grpSpPr>
+      <p:sp>
+        <p:nvSpPr>
+          <p:cNvPr id="2" name="1 Título"/>
+          <p:cNvSpPr>
+            <a:spLocks noGrp="1"/>
+          </p:cNvSpPr>
+          <p:nvPr>
+            <p:ph type="title"/>
+          </p:nvPr>
+        </p:nvSpPr>
+        <p:spPr>
+          <a:xfrm>
+            <a:off x="296260" y="1596540"/>
+            <a:ext cx="6558080" cy="610820"/>
+          </a:xfrm>
+        </p:spPr>
+        <p:txBody>
+          <a:bodyPr>
+            <a:normAutofit fontScale="90000"/>
+          </a:bodyPr>
+          <a:lstStyle/>
+          <a:p>
+            <a:r>
+              <a:rPr lang="es-PE" dirty="0" smtClean="0"/>
+              <a:t>Menú del juego de naves</a:t>
+            </a:r>
+            <a:endParaRPr lang="es-PE" dirty="0"/>
+          </a:p>
+        </p:txBody>
+      </p:sp>
+      <p:pic>
+        <p:nvPicPr>
+          <p:cNvPr id="4098" name="Picture 2"/>
+          <p:cNvPicPr>
+            <a:picLocks noChangeAspect="1" noChangeArrowheads="1"/>
+          </p:cNvPicPr>
+          <p:nvPr/>
+        </p:nvPicPr>
+        <p:blipFill>
+          <a:blip r:embed="rId2">
+            <a:extLst>
+              <a:ext uri="{28A0092B-C50C-407E-A947-70E740481C1C}">
+                <a14:useLocalDpi xmlns:a14="http://schemas.microsoft.com/office/drawing/2010/main" val="0"/>
+              </a:ext>
+            </a:extLst>
+          </a:blip>
+          <a:srcRect/>
+          <a:stretch>
+            <a:fillRect/>
+          </a:stretch>
+        </p:blipFill>
+        <p:spPr bwMode="auto">
+          <a:xfrm>
+            <a:off x="754375" y="2207360"/>
+            <a:ext cx="4123035" cy="3970330"/>
+          </a:xfrm>
+          <a:prstGeom prst="rect">
+            <a:avLst/>
+          </a:prstGeom>
+          <a:noFill/>
+          <a:ln>
+            <a:noFill/>
+          </a:ln>
+          <a:effectLst/>
+          <a:extLst>
+            <a:ext uri="{909E8E84-426E-40DD-AFC4-6F175D3DCCD1}">
+              <a14:hiddenFill xmlns:a14="http://schemas.microsoft.com/office/drawing/2010/main">
+                <a:solidFill>
+                  <a:schemeClr val="accent1"/>
+                </a:solidFill>
+              </a14:hiddenFill>
+            </a:ext>
+            <a:ext uri="{91240B29-F687-4F45-9708-019B960494DF}">
+              <a14:hiddenLine xmlns:a14="http://schemas.microsoft.com/office/drawing/2010/main" w="9525">
+                <a:solidFill>
+                  <a:schemeClr val="tx1"/>
+                </a:solidFill>
+                <a:miter lim="800000"/>
+                <a:headEnd/>
+                <a:tailEnd/>
+              </a14:hiddenLine>
+            </a:ext>
+            <a:ext uri="{AF507438-7753-43E0-B8FC-AC1667EBCBE1}">
+              <a14:hiddenEffects xmlns:a14="http://schemas.microsoft.com/office/drawing/2010/main">
+                <a:effectLst>
+                  <a:outerShdw dist="35921" dir="2700000" algn="ctr" rotWithShape="0">
+                    <a:schemeClr val="bg2"/>
+                  </a:outerShdw>
+                </a:effectLst>
+              </a14:hiddenEffects>
+            </a:ext>
+          </a:extLst>
+        </p:spPr>
+      </p:pic>
+      <p:sp>
+        <p:nvSpPr>
+          <p:cNvPr id="4" name="3 Flecha izquierda"/>
+          <p:cNvSpPr/>
+          <p:nvPr/>
+        </p:nvSpPr>
+        <p:spPr>
+          <a:xfrm rot="1633587" flipV="1">
+            <a:off x="4658448" y="2705179"/>
+            <a:ext cx="2207990" cy="231560"/>
+          </a:xfrm>
+          <a:prstGeom prst="leftArrow">
+            <a:avLst/>
+          </a:prstGeom>
+        </p:spPr>
+        <p:style>
+          <a:lnRef idx="1">
+            <a:schemeClr val="accent5"/>
+          </a:lnRef>
+          <a:fillRef idx="2">
+            <a:schemeClr val="accent5"/>
+          </a:fillRef>
+          <a:effectRef idx="1">
+            <a:schemeClr val="accent5"/>
+          </a:effectRef>
+          <a:fontRef idx="minor">
+            <a:schemeClr val="dk1"/>
+          </a:fontRef>
+        </p:style>
+        <p:txBody>
+          <a:bodyPr rtlCol="0" anchor="ctr"/>
+          <a:lstStyle/>
+          <a:p>
+            <a:pPr algn="ctr"/>
+            <a:endParaRPr lang="es-PE" dirty="0"/>
+          </a:p>
+        </p:txBody>
+      </p:sp>
+      <p:sp>
+        <p:nvSpPr>
+          <p:cNvPr id="5" name="4 Explosión 1"/>
+          <p:cNvSpPr/>
+          <p:nvPr/>
+        </p:nvSpPr>
+        <p:spPr>
+          <a:xfrm>
+            <a:off x="5335525" y="2785609"/>
+            <a:ext cx="3512215" cy="3359510"/>
+          </a:xfrm>
+          <a:prstGeom prst="irregularSeal1">
+            <a:avLst/>
+          </a:prstGeom>
+        </p:spPr>
+        <p:style>
+          <a:lnRef idx="1">
+            <a:schemeClr val="accent5"/>
+          </a:lnRef>
+          <a:fillRef idx="2">
+            <a:schemeClr val="accent5"/>
+          </a:fillRef>
+          <a:effectRef idx="1">
+            <a:schemeClr val="accent5"/>
+          </a:effectRef>
+          <a:fontRef idx="minor">
+            <a:schemeClr val="dk1"/>
+          </a:fontRef>
+        </p:style>
+        <p:txBody>
+          <a:bodyPr rtlCol="0" anchor="ctr"/>
+          <a:lstStyle/>
+          <a:p>
+            <a:pPr algn="ctr"/>
+            <a:r>
+              <a:rPr lang="es-PE" dirty="0" smtClean="0"/>
+              <a:t>El jugador empieza con cero punto y con tres  vidas</a:t>
+            </a:r>
+            <a:endParaRPr lang="es-PE" dirty="0"/>
+          </a:p>
+        </p:txBody>
+      </p:sp>
+    </p:spTree>
+    <p:extLst>
+      <p:ext uri="{BB962C8B-B14F-4D97-AF65-F5344CB8AC3E}">
+        <p14:creationId xmlns:p14="http://schemas.microsoft.com/office/powerpoint/2010/main" val="3431766224"/>
+      </p:ext>
+    </p:extLst>
+  </p:cSld>
+  <p:clrMapOvr>
+    <a:masterClrMapping/>
+  </p:clrMapOvr>
+  <p:timing>
+    <p:tnLst>
+      <p:par>
+        <p:cTn id="1" dur="indefinite" restart="never" nodeType="tmRoot">
+          <p:childTnLst>
+            <p:seq concurrent="1" nextAc="seek">
+              <p:cTn id="2" dur="indefinite" nodeType="mainSeq">
+                <p:childTnLst>
+                  <p:par>
+                    <p:cTn id="3" fill="hold">
+                      <p:stCondLst>
+                        <p:cond delay="indefinite"/>
+                      </p:stCondLst>
+                      <p:childTnLst>
+                        <p:par>
+                          <p:cTn id="4" fill="hold">
+                            <p:stCondLst>
+                              <p:cond delay="0"/>
+                            </p:stCondLst>
+                            <p:childTnLst>
+                              <p:par>
+                                <p:cTn id="5" presetID="6" presetClass="entr" presetSubtype="16" fill="hold" grpId="0" nodeType="clickEffect">
+                                  <p:stCondLst>
+                                    <p:cond delay="0"/>
+                                  </p:stCondLst>
+                                  <p:childTnLst>
+                                    <p:set>
+                                      <p:cBhvr>
+                                        <p:cTn id="6" dur="1" fill="hold">
+                                          <p:stCondLst>
+                                            <p:cond delay="0"/>
+                                          </p:stCondLst>
+                                        </p:cTn>
+                                        <p:tgtEl>
+                                          <p:spTgt spid="2"/>
+                                        </p:tgtEl>
+                                        <p:attrNameLst>
+                                          <p:attrName>style.visibility</p:attrName>
+                                        </p:attrNameLst>
+                                      </p:cBhvr>
+                                      <p:to>
+                                        <p:strVal val="visible"/>
+                                      </p:to>
+                                    </p:set>
+                                    <p:animEffect transition="in" filter="circle(in)">
+                                      <p:cBhvr>
+                                        <p:cTn id="7" dur="2000"/>
+                                        <p:tgtEl>
+                                          <p:spTgt spid="2"/>
+                                        </p:tgtEl>
+                                      </p:cBhvr>
+                                    </p:animEffect>
+                                  </p:childTnLst>
+                                </p:cTn>
+                              </p:par>
+                            </p:childTnLst>
+                          </p:cTn>
+                        </p:par>
+                      </p:childTnLst>
+                    </p:cTn>
+                  </p:par>
+                  <p:par>
+                    <p:cTn id="8" fill="hold">
+                      <p:stCondLst>
+                        <p:cond delay="indefinite"/>
+                      </p:stCondLst>
+                      <p:childTnLst>
+                        <p:par>
+                          <p:cTn id="9" fill="hold">
+                            <p:stCondLst>
+                              <p:cond delay="0"/>
+                            </p:stCondLst>
+                            <p:childTnLst>
+                              <p:par>
+                                <p:cTn id="10" presetID="16" presetClass="entr" presetSubtype="21" fill="hold" nodeType="clickEffect">
+                                  <p:stCondLst>
+                                    <p:cond delay="0"/>
+                                  </p:stCondLst>
+                                  <p:childTnLst>
+                                    <p:set>
+                                      <p:cBhvr>
+                                        <p:cTn id="11" dur="1" fill="hold">
+                                          <p:stCondLst>
+                                            <p:cond delay="0"/>
+                                          </p:stCondLst>
+                                        </p:cTn>
+                                        <p:tgtEl>
+                                          <p:spTgt spid="4098"/>
+                                        </p:tgtEl>
+                                        <p:attrNameLst>
+                                          <p:attrName>style.visibility</p:attrName>
+                                        </p:attrNameLst>
+                                      </p:cBhvr>
+                                      <p:to>
+                                        <p:strVal val="visible"/>
+                                      </p:to>
+                                    </p:set>
+                                    <p:animEffect transition="in" filter="barn(inVertical)">
+                                      <p:cBhvr>
+                                        <p:cTn id="12" dur="500"/>
+                                        <p:tgtEl>
+                                          <p:spTgt spid="4098"/>
+                                        </p:tgtEl>
+                                      </p:cBhvr>
+                                    </p:animEffect>
+                                  </p:childTnLst>
+                                </p:cTn>
+                              </p:par>
+                            </p:childTnLst>
+                          </p:cTn>
+                        </p:par>
+                      </p:childTnLst>
+                    </p:cTn>
+                  </p:par>
+                  <p:par>
+                    <p:cTn id="13" fill="hold">
+                      <p:stCondLst>
+                        <p:cond delay="indefinite"/>
+                      </p:stCondLst>
+                      <p:childTnLst>
+                        <p:par>
+                          <p:cTn id="14" fill="hold">
+                            <p:stCondLst>
+                              <p:cond delay="0"/>
+                            </p:stCondLst>
+                            <p:childTnLst>
+                              <p:par>
+                                <p:cTn id="15" presetID="42" presetClass="entr" presetSubtype="0" fill="hold" grpId="0" nodeType="clickEffect">
+                                  <p:stCondLst>
+                                    <p:cond delay="0"/>
+                                  </p:stCondLst>
+                                  <p:childTnLst>
+                                    <p:set>
+                                      <p:cBhvr>
+                                        <p:cTn id="16" dur="1" fill="hold">
+                                          <p:stCondLst>
+                                            <p:cond delay="0"/>
+                                          </p:stCondLst>
+                                        </p:cTn>
+                                        <p:tgtEl>
+                                          <p:spTgt spid="4"/>
+                                        </p:tgtEl>
+                                        <p:attrNameLst>
+                                          <p:attrName>style.visibility</p:attrName>
+                                        </p:attrNameLst>
+                                      </p:cBhvr>
+                                      <p:to>
+                                        <p:strVal val="visible"/>
+                                      </p:to>
+                                    </p:set>
+                                    <p:animEffect transition="in" filter="fade">
+                                      <p:cBhvr>
+                                        <p:cTn id="17" dur="1000"/>
+                                        <p:tgtEl>
+                                          <p:spTgt spid="4"/>
+                                        </p:tgtEl>
+                                      </p:cBhvr>
+                                    </p:animEffect>
+                                    <p:anim calcmode="lin" valueType="num">
+                                      <p:cBhvr>
+                                        <p:cTn id="18" dur="1000" fill="hold"/>
+                                        <p:tgtEl>
+                                          <p:spTgt spid="4"/>
+                                        </p:tgtEl>
+                                        <p:attrNameLst>
+                                          <p:attrName>ppt_x</p:attrName>
+                                        </p:attrNameLst>
+                                      </p:cBhvr>
+                                      <p:tavLst>
+                                        <p:tav tm="0">
+                                          <p:val>
+                                            <p:strVal val="#ppt_x"/>
+                                          </p:val>
+                                        </p:tav>
+                                        <p:tav tm="100000">
+                                          <p:val>
+                                            <p:strVal val="#ppt_x"/>
+                                          </p:val>
+                                        </p:tav>
+                                      </p:tavLst>
+                                    </p:anim>
+                                    <p:anim calcmode="lin" valueType="num">
+                                      <p:cBhvr>
+                                        <p:cTn id="19" dur="1000" fill="hold"/>
+                                        <p:tgtEl>
+                                          <p:spTgt spid="4"/>
+                                        </p:tgtEl>
+                                        <p:attrNameLst>
+                                          <p:attrName>ppt_y</p:attrName>
+                                        </p:attrNameLst>
+                                      </p:cBhvr>
+                                      <p:tavLst>
+                                        <p:tav tm="0">
+                                          <p:val>
+                                            <p:strVal val="#ppt_y+.1"/>
+                                          </p:val>
+                                        </p:tav>
+                                        <p:tav tm="100000">
+                                          <p:val>
+                                            <p:strVal val="#ppt_y"/>
+                                          </p:val>
+                                        </p:tav>
+                                      </p:tavLst>
+                                    </p:anim>
+                                  </p:childTnLst>
+                                </p:cTn>
+                              </p:par>
+                            </p:childTnLst>
+                          </p:cTn>
+                        </p:par>
+                      </p:childTnLst>
+                    </p:cTn>
+                  </p:par>
+                  <p:par>
+                    <p:cTn id="20" fill="hold">
+                      <p:stCondLst>
+                        <p:cond delay="indefinite"/>
+                      </p:stCondLst>
+                      <p:childTnLst>
+                        <p:par>
+                          <p:cTn id="21" fill="hold">
+                            <p:stCondLst>
+                              <p:cond delay="0"/>
+                            </p:stCondLst>
+                            <p:childTnLst>
+                              <p:par>
+                                <p:cTn id="22" presetID="26" presetClass="entr" presetSubtype="0" fill="hold" grpId="0" nodeType="clickEffect">
+                                  <p:stCondLst>
+                                    <p:cond delay="0"/>
+                                  </p:stCondLst>
+                                  <p:childTnLst>
+                                    <p:set>
+                                      <p:cBhvr>
+                                        <p:cTn id="23" dur="1" fill="hold">
+                                          <p:stCondLst>
+                                            <p:cond delay="0"/>
+                                          </p:stCondLst>
+                                        </p:cTn>
+                                        <p:tgtEl>
+                                          <p:spTgt spid="5"/>
+                                        </p:tgtEl>
+                                        <p:attrNameLst>
+                                          <p:attrName>style.visibility</p:attrName>
+                                        </p:attrNameLst>
+                                      </p:cBhvr>
+                                      <p:to>
+                                        <p:strVal val="visible"/>
+                                      </p:to>
+                                    </p:set>
+                                    <p:animEffect transition="in" filter="wipe(down)">
+                                      <p:cBhvr>
+                                        <p:cTn id="24" dur="580">
+                                          <p:stCondLst>
+                                            <p:cond delay="0"/>
+                                          </p:stCondLst>
+                                        </p:cTn>
+                                        <p:tgtEl>
+                                          <p:spTgt spid="5"/>
+                                        </p:tgtEl>
+                                      </p:cBhvr>
+                                    </p:animEffect>
+                                    <p:anim calcmode="lin" valueType="num">
+                                      <p:cBhvr>
+                                        <p:cTn id="25" dur="1822" tmFilter="0,0; 0.14,0.36; 0.43,0.73; 0.71,0.91; 1.0,1.0">
+                                          <p:stCondLst>
+                                            <p:cond delay="0"/>
+                                          </p:stCondLst>
+                                        </p:cTn>
+                                        <p:tgtEl>
+                                          <p:spTgt spid="5"/>
+                                        </p:tgtEl>
+                                        <p:attrNameLst>
+                                          <p:attrName>ppt_x</p:attrName>
+                                        </p:attrNameLst>
+                                      </p:cBhvr>
+                                      <p:tavLst>
+                                        <p:tav tm="0">
+                                          <p:val>
+                                            <p:strVal val="#ppt_x-0.25"/>
+                                          </p:val>
+                                        </p:tav>
+                                        <p:tav tm="100000">
+                                          <p:val>
+                                            <p:strVal val="#ppt_x"/>
+                                          </p:val>
+                                        </p:tav>
+                                      </p:tavLst>
+                                    </p:anim>
+                                    <p:anim calcmode="lin" valueType="num">
+                                      <p:cBhvr>
+                                        <p:cTn id="26" dur="664" tmFilter="0.0,0.0; 0.25,0.07; 0.50,0.2; 0.75,0.467; 1.0,1.0">
+                                          <p:stCondLst>
+                                            <p:cond delay="0"/>
+                                          </p:stCondLst>
+                                        </p:cTn>
+                                        <p:tgtEl>
+                                          <p:spTgt spid="5"/>
+                                        </p:tgtEl>
+                                        <p:attrNameLst>
+                                          <p:attrName>ppt_y</p:attrName>
+                                        </p:attrNameLst>
+                                      </p:cBhvr>
+                                      <p:tavLst>
+                                        <p:tav tm="0" fmla="#ppt_y-sin(pi*$)/3">
+                                          <p:val>
+                                            <p:fltVal val="0.5"/>
+                                          </p:val>
+                                        </p:tav>
+                                        <p:tav tm="100000">
+                                          <p:val>
+                                            <p:fltVal val="1"/>
+                                          </p:val>
+                                        </p:tav>
+                                      </p:tavLst>
+                                    </p:anim>
+                                    <p:anim calcmode="lin" valueType="num">
+                                      <p:cBhvr>
+                                        <p:cTn id="27" dur="664" tmFilter="0, 0; 0.125,0.2665; 0.25,0.4; 0.375,0.465; 0.5,0.5;  0.625,0.535; 0.75,0.6; 0.875,0.7335; 1,1">
+                                          <p:stCondLst>
+                                            <p:cond delay="664"/>
+                                          </p:stCondLst>
+                                        </p:cTn>
+                                        <p:tgtEl>
+                                          <p:spTgt spid="5"/>
+                                        </p:tgtEl>
+                                        <p:attrNameLst>
+                                          <p:attrName>ppt_y</p:attrName>
+                                        </p:attrNameLst>
+                                      </p:cBhvr>
+                                      <p:tavLst>
+                                        <p:tav tm="0" fmla="#ppt_y-sin(pi*$)/9">
+                                          <p:val>
+                                            <p:fltVal val="0"/>
+                                          </p:val>
+                                        </p:tav>
+                                        <p:tav tm="100000">
+                                          <p:val>
+                                            <p:fltVal val="1"/>
+                                          </p:val>
+                                        </p:tav>
+                                      </p:tavLst>
+                                    </p:anim>
+                                    <p:anim calcmode="lin" valueType="num">
+                                      <p:cBhvr>
+                                        <p:cTn id="28" dur="332" tmFilter="0, 0; 0.125,0.2665; 0.25,0.4; 0.375,0.465; 0.5,0.5;  0.625,0.535; 0.75,0.6; 0.875,0.7335; 1,1">
+                                          <p:stCondLst>
+                                            <p:cond delay="1324"/>
+                                          </p:stCondLst>
+                                        </p:cTn>
+                                        <p:tgtEl>
+                                          <p:spTgt spid="5"/>
+                                        </p:tgtEl>
+                                        <p:attrNameLst>
+                                          <p:attrName>ppt_y</p:attrName>
+                                        </p:attrNameLst>
+                                      </p:cBhvr>
+                                      <p:tavLst>
+                                        <p:tav tm="0" fmla="#ppt_y-sin(pi*$)/27">
+                                          <p:val>
+                                            <p:fltVal val="0"/>
+                                          </p:val>
+                                        </p:tav>
+                                        <p:tav tm="100000">
+                                          <p:val>
+                                            <p:fltVal val="1"/>
+                                          </p:val>
+                                        </p:tav>
+                                      </p:tavLst>
+                                    </p:anim>
+                                    <p:anim calcmode="lin" valueType="num">
+                                      <p:cBhvr>
+                                        <p:cTn id="29" dur="164" tmFilter="0, 0; 0.125,0.2665; 0.25,0.4; 0.375,0.465; 0.5,0.5;  0.625,0.535; 0.75,0.6; 0.875,0.7335; 1,1">
+                                          <p:stCondLst>
+                                            <p:cond delay="1656"/>
+                                          </p:stCondLst>
+                                        </p:cTn>
+                                        <p:tgtEl>
+                                          <p:spTgt spid="5"/>
+                                        </p:tgtEl>
+                                        <p:attrNameLst>
+                                          <p:attrName>ppt_y</p:attrName>
+                                        </p:attrNameLst>
+                                      </p:cBhvr>
+                                      <p:tavLst>
+                                        <p:tav tm="0" fmla="#ppt_y-sin(pi*$)/81">
+                                          <p:val>
+                                            <p:fltVal val="0"/>
+                                          </p:val>
+                                        </p:tav>
+                                        <p:tav tm="100000">
+                                          <p:val>
+                                            <p:fltVal val="1"/>
+                                          </p:val>
+                                        </p:tav>
+                                      </p:tavLst>
+                                    </p:anim>
+                                    <p:animScale>
+                                      <p:cBhvr>
+                                        <p:cTn id="30" dur="26">
+                                          <p:stCondLst>
+                                            <p:cond delay="650"/>
+                                          </p:stCondLst>
+                                        </p:cTn>
+                                        <p:tgtEl>
+                                          <p:spTgt spid="5"/>
+                                        </p:tgtEl>
+                                      </p:cBhvr>
+                                      <p:to x="100000" y="60000"/>
+                                    </p:animScale>
+                                    <p:animScale>
+                                      <p:cBhvr>
+                                        <p:cTn id="31" dur="166" decel="50000">
+                                          <p:stCondLst>
+                                            <p:cond delay="676"/>
+                                          </p:stCondLst>
+                                        </p:cTn>
+                                        <p:tgtEl>
+                                          <p:spTgt spid="5"/>
+                                        </p:tgtEl>
+                                      </p:cBhvr>
+                                      <p:to x="100000" y="100000"/>
+                                    </p:animScale>
+                                    <p:animScale>
+                                      <p:cBhvr>
+                                        <p:cTn id="32" dur="26">
+                                          <p:stCondLst>
+                                            <p:cond delay="1312"/>
+                                          </p:stCondLst>
+                                        </p:cTn>
+                                        <p:tgtEl>
+                                          <p:spTgt spid="5"/>
+                                        </p:tgtEl>
+                                      </p:cBhvr>
+                                      <p:to x="100000" y="80000"/>
+                                    </p:animScale>
+                                    <p:animScale>
+                                      <p:cBhvr>
+                                        <p:cTn id="33" dur="166" decel="50000">
+                                          <p:stCondLst>
+                                            <p:cond delay="1338"/>
+                                          </p:stCondLst>
+                                        </p:cTn>
+                                        <p:tgtEl>
+                                          <p:spTgt spid="5"/>
+                                        </p:tgtEl>
+                                      </p:cBhvr>
+                                      <p:to x="100000" y="100000"/>
+                                    </p:animScale>
+                                    <p:animScale>
+                                      <p:cBhvr>
+                                        <p:cTn id="34" dur="26">
+                                          <p:stCondLst>
+                                            <p:cond delay="1642"/>
+                                          </p:stCondLst>
+                                        </p:cTn>
+                                        <p:tgtEl>
+                                          <p:spTgt spid="5"/>
+                                        </p:tgtEl>
+                                      </p:cBhvr>
+                                      <p:to x="100000" y="90000"/>
+                                    </p:animScale>
+                                    <p:animScale>
+                                      <p:cBhvr>
+                                        <p:cTn id="35" dur="166" decel="50000">
+                                          <p:stCondLst>
+                                            <p:cond delay="1668"/>
+                                          </p:stCondLst>
+                                        </p:cTn>
+                                        <p:tgtEl>
+                                          <p:spTgt spid="5"/>
+                                        </p:tgtEl>
+                                      </p:cBhvr>
+                                      <p:to x="100000" y="100000"/>
+                                    </p:animScale>
+                                    <p:animScale>
+                                      <p:cBhvr>
+                                        <p:cTn id="36" dur="26">
+                                          <p:stCondLst>
+                                            <p:cond delay="1808"/>
+                                          </p:stCondLst>
+                                        </p:cTn>
+                                        <p:tgtEl>
+                                          <p:spTgt spid="5"/>
+                                        </p:tgtEl>
+                                      </p:cBhvr>
+                                      <p:to x="100000" y="95000"/>
+                                    </p:animScale>
+                                    <p:animScale>
+                                      <p:cBhvr>
+                                        <p:cTn id="37" dur="166" decel="50000">
+                                          <p:stCondLst>
+                                            <p:cond delay="1834"/>
+                                          </p:stCondLst>
+                                        </p:cTn>
+                                        <p:tgtEl>
+                                          <p:spTgt spid="5"/>
+                                        </p:tgtEl>
+                                      </p:cBhvr>
+                                      <p:to x="100000" y="100000"/>
+                                    </p:animScale>
+                                  </p:childTnLst>
+                                </p:cTn>
+                              </p:par>
+                            </p:childTnLst>
+                          </p:cTn>
+                        </p:par>
+                      </p:childTnLst>
+                    </p:cTn>
+                  </p:par>
+                </p:childTnLst>
+              </p:cTn>
+              <p:prevCondLst>
+                <p:cond evt="onPrev" delay="0">
+                  <p:tgtEl>
+                    <p:sldTgt/>
+                  </p:tgtEl>
+                </p:cond>
+              </p:prevCondLst>
+              <p:nextCondLst>
+                <p:cond evt="onNext" delay="0">
+                  <p:tgtEl>
+                    <p:sldTgt/>
+                  </p:tgtEl>
+                </p:cond>
+              </p:nextCondLst>
+            </p:seq>
+          </p:childTnLst>
+        </p:cTn>
+      </p:par>
+    </p:tnLst>
+    <p:bldLst>
+      <p:bldP spid="2" grpId="0" animBg="1"/>
+      <p:bldP spid="4" grpId="0" animBg="1"/>
+      <p:bldP spid="5" grpId="0" animBg="1"/>
+    </p:bldLst>
   </p:timing>
 </p:sld>
 </file>
 
 <file path=ppt/theme/theme1.xml><?xml version="1.0" encoding="utf-8"?>
-<a:theme xmlns:a="http://schemas.openxmlformats.org/drawingml/2006/main" name="Tema de Office">
+<a:theme xmlns:a="http://schemas.openxmlformats.org/drawingml/2006/main" name="Office Theme">
   <a:themeElements>
     <a:clrScheme name="Office">
       <a:dk1>
